--- a/_drafts/LeNet论文阅读笔记/额外图示.pptx
+++ b/_drafts/LeNet论文阅读笔记/额外图示.pptx
@@ -6,6 +6,7 @@
   </p:sldMasterIdLst>
   <p:sldIdLst>
     <p:sldId id="257" r:id="rId2"/>
+    <p:sldId id="258" r:id="rId3"/>
   </p:sldIdLst>
   <p:sldSz cx="12192000" cy="6858000"/>
   <p:notesSz cx="6858000" cy="9144000"/>
@@ -342,7 +343,7 @@
             <a:fld id="{B61BEF0D-F0BB-DE4B-95CE-6DB70DBA9567}" type="datetimeFigureOut">
               <a:rPr lang="en-US" dirty="0"/>
               <a:pPr/>
-              <a:t>1/29/2019</a:t>
+              <a:t>1/31/2019</a:t>
             </a:fld>
             <a:endParaRPr lang="en-US" dirty="0"/>
           </a:p>
@@ -673,7 +674,7 @@
             <a:fld id="{B61BEF0D-F0BB-DE4B-95CE-6DB70DBA9567}" type="datetimeFigureOut">
               <a:rPr lang="en-US" dirty="0"/>
               <a:pPr/>
-              <a:t>1/29/2019</a:t>
+              <a:t>1/31/2019</a:t>
             </a:fld>
             <a:endParaRPr lang="en-US" dirty="0"/>
           </a:p>
@@ -948,7 +949,7 @@
             <a:fld id="{B61BEF0D-F0BB-DE4B-95CE-6DB70DBA9567}" type="datetimeFigureOut">
               <a:rPr lang="en-US" dirty="0"/>
               <a:pPr/>
-              <a:t>1/29/2019</a:t>
+              <a:t>1/31/2019</a:t>
             </a:fld>
             <a:endParaRPr lang="en-US" dirty="0"/>
           </a:p>
@@ -1513,7 +1514,7 @@
             <a:fld id="{B61BEF0D-F0BB-DE4B-95CE-6DB70DBA9567}" type="datetimeFigureOut">
               <a:rPr lang="en-US" dirty="0"/>
               <a:pPr/>
-              <a:t>1/29/2019</a:t>
+              <a:t>1/31/2019</a:t>
             </a:fld>
             <a:endParaRPr lang="en-US" dirty="0"/>
           </a:p>
@@ -1788,7 +1789,7 @@
             <a:fld id="{B61BEF0D-F0BB-DE4B-95CE-6DB70DBA9567}" type="datetimeFigureOut">
               <a:rPr lang="en-US" dirty="0"/>
               <a:pPr/>
-              <a:t>1/29/2019</a:t>
+              <a:t>1/31/2019</a:t>
             </a:fld>
             <a:endParaRPr lang="en-US" dirty="0"/>
           </a:p>
@@ -2347,7 +2348,7 @@
             <a:fld id="{B61BEF0D-F0BB-DE4B-95CE-6DB70DBA9567}" type="datetimeFigureOut">
               <a:rPr lang="en-US" dirty="0"/>
               <a:pPr/>
-              <a:t>1/29/2019</a:t>
+              <a:t>1/31/2019</a:t>
             </a:fld>
             <a:endParaRPr lang="en-US" dirty="0"/>
           </a:p>
@@ -2671,7 +2672,7 @@
             <a:fld id="{B61BEF0D-F0BB-DE4B-95CE-6DB70DBA9567}" type="datetimeFigureOut">
               <a:rPr lang="en-US" dirty="0"/>
               <a:pPr/>
-              <a:t>1/29/2019</a:t>
+              <a:t>1/31/2019</a:t>
             </a:fld>
             <a:endParaRPr lang="en-US" dirty="0"/>
           </a:p>
@@ -2845,7 +2846,7 @@
             <a:fld id="{B61BEF0D-F0BB-DE4B-95CE-6DB70DBA9567}" type="datetimeFigureOut">
               <a:rPr lang="en-US" dirty="0"/>
               <a:pPr/>
-              <a:t>1/29/2019</a:t>
+              <a:t>1/31/2019</a:t>
             </a:fld>
             <a:endParaRPr lang="en-US" dirty="0"/>
           </a:p>
@@ -3080,7 +3081,7 @@
             <a:fld id="{B61BEF0D-F0BB-DE4B-95CE-6DB70DBA9567}" type="datetimeFigureOut">
               <a:rPr lang="en-US" dirty="0"/>
               <a:pPr/>
-              <a:t>1/29/2019</a:t>
+              <a:t>1/31/2019</a:t>
             </a:fld>
             <a:endParaRPr lang="en-US" dirty="0"/>
           </a:p>
@@ -3277,7 +3278,7 @@
             <a:fld id="{B61BEF0D-F0BB-DE4B-95CE-6DB70DBA9567}" type="datetimeFigureOut">
               <a:rPr lang="en-US" dirty="0"/>
               <a:pPr/>
-              <a:t>1/29/2019</a:t>
+              <a:t>1/31/2019</a:t>
             </a:fld>
             <a:endParaRPr lang="en-US" dirty="0"/>
           </a:p>
@@ -3550,7 +3551,7 @@
             <a:fld id="{B61BEF0D-F0BB-DE4B-95CE-6DB70DBA9567}" type="datetimeFigureOut">
               <a:rPr lang="en-US" dirty="0"/>
               <a:pPr/>
-              <a:t>1/29/2019</a:t>
+              <a:t>1/31/2019</a:t>
             </a:fld>
             <a:endParaRPr lang="en-US" dirty="0"/>
           </a:p>
@@ -3813,7 +3814,7 @@
             <a:fld id="{B61BEF0D-F0BB-DE4B-95CE-6DB70DBA9567}" type="datetimeFigureOut">
               <a:rPr lang="en-US" dirty="0"/>
               <a:pPr/>
-              <a:t>1/29/2019</a:t>
+              <a:t>1/31/2019</a:t>
             </a:fld>
             <a:endParaRPr lang="en-US" dirty="0"/>
           </a:p>
@@ -4184,7 +4185,7 @@
             <a:fld id="{B61BEF0D-F0BB-DE4B-95CE-6DB70DBA9567}" type="datetimeFigureOut">
               <a:rPr lang="en-US" dirty="0"/>
               <a:pPr/>
-              <a:t>1/29/2019</a:t>
+              <a:t>1/31/2019</a:t>
             </a:fld>
             <a:endParaRPr lang="en-US" dirty="0"/>
           </a:p>
@@ -4329,7 +4330,7 @@
             <a:fld id="{B61BEF0D-F0BB-DE4B-95CE-6DB70DBA9567}" type="datetimeFigureOut">
               <a:rPr lang="en-US" dirty="0"/>
               <a:pPr/>
-              <a:t>1/29/2019</a:t>
+              <a:t>1/31/2019</a:t>
             </a:fld>
             <a:endParaRPr lang="en-US" dirty="0"/>
           </a:p>
@@ -4451,7 +4452,7 @@
             <a:fld id="{B61BEF0D-F0BB-DE4B-95CE-6DB70DBA9567}" type="datetimeFigureOut">
               <a:rPr lang="en-US" dirty="0"/>
               <a:pPr/>
-              <a:t>1/29/2019</a:t>
+              <a:t>1/31/2019</a:t>
             </a:fld>
             <a:endParaRPr lang="en-US" dirty="0"/>
           </a:p>
@@ -4733,7 +4734,7 @@
             <a:fld id="{B61BEF0D-F0BB-DE4B-95CE-6DB70DBA9567}" type="datetimeFigureOut">
               <a:rPr lang="en-US" dirty="0"/>
               <a:pPr/>
-              <a:t>1/29/2019</a:t>
+              <a:t>1/31/2019</a:t>
             </a:fld>
             <a:endParaRPr lang="en-US" dirty="0"/>
           </a:p>
@@ -5054,7 +5055,7 @@
             <a:fld id="{B61BEF0D-F0BB-DE4B-95CE-6DB70DBA9567}" type="datetimeFigureOut">
               <a:rPr lang="en-US" dirty="0"/>
               <a:pPr/>
-              <a:t>1/29/2019</a:t>
+              <a:t>1/31/2019</a:t>
             </a:fld>
             <a:endParaRPr lang="en-US" dirty="0"/>
           </a:p>
@@ -5265,7 +5266,7 @@
             <a:fld id="{B61BEF0D-F0BB-DE4B-95CE-6DB70DBA9567}" type="datetimeFigureOut">
               <a:rPr lang="en-US" dirty="0"/>
               <a:pPr/>
-              <a:t>1/29/2019</a:t>
+              <a:t>1/31/2019</a:t>
             </a:fld>
             <a:endParaRPr lang="en-US" dirty="0"/>
           </a:p>
@@ -7037,54 +7038,6 @@
       </p:cxnSp>
       <p:sp>
         <p:nvSpPr>
-          <p:cNvPr id="128" name="文本框 127">
-            <a:extLst>
-              <a:ext uri="{FF2B5EF4-FFF2-40B4-BE49-F238E27FC236}">
-                <a16:creationId xmlns:a16="http://schemas.microsoft.com/office/drawing/2014/main" id="{BB39D5CE-38E4-4605-8110-92E326C51262}"/>
-              </a:ext>
-            </a:extLst>
-          </p:cNvPr>
-          <p:cNvSpPr txBox="1"/>
-          <p:nvPr/>
-        </p:nvSpPr>
-        <p:spPr>
-          <a:xfrm>
-            <a:off x="5450727" y="1009156"/>
-            <a:ext cx="451309" cy="338554"/>
-          </a:xfrm>
-          <a:prstGeom prst="rect">
-            <a:avLst/>
-          </a:prstGeom>
-          <a:noFill/>
-        </p:spPr>
-        <p:txBody>
-          <a:bodyPr wrap="square" rtlCol="0">
-            <a:spAutoFit/>
-          </a:bodyPr>
-          <a:lstStyle/>
-          <a:p>
-            <a:r>
-              <a:rPr lang="en-US" altLang="zh-CN" sz="1600" dirty="0">
-                <a:solidFill>
-                  <a:srgbClr val="FFC000"/>
-                </a:solidFill>
-                <a:latin typeface="微软雅黑" panose="020B0503020204020204" pitchFamily="34" charset="-122"/>
-                <a:ea typeface="微软雅黑" panose="020B0503020204020204" pitchFamily="34" charset="-122"/>
-              </a:rPr>
-              <a:t>0#</a:t>
-            </a:r>
-            <a:endParaRPr lang="zh-CN" altLang="en-US" sz="1600" dirty="0">
-              <a:solidFill>
-                <a:srgbClr val="FFC000"/>
-              </a:solidFill>
-              <a:latin typeface="微软雅黑" panose="020B0503020204020204" pitchFamily="34" charset="-122"/>
-              <a:ea typeface="微软雅黑" panose="020B0503020204020204" pitchFamily="34" charset="-122"/>
-            </a:endParaRPr>
-          </a:p>
-        </p:txBody>
-      </p:sp>
-      <p:sp>
-        <p:nvSpPr>
           <p:cNvPr id="129" name="文本框 128">
             <a:extLst>
               <a:ext uri="{FF2B5EF4-FFF2-40B4-BE49-F238E27FC236}">
@@ -7908,6 +7861,2534 @@
     <p:extLst>
       <p:ext uri="{BB962C8B-B14F-4D97-AF65-F5344CB8AC3E}">
         <p14:creationId xmlns:p14="http://schemas.microsoft.com/office/powerpoint/2010/main" val="576459381"/>
+      </p:ext>
+    </p:extLst>
+  </p:cSld>
+  <p:clrMapOvr>
+    <a:masterClrMapping/>
+  </p:clrMapOvr>
+</p:sld>
+</file>
+
+<file path=ppt/slides/slide2.xml><?xml version="1.0" encoding="utf-8"?>
+<p:sld xmlns:a="http://schemas.openxmlformats.org/drawingml/2006/main" xmlns:r="http://schemas.openxmlformats.org/officeDocument/2006/relationships" xmlns:p="http://schemas.openxmlformats.org/presentationml/2006/main">
+  <p:cSld>
+    <p:spTree>
+      <p:nvGrpSpPr>
+        <p:cNvPr id="1" name=""/>
+        <p:cNvGrpSpPr/>
+        <p:nvPr/>
+      </p:nvGrpSpPr>
+      <p:grpSpPr>
+        <a:xfrm>
+          <a:off x="0" y="0"/>
+          <a:ext cx="0" cy="0"/>
+          <a:chOff x="0" y="0"/>
+          <a:chExt cx="0" cy="0"/>
+        </a:xfrm>
+      </p:grpSpPr>
+      <p:sp>
+        <p:nvSpPr>
+          <p:cNvPr id="2" name="矩形 1">
+            <a:extLst>
+              <a:ext uri="{FF2B5EF4-FFF2-40B4-BE49-F238E27FC236}">
+                <a16:creationId xmlns:a16="http://schemas.microsoft.com/office/drawing/2014/main" id="{D592F05A-3CE5-48A3-8576-EFE4B6265795}"/>
+              </a:ext>
+            </a:extLst>
+          </p:cNvPr>
+          <p:cNvSpPr/>
+          <p:nvPr/>
+        </p:nvSpPr>
+        <p:spPr>
+          <a:xfrm>
+            <a:off x="4673599" y="1317815"/>
+            <a:ext cx="1207364" cy="4222370"/>
+          </a:xfrm>
+          <a:prstGeom prst="rect">
+            <a:avLst/>
+          </a:prstGeom>
+          <a:solidFill>
+            <a:schemeClr val="accent3">
+              <a:lumMod val="20000"/>
+              <a:lumOff val="80000"/>
+              <a:alpha val="70000"/>
+            </a:schemeClr>
+          </a:solidFill>
+          <a:ln>
+            <a:solidFill>
+              <a:srgbClr val="FFC000"/>
+            </a:solidFill>
+          </a:ln>
+        </p:spPr>
+        <p:style>
+          <a:lnRef idx="2">
+            <a:schemeClr val="accent1">
+              <a:shade val="50000"/>
+            </a:schemeClr>
+          </a:lnRef>
+          <a:fillRef idx="1">
+            <a:schemeClr val="accent1"/>
+          </a:fillRef>
+          <a:effectRef idx="0">
+            <a:schemeClr val="accent1"/>
+          </a:effectRef>
+          <a:fontRef idx="minor">
+            <a:schemeClr val="lt1"/>
+          </a:fontRef>
+        </p:style>
+        <p:txBody>
+          <a:bodyPr rtlCol="0" anchor="ctr"/>
+          <a:lstStyle/>
+          <a:p>
+            <a:pPr algn="ctr"/>
+            <a:endParaRPr lang="zh-CN" altLang="en-US"/>
+          </a:p>
+        </p:txBody>
+      </p:sp>
+      <p:sp>
+        <p:nvSpPr>
+          <p:cNvPr id="128" name="文本框 127">
+            <a:extLst>
+              <a:ext uri="{FF2B5EF4-FFF2-40B4-BE49-F238E27FC236}">
+                <a16:creationId xmlns:a16="http://schemas.microsoft.com/office/drawing/2014/main" id="{BB39D5CE-38E4-4605-8110-92E326C51262}"/>
+              </a:ext>
+            </a:extLst>
+          </p:cNvPr>
+          <p:cNvSpPr txBox="1"/>
+          <p:nvPr/>
+        </p:nvSpPr>
+        <p:spPr>
+          <a:xfrm>
+            <a:off x="5118172" y="3245433"/>
+            <a:ext cx="451309" cy="923330"/>
+          </a:xfrm>
+          <a:prstGeom prst="rect">
+            <a:avLst/>
+          </a:prstGeom>
+          <a:noFill/>
+        </p:spPr>
+        <p:txBody>
+          <a:bodyPr wrap="square" rtlCol="0">
+            <a:spAutoFit/>
+          </a:bodyPr>
+          <a:lstStyle/>
+          <a:p>
+            <a:r>
+              <a:rPr lang="en-US" altLang="zh-CN" b="1" dirty="0">
+                <a:solidFill>
+                  <a:schemeClr val="bg1"/>
+                </a:solidFill>
+                <a:latin typeface="微软雅黑" panose="020B0503020204020204" pitchFamily="34" charset="-122"/>
+                <a:ea typeface="微软雅黑" panose="020B0503020204020204" pitchFamily="34" charset="-122"/>
+              </a:rPr>
+              <a:t>·</a:t>
+            </a:r>
+          </a:p>
+          <a:p>
+            <a:r>
+              <a:rPr lang="en-US" altLang="zh-CN" b="1" dirty="0">
+                <a:solidFill>
+                  <a:schemeClr val="bg1"/>
+                </a:solidFill>
+                <a:latin typeface="微软雅黑" panose="020B0503020204020204" pitchFamily="34" charset="-122"/>
+                <a:ea typeface="微软雅黑" panose="020B0503020204020204" pitchFamily="34" charset="-122"/>
+              </a:rPr>
+              <a:t>·</a:t>
+            </a:r>
+          </a:p>
+          <a:p>
+            <a:r>
+              <a:rPr lang="en-US" altLang="zh-CN" b="1" dirty="0">
+                <a:solidFill>
+                  <a:schemeClr val="bg1"/>
+                </a:solidFill>
+                <a:latin typeface="微软雅黑" panose="020B0503020204020204" pitchFamily="34" charset="-122"/>
+                <a:ea typeface="微软雅黑" panose="020B0503020204020204" pitchFamily="34" charset="-122"/>
+              </a:rPr>
+              <a:t>·</a:t>
+            </a:r>
+            <a:endParaRPr lang="zh-CN" altLang="en-US" b="1" dirty="0">
+              <a:solidFill>
+                <a:schemeClr val="bg1"/>
+              </a:solidFill>
+              <a:latin typeface="微软雅黑" panose="020B0503020204020204" pitchFamily="34" charset="-122"/>
+              <a:ea typeface="微软雅黑" panose="020B0503020204020204" pitchFamily="34" charset="-122"/>
+            </a:endParaRPr>
+          </a:p>
+        </p:txBody>
+      </p:sp>
+      <p:sp>
+        <p:nvSpPr>
+          <p:cNvPr id="47" name="文本框 46">
+            <a:extLst>
+              <a:ext uri="{FF2B5EF4-FFF2-40B4-BE49-F238E27FC236}">
+                <a16:creationId xmlns:a16="http://schemas.microsoft.com/office/drawing/2014/main" id="{960F410B-71D6-4DD1-8519-070AC59C493F}"/>
+              </a:ext>
+            </a:extLst>
+          </p:cNvPr>
+          <p:cNvSpPr txBox="1"/>
+          <p:nvPr/>
+        </p:nvSpPr>
+        <p:spPr>
+          <a:xfrm>
+            <a:off x="4794483" y="951734"/>
+            <a:ext cx="922047" cy="338554"/>
+          </a:xfrm>
+          <a:prstGeom prst="rect">
+            <a:avLst/>
+          </a:prstGeom>
+          <a:noFill/>
+        </p:spPr>
+        <p:txBody>
+          <a:bodyPr wrap="none" rtlCol="0">
+            <a:spAutoFit/>
+          </a:bodyPr>
+          <a:lstStyle/>
+          <a:p>
+            <a:r>
+              <a:rPr lang="zh-CN" altLang="en-US" sz="1600" dirty="0">
+                <a:solidFill>
+                  <a:srgbClr val="FFC000"/>
+                </a:solidFill>
+                <a:latin typeface="微软雅黑" panose="020B0503020204020204" pitchFamily="34" charset="-122"/>
+                <a:ea typeface="微软雅黑" panose="020B0503020204020204" pitchFamily="34" charset="-122"/>
+              </a:rPr>
+              <a:t>输 出 层</a:t>
+            </a:r>
+          </a:p>
+        </p:txBody>
+      </p:sp>
+      <p:sp>
+        <p:nvSpPr>
+          <p:cNvPr id="4" name="椭圆 3">
+            <a:extLst>
+              <a:ext uri="{FF2B5EF4-FFF2-40B4-BE49-F238E27FC236}">
+                <a16:creationId xmlns:a16="http://schemas.microsoft.com/office/drawing/2014/main" id="{E34078DC-A037-4292-991B-90CB8ACCA766}"/>
+              </a:ext>
+            </a:extLst>
+          </p:cNvPr>
+          <p:cNvSpPr/>
+          <p:nvPr/>
+        </p:nvSpPr>
+        <p:spPr>
+          <a:xfrm>
+            <a:off x="5024774" y="1434925"/>
+            <a:ext cx="469918" cy="439086"/>
+          </a:xfrm>
+          <a:prstGeom prst="ellipse">
+            <a:avLst/>
+          </a:prstGeom>
+          <a:solidFill>
+            <a:schemeClr val="bg2">
+              <a:lumMod val="20000"/>
+              <a:lumOff val="80000"/>
+            </a:schemeClr>
+          </a:solidFill>
+        </p:spPr>
+        <p:style>
+          <a:lnRef idx="2">
+            <a:schemeClr val="accent1">
+              <a:shade val="50000"/>
+            </a:schemeClr>
+          </a:lnRef>
+          <a:fillRef idx="1">
+            <a:schemeClr val="accent1"/>
+          </a:fillRef>
+          <a:effectRef idx="0">
+            <a:schemeClr val="accent1"/>
+          </a:effectRef>
+          <a:fontRef idx="minor">
+            <a:schemeClr val="lt1"/>
+          </a:fontRef>
+        </p:style>
+        <p:txBody>
+          <a:bodyPr rtlCol="0" anchor="ctr"/>
+          <a:lstStyle/>
+          <a:p>
+            <a:pPr algn="ctr"/>
+            <a:r>
+              <a:rPr lang="en-US" altLang="zh-CN" sz="1400" dirty="0">
+                <a:solidFill>
+                  <a:srgbClr val="FF0000"/>
+                </a:solidFill>
+                <a:latin typeface="微软雅黑" panose="020B0503020204020204" pitchFamily="34" charset="-122"/>
+                <a:ea typeface="微软雅黑" panose="020B0503020204020204" pitchFamily="34" charset="-122"/>
+              </a:rPr>
+              <a:t>1</a:t>
+            </a:r>
+            <a:endParaRPr lang="zh-CN" altLang="en-US" sz="1400" dirty="0">
+              <a:solidFill>
+                <a:srgbClr val="FF0000"/>
+              </a:solidFill>
+              <a:latin typeface="微软雅黑" panose="020B0503020204020204" pitchFamily="34" charset="-122"/>
+              <a:ea typeface="微软雅黑" panose="020B0503020204020204" pitchFamily="34" charset="-122"/>
+            </a:endParaRPr>
+          </a:p>
+        </p:txBody>
+      </p:sp>
+      <p:sp>
+        <p:nvSpPr>
+          <p:cNvPr id="49" name="椭圆 48">
+            <a:extLst>
+              <a:ext uri="{FF2B5EF4-FFF2-40B4-BE49-F238E27FC236}">
+                <a16:creationId xmlns:a16="http://schemas.microsoft.com/office/drawing/2014/main" id="{5642AD8C-79B4-459B-824B-2A8203B0A1D5}"/>
+              </a:ext>
+            </a:extLst>
+          </p:cNvPr>
+          <p:cNvSpPr/>
+          <p:nvPr/>
+        </p:nvSpPr>
+        <p:spPr>
+          <a:xfrm>
+            <a:off x="5051574" y="2068418"/>
+            <a:ext cx="469918" cy="439086"/>
+          </a:xfrm>
+          <a:prstGeom prst="ellipse">
+            <a:avLst/>
+          </a:prstGeom>
+          <a:solidFill>
+            <a:schemeClr val="bg2">
+              <a:lumMod val="20000"/>
+              <a:lumOff val="80000"/>
+            </a:schemeClr>
+          </a:solidFill>
+        </p:spPr>
+        <p:style>
+          <a:lnRef idx="2">
+            <a:schemeClr val="accent1">
+              <a:shade val="50000"/>
+            </a:schemeClr>
+          </a:lnRef>
+          <a:fillRef idx="1">
+            <a:schemeClr val="accent1"/>
+          </a:fillRef>
+          <a:effectRef idx="0">
+            <a:schemeClr val="accent1"/>
+          </a:effectRef>
+          <a:fontRef idx="minor">
+            <a:schemeClr val="lt1"/>
+          </a:fontRef>
+        </p:style>
+        <p:txBody>
+          <a:bodyPr rot="0" spcFirstLastPara="0" vertOverflow="overflow" horzOverflow="overflow" vert="horz" wrap="square" lIns="91440" tIns="45720" rIns="91440" bIns="45720" numCol="1" spcCol="0" rtlCol="0" fromWordArt="0" anchor="ctr" anchorCtr="0" forceAA="0" compatLnSpc="1">
+            <a:prstTxWarp prst="textNoShape">
+              <a:avLst/>
+            </a:prstTxWarp>
+            <a:noAutofit/>
+          </a:bodyPr>
+          <a:lstStyle/>
+          <a:p>
+            <a:pPr algn="ctr"/>
+            <a:r>
+              <a:rPr lang="en-US" altLang="zh-CN" dirty="0">
+                <a:solidFill>
+                  <a:srgbClr val="FF0000"/>
+                </a:solidFill>
+              </a:rPr>
+              <a:t>2</a:t>
+            </a:r>
+            <a:endParaRPr lang="zh-CN" altLang="en-US" dirty="0">
+              <a:solidFill>
+                <a:srgbClr val="FF0000"/>
+              </a:solidFill>
+            </a:endParaRPr>
+          </a:p>
+        </p:txBody>
+      </p:sp>
+      <p:sp>
+        <p:nvSpPr>
+          <p:cNvPr id="50" name="椭圆 49">
+            <a:extLst>
+              <a:ext uri="{FF2B5EF4-FFF2-40B4-BE49-F238E27FC236}">
+                <a16:creationId xmlns:a16="http://schemas.microsoft.com/office/drawing/2014/main" id="{DD1874DB-1257-4511-8447-BF1EF8C5B247}"/>
+              </a:ext>
+            </a:extLst>
+          </p:cNvPr>
+          <p:cNvSpPr/>
+          <p:nvPr/>
+        </p:nvSpPr>
+        <p:spPr>
+          <a:xfrm>
+            <a:off x="5042322" y="2722332"/>
+            <a:ext cx="469918" cy="439086"/>
+          </a:xfrm>
+          <a:prstGeom prst="ellipse">
+            <a:avLst/>
+          </a:prstGeom>
+          <a:solidFill>
+            <a:schemeClr val="bg2">
+              <a:lumMod val="20000"/>
+              <a:lumOff val="80000"/>
+            </a:schemeClr>
+          </a:solidFill>
+        </p:spPr>
+        <p:style>
+          <a:lnRef idx="2">
+            <a:schemeClr val="accent1">
+              <a:shade val="50000"/>
+            </a:schemeClr>
+          </a:lnRef>
+          <a:fillRef idx="1">
+            <a:schemeClr val="accent1"/>
+          </a:fillRef>
+          <a:effectRef idx="0">
+            <a:schemeClr val="accent1"/>
+          </a:effectRef>
+          <a:fontRef idx="minor">
+            <a:schemeClr val="lt1"/>
+          </a:fontRef>
+        </p:style>
+        <p:txBody>
+          <a:bodyPr rot="0" spcFirstLastPara="0" vertOverflow="overflow" horzOverflow="overflow" vert="horz" wrap="square" lIns="91440" tIns="45720" rIns="91440" bIns="45720" numCol="1" spcCol="0" rtlCol="0" fromWordArt="0" anchor="ctr" anchorCtr="0" forceAA="0" compatLnSpc="1">
+            <a:prstTxWarp prst="textNoShape">
+              <a:avLst/>
+            </a:prstTxWarp>
+            <a:noAutofit/>
+          </a:bodyPr>
+          <a:lstStyle/>
+          <a:p>
+            <a:pPr algn="ctr"/>
+            <a:r>
+              <a:rPr lang="en-US" altLang="zh-CN" dirty="0">
+                <a:solidFill>
+                  <a:srgbClr val="FF0000"/>
+                </a:solidFill>
+              </a:rPr>
+              <a:t>3</a:t>
+            </a:r>
+            <a:endParaRPr lang="zh-CN" altLang="en-US" dirty="0">
+              <a:solidFill>
+                <a:srgbClr val="FF0000"/>
+              </a:solidFill>
+            </a:endParaRPr>
+          </a:p>
+        </p:txBody>
+      </p:sp>
+      <p:sp>
+        <p:nvSpPr>
+          <p:cNvPr id="51" name="椭圆 50">
+            <a:extLst>
+              <a:ext uri="{FF2B5EF4-FFF2-40B4-BE49-F238E27FC236}">
+                <a16:creationId xmlns:a16="http://schemas.microsoft.com/office/drawing/2014/main" id="{F2089230-92EF-4151-9113-0CA34345D393}"/>
+              </a:ext>
+            </a:extLst>
+          </p:cNvPr>
+          <p:cNvSpPr/>
+          <p:nvPr/>
+        </p:nvSpPr>
+        <p:spPr>
+          <a:xfrm>
+            <a:off x="5042322" y="4286883"/>
+            <a:ext cx="469918" cy="439086"/>
+          </a:xfrm>
+          <a:prstGeom prst="ellipse">
+            <a:avLst/>
+          </a:prstGeom>
+          <a:solidFill>
+            <a:schemeClr val="bg2">
+              <a:lumMod val="20000"/>
+              <a:lumOff val="80000"/>
+            </a:schemeClr>
+          </a:solidFill>
+        </p:spPr>
+        <p:style>
+          <a:lnRef idx="2">
+            <a:schemeClr val="accent1">
+              <a:shade val="50000"/>
+            </a:schemeClr>
+          </a:lnRef>
+          <a:fillRef idx="1">
+            <a:schemeClr val="accent1"/>
+          </a:fillRef>
+          <a:effectRef idx="0">
+            <a:schemeClr val="accent1"/>
+          </a:effectRef>
+          <a:fontRef idx="minor">
+            <a:schemeClr val="lt1"/>
+          </a:fontRef>
+        </p:style>
+        <p:txBody>
+          <a:bodyPr rot="0" spcFirstLastPara="0" vertOverflow="overflow" horzOverflow="overflow" vert="horz" wrap="square" lIns="91440" tIns="45720" rIns="91440" bIns="45720" numCol="1" spcCol="0" rtlCol="0" fromWordArt="0" anchor="ctr" anchorCtr="0" forceAA="0" compatLnSpc="1">
+            <a:prstTxWarp prst="textNoShape">
+              <a:avLst/>
+            </a:prstTxWarp>
+            <a:noAutofit/>
+          </a:bodyPr>
+          <a:lstStyle/>
+          <a:p>
+            <a:pPr algn="ctr"/>
+            <a:r>
+              <a:rPr lang="en-US" altLang="zh-CN" dirty="0">
+                <a:solidFill>
+                  <a:srgbClr val="FF0000"/>
+                </a:solidFill>
+              </a:rPr>
+              <a:t>9</a:t>
+            </a:r>
+            <a:endParaRPr lang="zh-CN" altLang="en-US" dirty="0">
+              <a:solidFill>
+                <a:srgbClr val="FF0000"/>
+              </a:solidFill>
+            </a:endParaRPr>
+          </a:p>
+        </p:txBody>
+      </p:sp>
+      <p:sp>
+        <p:nvSpPr>
+          <p:cNvPr id="54" name="椭圆 53">
+            <a:extLst>
+              <a:ext uri="{FF2B5EF4-FFF2-40B4-BE49-F238E27FC236}">
+                <a16:creationId xmlns:a16="http://schemas.microsoft.com/office/drawing/2014/main" id="{BDA7FEA0-B562-4087-BA87-7BCE300C6CF6}"/>
+              </a:ext>
+            </a:extLst>
+          </p:cNvPr>
+          <p:cNvSpPr/>
+          <p:nvPr/>
+        </p:nvSpPr>
+        <p:spPr>
+          <a:xfrm>
+            <a:off x="5057693" y="5007165"/>
+            <a:ext cx="469918" cy="439086"/>
+          </a:xfrm>
+          <a:prstGeom prst="ellipse">
+            <a:avLst/>
+          </a:prstGeom>
+          <a:solidFill>
+            <a:schemeClr val="bg2">
+              <a:lumMod val="20000"/>
+              <a:lumOff val="80000"/>
+            </a:schemeClr>
+          </a:solidFill>
+        </p:spPr>
+        <p:style>
+          <a:lnRef idx="2">
+            <a:schemeClr val="accent1">
+              <a:shade val="50000"/>
+            </a:schemeClr>
+          </a:lnRef>
+          <a:fillRef idx="1">
+            <a:schemeClr val="accent1"/>
+          </a:fillRef>
+          <a:effectRef idx="0">
+            <a:schemeClr val="accent1"/>
+          </a:effectRef>
+          <a:fontRef idx="minor">
+            <a:schemeClr val="lt1"/>
+          </a:fontRef>
+        </p:style>
+        <p:txBody>
+          <a:bodyPr rot="0" spcFirstLastPara="0" vertOverflow="overflow" horzOverflow="overflow" vert="horz" wrap="square" lIns="91440" tIns="45720" rIns="91440" bIns="45720" numCol="1" spcCol="0" rtlCol="0" fromWordArt="0" anchor="ctr" anchorCtr="0" forceAA="0" compatLnSpc="1">
+            <a:prstTxWarp prst="textNoShape">
+              <a:avLst/>
+            </a:prstTxWarp>
+            <a:noAutofit/>
+          </a:bodyPr>
+          <a:lstStyle/>
+          <a:p>
+            <a:pPr algn="ctr"/>
+            <a:r>
+              <a:rPr lang="en-US" altLang="zh-CN" sz="1600" dirty="0">
+                <a:solidFill>
+                  <a:srgbClr val="FF0000"/>
+                </a:solidFill>
+              </a:rPr>
+              <a:t>10</a:t>
+            </a:r>
+            <a:endParaRPr lang="zh-CN" altLang="en-US" sz="1600" dirty="0">
+              <a:solidFill>
+                <a:srgbClr val="FF0000"/>
+              </a:solidFill>
+            </a:endParaRPr>
+          </a:p>
+        </p:txBody>
+      </p:sp>
+      <p:sp>
+        <p:nvSpPr>
+          <p:cNvPr id="53" name="矩形 52">
+            <a:extLst>
+              <a:ext uri="{FF2B5EF4-FFF2-40B4-BE49-F238E27FC236}">
+                <a16:creationId xmlns:a16="http://schemas.microsoft.com/office/drawing/2014/main" id="{4A9F2995-9C27-49D2-ADC3-CA75C6FF828B}"/>
+              </a:ext>
+            </a:extLst>
+          </p:cNvPr>
+          <p:cNvSpPr/>
+          <p:nvPr/>
+        </p:nvSpPr>
+        <p:spPr>
+          <a:xfrm>
+            <a:off x="1408544" y="784795"/>
+            <a:ext cx="1207364" cy="5171300"/>
+          </a:xfrm>
+          <a:prstGeom prst="rect">
+            <a:avLst/>
+          </a:prstGeom>
+          <a:solidFill>
+            <a:schemeClr val="accent6">
+              <a:lumMod val="20000"/>
+              <a:lumOff val="80000"/>
+              <a:alpha val="70000"/>
+            </a:schemeClr>
+          </a:solidFill>
+          <a:ln>
+            <a:solidFill>
+              <a:srgbClr val="FFFF00"/>
+            </a:solidFill>
+          </a:ln>
+        </p:spPr>
+        <p:style>
+          <a:lnRef idx="2">
+            <a:schemeClr val="accent1">
+              <a:shade val="50000"/>
+            </a:schemeClr>
+          </a:lnRef>
+          <a:fillRef idx="1">
+            <a:schemeClr val="accent1"/>
+          </a:fillRef>
+          <a:effectRef idx="0">
+            <a:schemeClr val="accent1"/>
+          </a:effectRef>
+          <a:fontRef idx="minor">
+            <a:schemeClr val="lt1"/>
+          </a:fontRef>
+        </p:style>
+        <p:txBody>
+          <a:bodyPr rtlCol="0" anchor="ctr"/>
+          <a:lstStyle/>
+          <a:p>
+            <a:pPr algn="ctr"/>
+            <a:endParaRPr lang="zh-CN" altLang="en-US"/>
+          </a:p>
+        </p:txBody>
+      </p:sp>
+      <p:sp>
+        <p:nvSpPr>
+          <p:cNvPr id="55" name="文本框 54">
+            <a:extLst>
+              <a:ext uri="{FF2B5EF4-FFF2-40B4-BE49-F238E27FC236}">
+                <a16:creationId xmlns:a16="http://schemas.microsoft.com/office/drawing/2014/main" id="{C309AE4F-27CB-46BC-BB2A-6A2E55E46161}"/>
+              </a:ext>
+            </a:extLst>
+          </p:cNvPr>
+          <p:cNvSpPr txBox="1"/>
+          <p:nvPr/>
+        </p:nvSpPr>
+        <p:spPr>
+          <a:xfrm>
+            <a:off x="1820997" y="3144076"/>
+            <a:ext cx="451309" cy="923330"/>
+          </a:xfrm>
+          <a:prstGeom prst="rect">
+            <a:avLst/>
+          </a:prstGeom>
+          <a:noFill/>
+        </p:spPr>
+        <p:txBody>
+          <a:bodyPr wrap="square" rtlCol="0">
+            <a:spAutoFit/>
+          </a:bodyPr>
+          <a:lstStyle/>
+          <a:p>
+            <a:r>
+              <a:rPr lang="en-US" altLang="zh-CN" b="1" dirty="0">
+                <a:solidFill>
+                  <a:schemeClr val="bg1"/>
+                </a:solidFill>
+                <a:latin typeface="微软雅黑" panose="020B0503020204020204" pitchFamily="34" charset="-122"/>
+                <a:ea typeface="微软雅黑" panose="020B0503020204020204" pitchFamily="34" charset="-122"/>
+              </a:rPr>
+              <a:t>·</a:t>
+            </a:r>
+          </a:p>
+          <a:p>
+            <a:r>
+              <a:rPr lang="en-US" altLang="zh-CN" b="1" dirty="0">
+                <a:solidFill>
+                  <a:schemeClr val="bg1"/>
+                </a:solidFill>
+                <a:latin typeface="微软雅黑" panose="020B0503020204020204" pitchFamily="34" charset="-122"/>
+                <a:ea typeface="微软雅黑" panose="020B0503020204020204" pitchFamily="34" charset="-122"/>
+              </a:rPr>
+              <a:t>·</a:t>
+            </a:r>
+          </a:p>
+          <a:p>
+            <a:r>
+              <a:rPr lang="en-US" altLang="zh-CN" b="1" dirty="0">
+                <a:solidFill>
+                  <a:schemeClr val="bg1"/>
+                </a:solidFill>
+                <a:latin typeface="微软雅黑" panose="020B0503020204020204" pitchFamily="34" charset="-122"/>
+                <a:ea typeface="微软雅黑" panose="020B0503020204020204" pitchFamily="34" charset="-122"/>
+              </a:rPr>
+              <a:t>·</a:t>
+            </a:r>
+            <a:endParaRPr lang="zh-CN" altLang="en-US" b="1" dirty="0">
+              <a:solidFill>
+                <a:schemeClr val="bg1"/>
+              </a:solidFill>
+              <a:latin typeface="微软雅黑" panose="020B0503020204020204" pitchFamily="34" charset="-122"/>
+              <a:ea typeface="微软雅黑" panose="020B0503020204020204" pitchFamily="34" charset="-122"/>
+            </a:endParaRPr>
+          </a:p>
+        </p:txBody>
+      </p:sp>
+      <p:sp>
+        <p:nvSpPr>
+          <p:cNvPr id="56" name="文本框 55">
+            <a:extLst>
+              <a:ext uri="{FF2B5EF4-FFF2-40B4-BE49-F238E27FC236}">
+                <a16:creationId xmlns:a16="http://schemas.microsoft.com/office/drawing/2014/main" id="{818DD6CB-C703-4E34-BED7-D195B19CBDD8}"/>
+              </a:ext>
+            </a:extLst>
+          </p:cNvPr>
+          <p:cNvSpPr txBox="1"/>
+          <p:nvPr/>
+        </p:nvSpPr>
+        <p:spPr>
+          <a:xfrm>
+            <a:off x="1368530" y="429795"/>
+            <a:ext cx="1234633" cy="338554"/>
+          </a:xfrm>
+          <a:prstGeom prst="rect">
+            <a:avLst/>
+          </a:prstGeom>
+          <a:noFill/>
+        </p:spPr>
+        <p:txBody>
+          <a:bodyPr wrap="none" rtlCol="0">
+            <a:spAutoFit/>
+          </a:bodyPr>
+          <a:lstStyle/>
+          <a:p>
+            <a:r>
+              <a:rPr lang="en-US" altLang="zh-CN" sz="1600" dirty="0">
+                <a:solidFill>
+                  <a:srgbClr val="FFFF00"/>
+                </a:solidFill>
+                <a:latin typeface="微软雅黑" panose="020B0503020204020204" pitchFamily="34" charset="-122"/>
+                <a:ea typeface="微软雅黑" panose="020B0503020204020204" pitchFamily="34" charset="-122"/>
+              </a:rPr>
+              <a:t>F6</a:t>
+            </a:r>
+            <a:r>
+              <a:rPr lang="zh-CN" altLang="en-US" sz="1600" dirty="0">
+                <a:solidFill>
+                  <a:srgbClr val="FFFF00"/>
+                </a:solidFill>
+                <a:latin typeface="微软雅黑" panose="020B0503020204020204" pitchFamily="34" charset="-122"/>
+                <a:ea typeface="微软雅黑" panose="020B0503020204020204" pitchFamily="34" charset="-122"/>
+              </a:rPr>
+              <a:t>全连接层</a:t>
+            </a:r>
+          </a:p>
+        </p:txBody>
+      </p:sp>
+      <p:sp>
+        <p:nvSpPr>
+          <p:cNvPr id="57" name="椭圆 56">
+            <a:extLst>
+              <a:ext uri="{FF2B5EF4-FFF2-40B4-BE49-F238E27FC236}">
+                <a16:creationId xmlns:a16="http://schemas.microsoft.com/office/drawing/2014/main" id="{7AFB9B75-0DD6-4523-B8D6-6B05FCE9306B}"/>
+              </a:ext>
+            </a:extLst>
+          </p:cNvPr>
+          <p:cNvSpPr/>
+          <p:nvPr/>
+        </p:nvSpPr>
+        <p:spPr>
+          <a:xfrm>
+            <a:off x="1759719" y="901905"/>
+            <a:ext cx="469918" cy="431292"/>
+          </a:xfrm>
+          <a:prstGeom prst="ellipse">
+            <a:avLst/>
+          </a:prstGeom>
+          <a:solidFill>
+            <a:srgbClr val="00B0F0">
+              <a:alpha val="70000"/>
+            </a:srgbClr>
+          </a:solidFill>
+        </p:spPr>
+        <p:style>
+          <a:lnRef idx="2">
+            <a:schemeClr val="accent1">
+              <a:shade val="50000"/>
+            </a:schemeClr>
+          </a:lnRef>
+          <a:fillRef idx="1">
+            <a:schemeClr val="accent1"/>
+          </a:fillRef>
+          <a:effectRef idx="0">
+            <a:schemeClr val="accent1"/>
+          </a:effectRef>
+          <a:fontRef idx="minor">
+            <a:schemeClr val="lt1"/>
+          </a:fontRef>
+        </p:style>
+        <p:txBody>
+          <a:bodyPr rtlCol="0" anchor="ctr"/>
+          <a:lstStyle/>
+          <a:p>
+            <a:pPr algn="ctr"/>
+            <a:endParaRPr lang="zh-CN" altLang="en-US"/>
+          </a:p>
+        </p:txBody>
+      </p:sp>
+      <p:sp>
+        <p:nvSpPr>
+          <p:cNvPr id="58" name="椭圆 57">
+            <a:extLst>
+              <a:ext uri="{FF2B5EF4-FFF2-40B4-BE49-F238E27FC236}">
+                <a16:creationId xmlns:a16="http://schemas.microsoft.com/office/drawing/2014/main" id="{8C4AF1CD-575B-4FA2-8EC0-E1B5451BD6E3}"/>
+              </a:ext>
+            </a:extLst>
+          </p:cNvPr>
+          <p:cNvSpPr/>
+          <p:nvPr/>
+        </p:nvSpPr>
+        <p:spPr>
+          <a:xfrm>
+            <a:off x="1786519" y="1535398"/>
+            <a:ext cx="469918" cy="431292"/>
+          </a:xfrm>
+          <a:prstGeom prst="ellipse">
+            <a:avLst/>
+          </a:prstGeom>
+          <a:solidFill>
+            <a:srgbClr val="00B0F0">
+              <a:alpha val="70000"/>
+            </a:srgbClr>
+          </a:solidFill>
+        </p:spPr>
+        <p:style>
+          <a:lnRef idx="2">
+            <a:schemeClr val="accent1">
+              <a:shade val="50000"/>
+            </a:schemeClr>
+          </a:lnRef>
+          <a:fillRef idx="1">
+            <a:schemeClr val="accent1"/>
+          </a:fillRef>
+          <a:effectRef idx="0">
+            <a:schemeClr val="accent1"/>
+          </a:effectRef>
+          <a:fontRef idx="minor">
+            <a:schemeClr val="lt1"/>
+          </a:fontRef>
+        </p:style>
+        <p:txBody>
+          <a:bodyPr rot="0" spcFirstLastPara="0" vertOverflow="overflow" horzOverflow="overflow" vert="horz" wrap="square" lIns="91440" tIns="45720" rIns="91440" bIns="45720" numCol="1" spcCol="0" rtlCol="0" fromWordArt="0" anchor="ctr" anchorCtr="0" forceAA="0" compatLnSpc="1">
+            <a:prstTxWarp prst="textNoShape">
+              <a:avLst/>
+            </a:prstTxWarp>
+            <a:noAutofit/>
+          </a:bodyPr>
+          <a:lstStyle/>
+          <a:p>
+            <a:pPr algn="ctr"/>
+            <a:endParaRPr lang="zh-CN" altLang="en-US"/>
+          </a:p>
+        </p:txBody>
+      </p:sp>
+      <p:sp>
+        <p:nvSpPr>
+          <p:cNvPr id="59" name="椭圆 58">
+            <a:extLst>
+              <a:ext uri="{FF2B5EF4-FFF2-40B4-BE49-F238E27FC236}">
+                <a16:creationId xmlns:a16="http://schemas.microsoft.com/office/drawing/2014/main" id="{F4C14C6F-CE93-497D-A3CB-392917E1093F}"/>
+              </a:ext>
+            </a:extLst>
+          </p:cNvPr>
+          <p:cNvSpPr/>
+          <p:nvPr/>
+        </p:nvSpPr>
+        <p:spPr>
+          <a:xfrm>
+            <a:off x="1777267" y="2189312"/>
+            <a:ext cx="469918" cy="431292"/>
+          </a:xfrm>
+          <a:prstGeom prst="ellipse">
+            <a:avLst/>
+          </a:prstGeom>
+          <a:solidFill>
+            <a:srgbClr val="00B0F0">
+              <a:alpha val="70000"/>
+            </a:srgbClr>
+          </a:solidFill>
+        </p:spPr>
+        <p:style>
+          <a:lnRef idx="2">
+            <a:schemeClr val="accent1">
+              <a:shade val="50000"/>
+            </a:schemeClr>
+          </a:lnRef>
+          <a:fillRef idx="1">
+            <a:schemeClr val="accent1"/>
+          </a:fillRef>
+          <a:effectRef idx="0">
+            <a:schemeClr val="accent1"/>
+          </a:effectRef>
+          <a:fontRef idx="minor">
+            <a:schemeClr val="lt1"/>
+          </a:fontRef>
+        </p:style>
+        <p:txBody>
+          <a:bodyPr rot="0" spcFirstLastPara="0" vertOverflow="overflow" horzOverflow="overflow" vert="horz" wrap="square" lIns="91440" tIns="45720" rIns="91440" bIns="45720" numCol="1" spcCol="0" rtlCol="0" fromWordArt="0" anchor="ctr" anchorCtr="0" forceAA="0" compatLnSpc="1">
+            <a:prstTxWarp prst="textNoShape">
+              <a:avLst/>
+            </a:prstTxWarp>
+            <a:noAutofit/>
+          </a:bodyPr>
+          <a:lstStyle/>
+          <a:p>
+            <a:pPr algn="ctr"/>
+            <a:endParaRPr lang="zh-CN" altLang="en-US"/>
+          </a:p>
+        </p:txBody>
+      </p:sp>
+      <p:sp>
+        <p:nvSpPr>
+          <p:cNvPr id="60" name="椭圆 59">
+            <a:extLst>
+              <a:ext uri="{FF2B5EF4-FFF2-40B4-BE49-F238E27FC236}">
+                <a16:creationId xmlns:a16="http://schemas.microsoft.com/office/drawing/2014/main" id="{1CA91A23-9762-4507-AD5B-5EF7BAA415C0}"/>
+              </a:ext>
+            </a:extLst>
+          </p:cNvPr>
+          <p:cNvSpPr/>
+          <p:nvPr/>
+        </p:nvSpPr>
+        <p:spPr>
+          <a:xfrm>
+            <a:off x="1750888" y="4634946"/>
+            <a:ext cx="469918" cy="431292"/>
+          </a:xfrm>
+          <a:prstGeom prst="ellipse">
+            <a:avLst/>
+          </a:prstGeom>
+          <a:solidFill>
+            <a:srgbClr val="00B0F0">
+              <a:alpha val="70000"/>
+            </a:srgbClr>
+          </a:solidFill>
+        </p:spPr>
+        <p:style>
+          <a:lnRef idx="2">
+            <a:schemeClr val="accent1">
+              <a:shade val="50000"/>
+            </a:schemeClr>
+          </a:lnRef>
+          <a:fillRef idx="1">
+            <a:schemeClr val="accent1"/>
+          </a:fillRef>
+          <a:effectRef idx="0">
+            <a:schemeClr val="accent1"/>
+          </a:effectRef>
+          <a:fontRef idx="minor">
+            <a:schemeClr val="lt1"/>
+          </a:fontRef>
+        </p:style>
+        <p:txBody>
+          <a:bodyPr rot="0" spcFirstLastPara="0" vertOverflow="overflow" horzOverflow="overflow" vert="horz" wrap="square" lIns="91440" tIns="45720" rIns="91440" bIns="45720" numCol="1" spcCol="0" rtlCol="0" fromWordArt="0" anchor="ctr" anchorCtr="0" forceAA="0" compatLnSpc="1">
+            <a:prstTxWarp prst="textNoShape">
+              <a:avLst/>
+            </a:prstTxWarp>
+            <a:noAutofit/>
+          </a:bodyPr>
+          <a:lstStyle/>
+          <a:p>
+            <a:pPr algn="ctr"/>
+            <a:endParaRPr lang="zh-CN" altLang="en-US"/>
+          </a:p>
+        </p:txBody>
+      </p:sp>
+      <p:sp>
+        <p:nvSpPr>
+          <p:cNvPr id="61" name="椭圆 60">
+            <a:extLst>
+              <a:ext uri="{FF2B5EF4-FFF2-40B4-BE49-F238E27FC236}">
+                <a16:creationId xmlns:a16="http://schemas.microsoft.com/office/drawing/2014/main" id="{3BCE57C6-30FB-402C-90CB-0CD1524AD54F}"/>
+              </a:ext>
+            </a:extLst>
+          </p:cNvPr>
+          <p:cNvSpPr/>
+          <p:nvPr/>
+        </p:nvSpPr>
+        <p:spPr>
+          <a:xfrm>
+            <a:off x="1755492" y="5355062"/>
+            <a:ext cx="469918" cy="431292"/>
+          </a:xfrm>
+          <a:prstGeom prst="ellipse">
+            <a:avLst/>
+          </a:prstGeom>
+          <a:solidFill>
+            <a:srgbClr val="00B0F0">
+              <a:alpha val="70000"/>
+            </a:srgbClr>
+          </a:solidFill>
+        </p:spPr>
+        <p:style>
+          <a:lnRef idx="2">
+            <a:schemeClr val="accent1">
+              <a:shade val="50000"/>
+            </a:schemeClr>
+          </a:lnRef>
+          <a:fillRef idx="1">
+            <a:schemeClr val="accent1"/>
+          </a:fillRef>
+          <a:effectRef idx="0">
+            <a:schemeClr val="accent1"/>
+          </a:effectRef>
+          <a:fontRef idx="minor">
+            <a:schemeClr val="lt1"/>
+          </a:fontRef>
+        </p:style>
+        <p:txBody>
+          <a:bodyPr rot="0" spcFirstLastPara="0" vertOverflow="overflow" horzOverflow="overflow" vert="horz" wrap="square" lIns="91440" tIns="45720" rIns="91440" bIns="45720" numCol="1" spcCol="0" rtlCol="0" fromWordArt="0" anchor="ctr" anchorCtr="0" forceAA="0" compatLnSpc="1">
+            <a:prstTxWarp prst="textNoShape">
+              <a:avLst/>
+            </a:prstTxWarp>
+            <a:noAutofit/>
+          </a:bodyPr>
+          <a:lstStyle/>
+          <a:p>
+            <a:pPr algn="ctr"/>
+            <a:endParaRPr lang="zh-CN" altLang="en-US"/>
+          </a:p>
+        </p:txBody>
+      </p:sp>
+      <p:cxnSp>
+        <p:nvCxnSpPr>
+          <p:cNvPr id="7" name="直接箭头连接符 6">
+            <a:extLst>
+              <a:ext uri="{FF2B5EF4-FFF2-40B4-BE49-F238E27FC236}">
+                <a16:creationId xmlns:a16="http://schemas.microsoft.com/office/drawing/2014/main" id="{D35EE64F-EA31-4C9C-8056-7D9911F71C02}"/>
+              </a:ext>
+            </a:extLst>
+          </p:cNvPr>
+          <p:cNvCxnSpPr>
+            <a:cxnSpLocks/>
+            <a:stCxn id="57" idx="6"/>
+            <a:endCxn id="4" idx="2"/>
+          </p:cNvCxnSpPr>
+          <p:nvPr/>
+        </p:nvCxnSpPr>
+        <p:spPr>
+          <a:xfrm>
+            <a:off x="2229637" y="1117551"/>
+            <a:ext cx="2795137" cy="536917"/>
+          </a:xfrm>
+          <a:prstGeom prst="straightConnector1">
+            <a:avLst/>
+          </a:prstGeom>
+          <a:ln w="15875">
+            <a:solidFill>
+              <a:srgbClr val="FF0000"/>
+            </a:solidFill>
+            <a:prstDash val="dash"/>
+            <a:tailEnd type="triangle"/>
+          </a:ln>
+        </p:spPr>
+        <p:style>
+          <a:lnRef idx="1">
+            <a:schemeClr val="accent1"/>
+          </a:lnRef>
+          <a:fillRef idx="0">
+            <a:schemeClr val="accent1"/>
+          </a:fillRef>
+          <a:effectRef idx="0">
+            <a:schemeClr val="accent1"/>
+          </a:effectRef>
+          <a:fontRef idx="minor">
+            <a:schemeClr val="tx1"/>
+          </a:fontRef>
+        </p:style>
+      </p:cxnSp>
+      <mc:AlternateContent xmlns:mc="http://schemas.openxmlformats.org/markup-compatibility/2006">
+        <mc:Choice xmlns:a14="http://schemas.microsoft.com/office/drawing/2010/main" Requires="a14">
+          <p:sp>
+            <p:nvSpPr>
+              <p:cNvPr id="8" name="文本框 7">
+                <a:extLst>
+                  <a:ext uri="{FF2B5EF4-FFF2-40B4-BE49-F238E27FC236}">
+                    <a16:creationId xmlns:a16="http://schemas.microsoft.com/office/drawing/2014/main" id="{9B0A2860-6FEC-4AB4-809C-670B6E995882}"/>
+                  </a:ext>
+                </a:extLst>
+              </p:cNvPr>
+              <p:cNvSpPr txBox="1"/>
+              <p:nvPr/>
+            </p:nvSpPr>
+            <p:spPr>
+              <a:xfrm>
+                <a:off x="6112360" y="1162632"/>
+                <a:ext cx="510076" cy="401072"/>
+              </a:xfrm>
+              <a:prstGeom prst="rect">
+                <a:avLst/>
+              </a:prstGeom>
+              <a:noFill/>
+            </p:spPr>
+            <p:txBody>
+              <a:bodyPr wrap="none" lIns="0" tIns="0" rIns="0" bIns="0" rtlCol="0">
+                <a:spAutoFit/>
+              </a:bodyPr>
+              <a:lstStyle/>
+              <a:p>
+                <a14:m>
+                  <m:oMathPara xmlns:m="http://schemas.openxmlformats.org/officeDocument/2006/math">
+                    <m:oMathParaPr>
+                      <m:jc m:val="centerGroup"/>
+                    </m:oMathParaPr>
+                    <m:oMath xmlns:m="http://schemas.openxmlformats.org/officeDocument/2006/math">
+                      <m:sSub>
+                        <m:sSubPr>
+                          <m:ctrlPr>
+                            <a:rPr lang="zh-CN" altLang="en-US" sz="2400" smtClean="0">
+                              <a:solidFill>
+                                <a:srgbClr val="2CEC67"/>
+                              </a:solidFill>
+                              <a:latin typeface="Cambria Math" panose="02040503050406030204" pitchFamily="18" charset="0"/>
+                            </a:rPr>
+                          </m:ctrlPr>
+                        </m:sSubPr>
+                        <m:e>
+                          <m:r>
+                            <a:rPr lang="zh-CN" altLang="en-US" sz="2400" i="1">
+                              <a:solidFill>
+                                <a:srgbClr val="2CEC67"/>
+                              </a:solidFill>
+                              <a:latin typeface="Cambria Math" panose="02040503050406030204" pitchFamily="18" charset="0"/>
+                            </a:rPr>
+                            <m:t>𝑦</m:t>
+                          </m:r>
+                        </m:e>
+                        <m:sub>
+                          <m:sSub>
+                            <m:sSubPr>
+                              <m:ctrlPr>
+                                <a:rPr lang="zh-CN" altLang="en-US" sz="2400" i="1">
+                                  <a:solidFill>
+                                    <a:srgbClr val="2CEC67"/>
+                                  </a:solidFill>
+                                  <a:latin typeface="Cambria Math" panose="02040503050406030204" pitchFamily="18" charset="0"/>
+                                </a:rPr>
+                              </m:ctrlPr>
+                            </m:sSubPr>
+                            <m:e>
+                              <m:r>
+                                <a:rPr lang="zh-CN" altLang="en-US" sz="2400" i="1">
+                                  <a:solidFill>
+                                    <a:srgbClr val="2CEC67"/>
+                                  </a:solidFill>
+                                  <a:latin typeface="Cambria Math" panose="02040503050406030204" pitchFamily="18" charset="0"/>
+                                </a:rPr>
+                                <m:t>𝐷</m:t>
+                              </m:r>
+                            </m:e>
+                            <m:sub>
+                              <m:r>
+                                <a:rPr lang="zh-CN" altLang="en-US" sz="2400" i="0">
+                                  <a:solidFill>
+                                    <a:srgbClr val="2CEC67"/>
+                                  </a:solidFill>
+                                  <a:latin typeface="Cambria Math" panose="02040503050406030204" pitchFamily="18" charset="0"/>
+                                </a:rPr>
+                                <m:t>1</m:t>
+                              </m:r>
+                            </m:sub>
+                          </m:sSub>
+                        </m:sub>
+                      </m:sSub>
+                    </m:oMath>
+                  </m:oMathPara>
+                </a14:m>
+                <a:endParaRPr lang="zh-CN" altLang="en-US" sz="2400" dirty="0">
+                  <a:solidFill>
+                    <a:srgbClr val="2CEC67"/>
+                  </a:solidFill>
+                </a:endParaRPr>
+              </a:p>
+            </p:txBody>
+          </p:sp>
+        </mc:Choice>
+        <mc:Fallback>
+          <p:sp>
+            <p:nvSpPr>
+              <p:cNvPr id="8" name="文本框 7">
+                <a:extLst>
+                  <a:ext uri="{FF2B5EF4-FFF2-40B4-BE49-F238E27FC236}">
+                    <a16:creationId xmlns:a16="http://schemas.microsoft.com/office/drawing/2014/main" id="{9B0A2860-6FEC-4AB4-809C-670B6E995882}"/>
+                  </a:ext>
+                </a:extLst>
+              </p:cNvPr>
+              <p:cNvSpPr txBox="1">
+                <a:spLocks noRot="1" noChangeAspect="1" noMove="1" noResize="1" noEditPoints="1" noAdjustHandles="1" noChangeArrowheads="1" noChangeShapeType="1" noTextEdit="1"/>
+              </p:cNvSpPr>
+              <p:nvPr/>
+            </p:nvSpPr>
+            <p:spPr>
+              <a:xfrm>
+                <a:off x="6112360" y="1162632"/>
+                <a:ext cx="510076" cy="401072"/>
+              </a:xfrm>
+              <a:prstGeom prst="rect">
+                <a:avLst/>
+              </a:prstGeom>
+              <a:blipFill>
+                <a:blip r:embed="rId2"/>
+                <a:stretch>
+                  <a:fillRect l="-14458" b="-16667"/>
+                </a:stretch>
+              </a:blipFill>
+            </p:spPr>
+            <p:txBody>
+              <a:bodyPr/>
+              <a:lstStyle/>
+              <a:p>
+                <a:r>
+                  <a:rPr lang="zh-CN" altLang="en-US">
+                    <a:noFill/>
+                  </a:rPr>
+                  <a:t> </a:t>
+                </a:r>
+              </a:p>
+            </p:txBody>
+          </p:sp>
+        </mc:Fallback>
+      </mc:AlternateContent>
+      <p:cxnSp>
+        <p:nvCxnSpPr>
+          <p:cNvPr id="10" name="直接箭头连接符 9">
+            <a:extLst>
+              <a:ext uri="{FF2B5EF4-FFF2-40B4-BE49-F238E27FC236}">
+                <a16:creationId xmlns:a16="http://schemas.microsoft.com/office/drawing/2014/main" id="{6DF7A4CE-4E09-49E0-B7A1-DB02FB268508}"/>
+              </a:ext>
+            </a:extLst>
+          </p:cNvPr>
+          <p:cNvCxnSpPr>
+            <a:cxnSpLocks/>
+            <a:stCxn id="4" idx="6"/>
+          </p:cNvCxnSpPr>
+          <p:nvPr/>
+        </p:nvCxnSpPr>
+        <p:spPr>
+          <a:xfrm>
+            <a:off x="5494692" y="1654468"/>
+            <a:ext cx="1275563" cy="0"/>
+          </a:xfrm>
+          <a:prstGeom prst="straightConnector1">
+            <a:avLst/>
+          </a:prstGeom>
+          <a:ln w="15875">
+            <a:solidFill>
+              <a:srgbClr val="2CEC67"/>
+            </a:solidFill>
+            <a:prstDash val="dash"/>
+            <a:tailEnd type="triangle"/>
+          </a:ln>
+        </p:spPr>
+        <p:style>
+          <a:lnRef idx="1">
+            <a:schemeClr val="accent1"/>
+          </a:lnRef>
+          <a:fillRef idx="0">
+            <a:schemeClr val="accent1"/>
+          </a:fillRef>
+          <a:effectRef idx="0">
+            <a:schemeClr val="accent1"/>
+          </a:effectRef>
+          <a:fontRef idx="minor">
+            <a:schemeClr val="tx1"/>
+          </a:fontRef>
+        </p:style>
+      </p:cxnSp>
+      <p:cxnSp>
+        <p:nvCxnSpPr>
+          <p:cNvPr id="79" name="直接箭头连接符 78">
+            <a:extLst>
+              <a:ext uri="{FF2B5EF4-FFF2-40B4-BE49-F238E27FC236}">
+                <a16:creationId xmlns:a16="http://schemas.microsoft.com/office/drawing/2014/main" id="{2B4E92FC-F11F-4D93-B1F1-A32576FA7FFA}"/>
+              </a:ext>
+            </a:extLst>
+          </p:cNvPr>
+          <p:cNvCxnSpPr>
+            <a:cxnSpLocks/>
+            <a:stCxn id="58" idx="6"/>
+            <a:endCxn id="4" idx="2"/>
+          </p:cNvCxnSpPr>
+          <p:nvPr/>
+        </p:nvCxnSpPr>
+        <p:spPr>
+          <a:xfrm flipV="1">
+            <a:off x="2256437" y="1654468"/>
+            <a:ext cx="2768337" cy="96576"/>
+          </a:xfrm>
+          <a:prstGeom prst="straightConnector1">
+            <a:avLst/>
+          </a:prstGeom>
+          <a:ln w="15875">
+            <a:solidFill>
+              <a:srgbClr val="FF0000"/>
+            </a:solidFill>
+            <a:prstDash val="dash"/>
+            <a:tailEnd type="triangle"/>
+          </a:ln>
+        </p:spPr>
+        <p:style>
+          <a:lnRef idx="1">
+            <a:schemeClr val="accent1"/>
+          </a:lnRef>
+          <a:fillRef idx="0">
+            <a:schemeClr val="accent1"/>
+          </a:fillRef>
+          <a:effectRef idx="0">
+            <a:schemeClr val="accent1"/>
+          </a:effectRef>
+          <a:fontRef idx="minor">
+            <a:schemeClr val="tx1"/>
+          </a:fontRef>
+        </p:style>
+      </p:cxnSp>
+      <p:cxnSp>
+        <p:nvCxnSpPr>
+          <p:cNvPr id="80" name="直接箭头连接符 79">
+            <a:extLst>
+              <a:ext uri="{FF2B5EF4-FFF2-40B4-BE49-F238E27FC236}">
+                <a16:creationId xmlns:a16="http://schemas.microsoft.com/office/drawing/2014/main" id="{A64C20AE-00D0-427E-92F7-2D90DE7DB0F7}"/>
+              </a:ext>
+            </a:extLst>
+          </p:cNvPr>
+          <p:cNvCxnSpPr>
+            <a:cxnSpLocks/>
+            <a:stCxn id="59" idx="6"/>
+            <a:endCxn id="4" idx="2"/>
+          </p:cNvCxnSpPr>
+          <p:nvPr/>
+        </p:nvCxnSpPr>
+        <p:spPr>
+          <a:xfrm flipV="1">
+            <a:off x="2247185" y="1654468"/>
+            <a:ext cx="2777589" cy="750490"/>
+          </a:xfrm>
+          <a:prstGeom prst="straightConnector1">
+            <a:avLst/>
+          </a:prstGeom>
+          <a:ln w="15875">
+            <a:solidFill>
+              <a:srgbClr val="FF0000"/>
+            </a:solidFill>
+            <a:prstDash val="dash"/>
+            <a:tailEnd type="triangle"/>
+          </a:ln>
+        </p:spPr>
+        <p:style>
+          <a:lnRef idx="1">
+            <a:schemeClr val="accent1"/>
+          </a:lnRef>
+          <a:fillRef idx="0">
+            <a:schemeClr val="accent1"/>
+          </a:fillRef>
+          <a:effectRef idx="0">
+            <a:schemeClr val="accent1"/>
+          </a:effectRef>
+          <a:fontRef idx="minor">
+            <a:schemeClr val="tx1"/>
+          </a:fontRef>
+        </p:style>
+      </p:cxnSp>
+      <p:cxnSp>
+        <p:nvCxnSpPr>
+          <p:cNvPr id="81" name="直接箭头连接符 80">
+            <a:extLst>
+              <a:ext uri="{FF2B5EF4-FFF2-40B4-BE49-F238E27FC236}">
+                <a16:creationId xmlns:a16="http://schemas.microsoft.com/office/drawing/2014/main" id="{972A307E-3BF4-4833-807C-ED9EBA7BBCD4}"/>
+              </a:ext>
+            </a:extLst>
+          </p:cNvPr>
+          <p:cNvCxnSpPr>
+            <a:cxnSpLocks/>
+            <a:stCxn id="60" idx="6"/>
+            <a:endCxn id="4" idx="2"/>
+          </p:cNvCxnSpPr>
+          <p:nvPr/>
+        </p:nvCxnSpPr>
+        <p:spPr>
+          <a:xfrm flipV="1">
+            <a:off x="2220806" y="1654468"/>
+            <a:ext cx="2803968" cy="3196124"/>
+          </a:xfrm>
+          <a:prstGeom prst="straightConnector1">
+            <a:avLst/>
+          </a:prstGeom>
+          <a:ln w="15875">
+            <a:solidFill>
+              <a:srgbClr val="FF0000"/>
+            </a:solidFill>
+            <a:prstDash val="dash"/>
+            <a:tailEnd type="triangle"/>
+          </a:ln>
+        </p:spPr>
+        <p:style>
+          <a:lnRef idx="1">
+            <a:schemeClr val="accent1"/>
+          </a:lnRef>
+          <a:fillRef idx="0">
+            <a:schemeClr val="accent1"/>
+          </a:fillRef>
+          <a:effectRef idx="0">
+            <a:schemeClr val="accent1"/>
+          </a:effectRef>
+          <a:fontRef idx="minor">
+            <a:schemeClr val="tx1"/>
+          </a:fontRef>
+        </p:style>
+      </p:cxnSp>
+      <p:cxnSp>
+        <p:nvCxnSpPr>
+          <p:cNvPr id="82" name="直接箭头连接符 81">
+            <a:extLst>
+              <a:ext uri="{FF2B5EF4-FFF2-40B4-BE49-F238E27FC236}">
+                <a16:creationId xmlns:a16="http://schemas.microsoft.com/office/drawing/2014/main" id="{31123A0E-4E94-4CBF-9476-72C9F8FD8874}"/>
+              </a:ext>
+            </a:extLst>
+          </p:cNvPr>
+          <p:cNvCxnSpPr>
+            <a:cxnSpLocks/>
+            <a:stCxn id="61" idx="6"/>
+            <a:endCxn id="4" idx="2"/>
+          </p:cNvCxnSpPr>
+          <p:nvPr/>
+        </p:nvCxnSpPr>
+        <p:spPr>
+          <a:xfrm flipV="1">
+            <a:off x="2225410" y="1654468"/>
+            <a:ext cx="2799364" cy="3916240"/>
+          </a:xfrm>
+          <a:prstGeom prst="straightConnector1">
+            <a:avLst/>
+          </a:prstGeom>
+          <a:ln w="15875">
+            <a:solidFill>
+              <a:srgbClr val="FF0000"/>
+            </a:solidFill>
+            <a:prstDash val="dash"/>
+            <a:tailEnd type="triangle"/>
+          </a:ln>
+        </p:spPr>
+        <p:style>
+          <a:lnRef idx="1">
+            <a:schemeClr val="accent1"/>
+          </a:lnRef>
+          <a:fillRef idx="0">
+            <a:schemeClr val="accent1"/>
+          </a:fillRef>
+          <a:effectRef idx="0">
+            <a:schemeClr val="accent1"/>
+          </a:effectRef>
+          <a:fontRef idx="minor">
+            <a:schemeClr val="tx1"/>
+          </a:fontRef>
+        </p:style>
+      </p:cxnSp>
+      <p:pic>
+        <p:nvPicPr>
+          <p:cNvPr id="22" name="图片 21">
+            <a:extLst>
+              <a:ext uri="{FF2B5EF4-FFF2-40B4-BE49-F238E27FC236}">
+                <a16:creationId xmlns:a16="http://schemas.microsoft.com/office/drawing/2014/main" id="{ACB4F93B-3771-4BDC-8C77-C77712F2F14C}"/>
+              </a:ext>
+            </a:extLst>
+          </p:cNvPr>
+          <p:cNvPicPr>
+            <a:picLocks noChangeAspect="1"/>
+          </p:cNvPicPr>
+          <p:nvPr/>
+        </p:nvPicPr>
+        <p:blipFill>
+          <a:blip r:embed="rId3"/>
+          <a:stretch>
+            <a:fillRect/>
+          </a:stretch>
+        </p:blipFill>
+        <p:spPr>
+          <a:xfrm>
+            <a:off x="9684906" y="1206809"/>
+            <a:ext cx="815411" cy="964585"/>
+          </a:xfrm>
+          <a:prstGeom prst="rect">
+            <a:avLst/>
+          </a:prstGeom>
+        </p:spPr>
+      </p:pic>
+      <p:sp>
+        <p:nvSpPr>
+          <p:cNvPr id="26" name="文本框 25">
+            <a:extLst>
+              <a:ext uri="{FF2B5EF4-FFF2-40B4-BE49-F238E27FC236}">
+                <a16:creationId xmlns:a16="http://schemas.microsoft.com/office/drawing/2014/main" id="{80B7303B-8F9D-4249-A1F7-5CE429364BED}"/>
+              </a:ext>
+            </a:extLst>
+          </p:cNvPr>
+          <p:cNvSpPr txBox="1"/>
+          <p:nvPr/>
+        </p:nvSpPr>
+        <p:spPr>
+          <a:xfrm>
+            <a:off x="6797966" y="1454413"/>
+            <a:ext cx="2452793" cy="400110"/>
+          </a:xfrm>
+          <a:prstGeom prst="rect">
+            <a:avLst/>
+          </a:prstGeom>
+          <a:noFill/>
+        </p:spPr>
+        <p:txBody>
+          <a:bodyPr wrap="square" rtlCol="0">
+            <a:spAutoFit/>
+          </a:bodyPr>
+          <a:lstStyle/>
+          <a:p>
+            <a:r>
+              <a:rPr lang="en-US" altLang="zh-CN" sz="2000" dirty="0"/>
+              <a:t>[-1 , 1 , -1 , ··· ···, -1]</a:t>
+            </a:r>
+            <a:endParaRPr lang="zh-CN" altLang="en-US" sz="2000" dirty="0"/>
+          </a:p>
+        </p:txBody>
+      </p:sp>
+      <p:cxnSp>
+        <p:nvCxnSpPr>
+          <p:cNvPr id="89" name="直接箭头连接符 88">
+            <a:extLst>
+              <a:ext uri="{FF2B5EF4-FFF2-40B4-BE49-F238E27FC236}">
+                <a16:creationId xmlns:a16="http://schemas.microsoft.com/office/drawing/2014/main" id="{25276019-6CDA-4B15-A967-61E84ADBBC70}"/>
+              </a:ext>
+            </a:extLst>
+          </p:cNvPr>
+          <p:cNvCxnSpPr>
+            <a:cxnSpLocks/>
+          </p:cNvCxnSpPr>
+          <p:nvPr/>
+        </p:nvCxnSpPr>
+        <p:spPr>
+          <a:xfrm>
+            <a:off x="9018367" y="1654468"/>
+            <a:ext cx="532035" cy="0"/>
+          </a:xfrm>
+          <a:prstGeom prst="straightConnector1">
+            <a:avLst/>
+          </a:prstGeom>
+          <a:ln w="15875">
+            <a:solidFill>
+              <a:srgbClr val="2CEC67"/>
+            </a:solidFill>
+            <a:prstDash val="dash"/>
+            <a:tailEnd type="triangle"/>
+          </a:ln>
+        </p:spPr>
+        <p:style>
+          <a:lnRef idx="1">
+            <a:schemeClr val="accent1"/>
+          </a:lnRef>
+          <a:fillRef idx="0">
+            <a:schemeClr val="accent1"/>
+          </a:fillRef>
+          <a:effectRef idx="0">
+            <a:schemeClr val="accent1"/>
+          </a:effectRef>
+          <a:fontRef idx="minor">
+            <a:schemeClr val="tx1"/>
+          </a:fontRef>
+        </p:style>
+      </p:cxnSp>
+      <p:sp>
+        <p:nvSpPr>
+          <p:cNvPr id="90" name="文本框 89">
+            <a:extLst>
+              <a:ext uri="{FF2B5EF4-FFF2-40B4-BE49-F238E27FC236}">
+                <a16:creationId xmlns:a16="http://schemas.microsoft.com/office/drawing/2014/main" id="{3FEFCEC3-6DA1-43C1-B987-142D3F39C3F0}"/>
+              </a:ext>
+            </a:extLst>
+          </p:cNvPr>
+          <p:cNvSpPr txBox="1"/>
+          <p:nvPr/>
+        </p:nvSpPr>
+        <p:spPr>
+          <a:xfrm>
+            <a:off x="10545091" y="1485191"/>
+            <a:ext cx="898003" cy="369332"/>
+          </a:xfrm>
+          <a:prstGeom prst="rect">
+            <a:avLst/>
+          </a:prstGeom>
+          <a:noFill/>
+        </p:spPr>
+        <p:txBody>
+          <a:bodyPr wrap="none" rtlCol="0">
+            <a:spAutoFit/>
+          </a:bodyPr>
+          <a:lstStyle/>
+          <a:p>
+            <a:r>
+              <a:rPr lang="en-US" altLang="zh-CN" dirty="0">
+                <a:latin typeface="微软雅黑" panose="020B0503020204020204" pitchFamily="34" charset="-122"/>
+                <a:ea typeface="微软雅黑" panose="020B0503020204020204" pitchFamily="34" charset="-122"/>
+              </a:rPr>
+              <a:t>7 × 12</a:t>
+            </a:r>
+            <a:endParaRPr lang="zh-CN" altLang="en-US" dirty="0">
+              <a:latin typeface="微软雅黑" panose="020B0503020204020204" pitchFamily="34" charset="-122"/>
+              <a:ea typeface="微软雅黑" panose="020B0503020204020204" pitchFamily="34" charset="-122"/>
+            </a:endParaRPr>
+          </a:p>
+        </p:txBody>
+      </p:sp>
+      <p:sp>
+        <p:nvSpPr>
+          <p:cNvPr id="28" name="右大括号 27">
+            <a:extLst>
+              <a:ext uri="{FF2B5EF4-FFF2-40B4-BE49-F238E27FC236}">
+                <a16:creationId xmlns:a16="http://schemas.microsoft.com/office/drawing/2014/main" id="{628B3192-4638-4BE3-AD73-BE6232BA329C}"/>
+              </a:ext>
+            </a:extLst>
+          </p:cNvPr>
+          <p:cNvSpPr/>
+          <p:nvPr/>
+        </p:nvSpPr>
+        <p:spPr>
+          <a:xfrm rot="5400000">
+            <a:off x="7778502" y="1032798"/>
+            <a:ext cx="211603" cy="1859640"/>
+          </a:xfrm>
+          <a:prstGeom prst="rightBrace">
+            <a:avLst/>
+          </a:prstGeom>
+          <a:ln w="12700">
+            <a:solidFill>
+              <a:schemeClr val="tx1"/>
+            </a:solidFill>
+            <a:prstDash val="solid"/>
+          </a:ln>
+        </p:spPr>
+        <p:style>
+          <a:lnRef idx="1">
+            <a:schemeClr val="accent1"/>
+          </a:lnRef>
+          <a:fillRef idx="0">
+            <a:schemeClr val="accent1"/>
+          </a:fillRef>
+          <a:effectRef idx="0">
+            <a:schemeClr val="accent1"/>
+          </a:effectRef>
+          <a:fontRef idx="minor">
+            <a:schemeClr val="tx1"/>
+          </a:fontRef>
+        </p:style>
+        <p:txBody>
+          <a:bodyPr rtlCol="0" anchor="ctr"/>
+          <a:lstStyle/>
+          <a:p>
+            <a:pPr algn="ctr"/>
+            <a:endParaRPr lang="zh-CN" altLang="en-US"/>
+          </a:p>
+        </p:txBody>
+      </p:sp>
+      <p:sp>
+        <p:nvSpPr>
+          <p:cNvPr id="92" name="文本框 91">
+            <a:extLst>
+              <a:ext uri="{FF2B5EF4-FFF2-40B4-BE49-F238E27FC236}">
+                <a16:creationId xmlns:a16="http://schemas.microsoft.com/office/drawing/2014/main" id="{3A4C8859-5116-43B9-89FF-0F085AD9809A}"/>
+              </a:ext>
+            </a:extLst>
+          </p:cNvPr>
+          <p:cNvSpPr txBox="1"/>
+          <p:nvPr/>
+        </p:nvSpPr>
+        <p:spPr>
+          <a:xfrm>
+            <a:off x="7556412" y="2063631"/>
+            <a:ext cx="684803" cy="369332"/>
+          </a:xfrm>
+          <a:prstGeom prst="rect">
+            <a:avLst/>
+          </a:prstGeom>
+          <a:noFill/>
+        </p:spPr>
+        <p:txBody>
+          <a:bodyPr wrap="none" rtlCol="0">
+            <a:spAutoFit/>
+          </a:bodyPr>
+          <a:lstStyle/>
+          <a:p>
+            <a:r>
+              <a:rPr lang="en-US" altLang="zh-CN" dirty="0">
+                <a:latin typeface="微软雅黑" panose="020B0503020204020204" pitchFamily="34" charset="-122"/>
+                <a:ea typeface="微软雅黑" panose="020B0503020204020204" pitchFamily="34" charset="-122"/>
+              </a:rPr>
+              <a:t>84</a:t>
+            </a:r>
+            <a:r>
+              <a:rPr lang="zh-CN" altLang="en-US" dirty="0">
+                <a:latin typeface="微软雅黑" panose="020B0503020204020204" pitchFamily="34" charset="-122"/>
+                <a:ea typeface="微软雅黑" panose="020B0503020204020204" pitchFamily="34" charset="-122"/>
+              </a:rPr>
+              <a:t>维</a:t>
+            </a:r>
+          </a:p>
+        </p:txBody>
+      </p:sp>
+      <mc:AlternateContent xmlns:mc="http://schemas.openxmlformats.org/markup-compatibility/2006">
+        <mc:Choice xmlns:a14="http://schemas.microsoft.com/office/drawing/2010/main" Requires="a14">
+          <p:sp>
+            <p:nvSpPr>
+              <p:cNvPr id="95" name="文本框 94">
+                <a:extLst>
+                  <a:ext uri="{FF2B5EF4-FFF2-40B4-BE49-F238E27FC236}">
+                    <a16:creationId xmlns:a16="http://schemas.microsoft.com/office/drawing/2014/main" id="{9C5477F6-28A7-482C-9529-CF8AE1D0E990}"/>
+                  </a:ext>
+                </a:extLst>
+              </p:cNvPr>
+              <p:cNvSpPr txBox="1"/>
+              <p:nvPr/>
+            </p:nvSpPr>
+            <p:spPr>
+              <a:xfrm>
+                <a:off x="3437001" y="1032409"/>
+                <a:ext cx="520912" cy="300788"/>
+              </a:xfrm>
+              <a:prstGeom prst="rect">
+                <a:avLst/>
+              </a:prstGeom>
+              <a:noFill/>
+            </p:spPr>
+            <p:txBody>
+              <a:bodyPr wrap="none" lIns="0" tIns="0" rIns="0" bIns="0" rtlCol="0">
+                <a:spAutoFit/>
+              </a:bodyPr>
+              <a:lstStyle/>
+              <a:p>
+                <a14:m>
+                  <m:oMathPara xmlns:m="http://schemas.openxmlformats.org/officeDocument/2006/math">
+                    <m:oMathParaPr>
+                      <m:jc m:val="centerGroup"/>
+                    </m:oMathParaPr>
+                    <m:oMath xmlns:m="http://schemas.openxmlformats.org/officeDocument/2006/math">
+                      <m:sSub>
+                        <m:sSubPr>
+                          <m:ctrlPr>
+                            <a:rPr lang="zh-CN" altLang="en-US" smtClean="0">
+                              <a:solidFill>
+                                <a:srgbClr val="FFCCFF"/>
+                              </a:solidFill>
+                              <a:latin typeface="Cambria Math" panose="02040503050406030204" pitchFamily="18" charset="0"/>
+                            </a:rPr>
+                          </m:ctrlPr>
+                        </m:sSubPr>
+                        <m:e>
+                          <m:r>
+                            <a:rPr lang="zh-CN" altLang="en-US" i="1">
+                              <a:solidFill>
+                                <a:srgbClr val="FFCCFF"/>
+                              </a:solidFill>
+                              <a:latin typeface="Cambria Math" panose="02040503050406030204" pitchFamily="18" charset="0"/>
+                            </a:rPr>
+                            <m:t>𝑤</m:t>
+                          </m:r>
+                        </m:e>
+                        <m:sub>
+                          <m:sSub>
+                            <m:sSubPr>
+                              <m:ctrlPr>
+                                <a:rPr lang="zh-CN" altLang="en-US" i="1">
+                                  <a:solidFill>
+                                    <a:srgbClr val="FFCCFF"/>
+                                  </a:solidFill>
+                                  <a:latin typeface="Cambria Math" panose="02040503050406030204" pitchFamily="18" charset="0"/>
+                                </a:rPr>
+                              </m:ctrlPr>
+                            </m:sSubPr>
+                            <m:e>
+                              <m:r>
+                                <a:rPr lang="zh-CN" altLang="en-US" i="1">
+                                  <a:solidFill>
+                                    <a:srgbClr val="FFCCFF"/>
+                                  </a:solidFill>
+                                  <a:latin typeface="Cambria Math" panose="02040503050406030204" pitchFamily="18" charset="0"/>
+                                </a:rPr>
+                                <m:t>𝐷</m:t>
+                              </m:r>
+                            </m:e>
+                            <m:sub>
+                              <m:r>
+                                <a:rPr lang="zh-CN" altLang="en-US" i="0">
+                                  <a:solidFill>
+                                    <a:srgbClr val="FFCCFF"/>
+                                  </a:solidFill>
+                                  <a:latin typeface="Cambria Math" panose="02040503050406030204" pitchFamily="18" charset="0"/>
+                                </a:rPr>
+                                <m:t>1</m:t>
+                              </m:r>
+                            </m:sub>
+                          </m:sSub>
+                          <m:r>
+                            <a:rPr lang="zh-CN" altLang="en-US" i="0">
+                              <a:solidFill>
+                                <a:srgbClr val="FFCCFF"/>
+                              </a:solidFill>
+                              <a:latin typeface="Cambria Math" panose="02040503050406030204" pitchFamily="18" charset="0"/>
+                            </a:rPr>
+                            <m:t>1</m:t>
+                          </m:r>
+                        </m:sub>
+                      </m:sSub>
+                    </m:oMath>
+                  </m:oMathPara>
+                </a14:m>
+                <a:endParaRPr lang="zh-CN" altLang="en-US" dirty="0">
+                  <a:solidFill>
+                    <a:srgbClr val="FFCCFF"/>
+                  </a:solidFill>
+                </a:endParaRPr>
+              </a:p>
+            </p:txBody>
+          </p:sp>
+        </mc:Choice>
+        <mc:Fallback>
+          <p:sp>
+            <p:nvSpPr>
+              <p:cNvPr id="95" name="文本框 94">
+                <a:extLst>
+                  <a:ext uri="{FF2B5EF4-FFF2-40B4-BE49-F238E27FC236}">
+                    <a16:creationId xmlns:a16="http://schemas.microsoft.com/office/drawing/2014/main" id="{9C5477F6-28A7-482C-9529-CF8AE1D0E990}"/>
+                  </a:ext>
+                </a:extLst>
+              </p:cNvPr>
+              <p:cNvSpPr txBox="1">
+                <a:spLocks noRot="1" noChangeAspect="1" noMove="1" noResize="1" noEditPoints="1" noAdjustHandles="1" noChangeArrowheads="1" noChangeShapeType="1" noTextEdit="1"/>
+              </p:cNvSpPr>
+              <p:nvPr/>
+            </p:nvSpPr>
+            <p:spPr>
+              <a:xfrm>
+                <a:off x="3437001" y="1032409"/>
+                <a:ext cx="520912" cy="300788"/>
+              </a:xfrm>
+              <a:prstGeom prst="rect">
+                <a:avLst/>
+              </a:prstGeom>
+              <a:blipFill>
+                <a:blip r:embed="rId4"/>
+                <a:stretch>
+                  <a:fillRect l="-5882" r="-4706" b="-14000"/>
+                </a:stretch>
+              </a:blipFill>
+            </p:spPr>
+            <p:txBody>
+              <a:bodyPr/>
+              <a:lstStyle/>
+              <a:p>
+                <a:r>
+                  <a:rPr lang="zh-CN" altLang="en-US">
+                    <a:noFill/>
+                  </a:rPr>
+                  <a:t> </a:t>
+                </a:r>
+              </a:p>
+            </p:txBody>
+          </p:sp>
+        </mc:Fallback>
+      </mc:AlternateContent>
+      <mc:AlternateContent xmlns:mc="http://schemas.openxmlformats.org/markup-compatibility/2006">
+        <mc:Choice xmlns:a14="http://schemas.microsoft.com/office/drawing/2010/main" Requires="a14">
+          <p:sp>
+            <p:nvSpPr>
+              <p:cNvPr id="141" name="文本框 140">
+                <a:extLst>
+                  <a:ext uri="{FF2B5EF4-FFF2-40B4-BE49-F238E27FC236}">
+                    <a16:creationId xmlns:a16="http://schemas.microsoft.com/office/drawing/2014/main" id="{D036F51D-9C1D-46F9-A8D5-BA2B8D2E1092}"/>
+                  </a:ext>
+                </a:extLst>
+              </p:cNvPr>
+              <p:cNvSpPr txBox="1"/>
+              <p:nvPr/>
+            </p:nvSpPr>
+            <p:spPr>
+              <a:xfrm>
+                <a:off x="2755261" y="1363168"/>
+                <a:ext cx="520912" cy="300788"/>
+              </a:xfrm>
+              <a:prstGeom prst="rect">
+                <a:avLst/>
+              </a:prstGeom>
+              <a:noFill/>
+            </p:spPr>
+            <p:txBody>
+              <a:bodyPr wrap="none" lIns="0" tIns="0" rIns="0" bIns="0" rtlCol="0">
+                <a:spAutoFit/>
+              </a:bodyPr>
+              <a:lstStyle/>
+              <a:p>
+                <a14:m>
+                  <m:oMathPara xmlns:m="http://schemas.openxmlformats.org/officeDocument/2006/math">
+                    <m:oMathParaPr>
+                      <m:jc m:val="centerGroup"/>
+                    </m:oMathParaPr>
+                    <m:oMath xmlns:m="http://schemas.openxmlformats.org/officeDocument/2006/math">
+                      <m:sSub>
+                        <m:sSubPr>
+                          <m:ctrlPr>
+                            <a:rPr lang="zh-CN" altLang="en-US" smtClean="0">
+                              <a:solidFill>
+                                <a:srgbClr val="FFCCFF"/>
+                              </a:solidFill>
+                              <a:latin typeface="Cambria Math" panose="02040503050406030204" pitchFamily="18" charset="0"/>
+                            </a:rPr>
+                          </m:ctrlPr>
+                        </m:sSubPr>
+                        <m:e>
+                          <m:r>
+                            <a:rPr lang="zh-CN" altLang="en-US" i="1">
+                              <a:solidFill>
+                                <a:srgbClr val="FFCCFF"/>
+                              </a:solidFill>
+                              <a:latin typeface="Cambria Math" panose="02040503050406030204" pitchFamily="18" charset="0"/>
+                            </a:rPr>
+                            <m:t>𝑤</m:t>
+                          </m:r>
+                        </m:e>
+                        <m:sub>
+                          <m:sSub>
+                            <m:sSubPr>
+                              <m:ctrlPr>
+                                <a:rPr lang="zh-CN" altLang="en-US" i="1">
+                                  <a:solidFill>
+                                    <a:srgbClr val="FFCCFF"/>
+                                  </a:solidFill>
+                                  <a:latin typeface="Cambria Math" panose="02040503050406030204" pitchFamily="18" charset="0"/>
+                                </a:rPr>
+                              </m:ctrlPr>
+                            </m:sSubPr>
+                            <m:e>
+                              <m:r>
+                                <a:rPr lang="zh-CN" altLang="en-US" i="1">
+                                  <a:solidFill>
+                                    <a:srgbClr val="FFCCFF"/>
+                                  </a:solidFill>
+                                  <a:latin typeface="Cambria Math" panose="02040503050406030204" pitchFamily="18" charset="0"/>
+                                </a:rPr>
+                                <m:t>𝐷</m:t>
+                              </m:r>
+                            </m:e>
+                            <m:sub>
+                              <m:r>
+                                <a:rPr lang="zh-CN" altLang="en-US" i="0">
+                                  <a:solidFill>
+                                    <a:srgbClr val="FFCCFF"/>
+                                  </a:solidFill>
+                                  <a:latin typeface="Cambria Math" panose="02040503050406030204" pitchFamily="18" charset="0"/>
+                                </a:rPr>
+                                <m:t>1</m:t>
+                              </m:r>
+                            </m:sub>
+                          </m:sSub>
+                          <m:r>
+                            <a:rPr lang="en-US" altLang="zh-CN" b="0" i="1" smtClean="0">
+                              <a:solidFill>
+                                <a:srgbClr val="FFCCFF"/>
+                              </a:solidFill>
+                              <a:latin typeface="Cambria Math" panose="02040503050406030204" pitchFamily="18" charset="0"/>
+                            </a:rPr>
+                            <m:t>2</m:t>
+                          </m:r>
+                        </m:sub>
+                      </m:sSub>
+                    </m:oMath>
+                  </m:oMathPara>
+                </a14:m>
+                <a:endParaRPr lang="zh-CN" altLang="en-US" dirty="0">
+                  <a:solidFill>
+                    <a:srgbClr val="FFCCFF"/>
+                  </a:solidFill>
+                </a:endParaRPr>
+              </a:p>
+            </p:txBody>
+          </p:sp>
+        </mc:Choice>
+        <mc:Fallback>
+          <p:sp>
+            <p:nvSpPr>
+              <p:cNvPr id="141" name="文本框 140">
+                <a:extLst>
+                  <a:ext uri="{FF2B5EF4-FFF2-40B4-BE49-F238E27FC236}">
+                    <a16:creationId xmlns:a16="http://schemas.microsoft.com/office/drawing/2014/main" id="{D036F51D-9C1D-46F9-A8D5-BA2B8D2E1092}"/>
+                  </a:ext>
+                </a:extLst>
+              </p:cNvPr>
+              <p:cNvSpPr txBox="1">
+                <a:spLocks noRot="1" noChangeAspect="1" noMove="1" noResize="1" noEditPoints="1" noAdjustHandles="1" noChangeArrowheads="1" noChangeShapeType="1" noTextEdit="1"/>
+              </p:cNvSpPr>
+              <p:nvPr/>
+            </p:nvSpPr>
+            <p:spPr>
+              <a:xfrm>
+                <a:off x="2755261" y="1363168"/>
+                <a:ext cx="520912" cy="300788"/>
+              </a:xfrm>
+              <a:prstGeom prst="rect">
+                <a:avLst/>
+              </a:prstGeom>
+              <a:blipFill>
+                <a:blip r:embed="rId5"/>
+                <a:stretch>
+                  <a:fillRect l="-5882" r="-4706" b="-16327"/>
+                </a:stretch>
+              </a:blipFill>
+            </p:spPr>
+            <p:txBody>
+              <a:bodyPr/>
+              <a:lstStyle/>
+              <a:p>
+                <a:r>
+                  <a:rPr lang="zh-CN" altLang="en-US">
+                    <a:noFill/>
+                  </a:rPr>
+                  <a:t> </a:t>
+                </a:r>
+              </a:p>
+            </p:txBody>
+          </p:sp>
+        </mc:Fallback>
+      </mc:AlternateContent>
+      <mc:AlternateContent xmlns:mc="http://schemas.openxmlformats.org/markup-compatibility/2006">
+        <mc:Choice xmlns:a14="http://schemas.microsoft.com/office/drawing/2010/main" Requires="a14">
+          <p:sp>
+            <p:nvSpPr>
+              <p:cNvPr id="142" name="文本框 141">
+                <a:extLst>
+                  <a:ext uri="{FF2B5EF4-FFF2-40B4-BE49-F238E27FC236}">
+                    <a16:creationId xmlns:a16="http://schemas.microsoft.com/office/drawing/2014/main" id="{4AA9806F-5528-4743-BC25-8D6EC27D086C}"/>
+                  </a:ext>
+                </a:extLst>
+              </p:cNvPr>
+              <p:cNvSpPr txBox="1"/>
+              <p:nvPr/>
+            </p:nvSpPr>
+            <p:spPr>
+              <a:xfrm>
+                <a:off x="2762337" y="1812224"/>
+                <a:ext cx="520912" cy="300788"/>
+              </a:xfrm>
+              <a:prstGeom prst="rect">
+                <a:avLst/>
+              </a:prstGeom>
+              <a:noFill/>
+            </p:spPr>
+            <p:txBody>
+              <a:bodyPr wrap="none" lIns="0" tIns="0" rIns="0" bIns="0" rtlCol="0">
+                <a:spAutoFit/>
+              </a:bodyPr>
+              <a:lstStyle/>
+              <a:p>
+                <a14:m>
+                  <m:oMathPara xmlns:m="http://schemas.openxmlformats.org/officeDocument/2006/math">
+                    <m:oMathParaPr>
+                      <m:jc m:val="centerGroup"/>
+                    </m:oMathParaPr>
+                    <m:oMath xmlns:m="http://schemas.openxmlformats.org/officeDocument/2006/math">
+                      <m:sSub>
+                        <m:sSubPr>
+                          <m:ctrlPr>
+                            <a:rPr lang="zh-CN" altLang="en-US" smtClean="0">
+                              <a:solidFill>
+                                <a:srgbClr val="FFCCFF"/>
+                              </a:solidFill>
+                              <a:latin typeface="Cambria Math" panose="02040503050406030204" pitchFamily="18" charset="0"/>
+                            </a:rPr>
+                          </m:ctrlPr>
+                        </m:sSubPr>
+                        <m:e>
+                          <m:r>
+                            <a:rPr lang="zh-CN" altLang="en-US" i="1">
+                              <a:solidFill>
+                                <a:srgbClr val="FFCCFF"/>
+                              </a:solidFill>
+                              <a:latin typeface="Cambria Math" panose="02040503050406030204" pitchFamily="18" charset="0"/>
+                            </a:rPr>
+                            <m:t>𝑤</m:t>
+                          </m:r>
+                        </m:e>
+                        <m:sub>
+                          <m:sSub>
+                            <m:sSubPr>
+                              <m:ctrlPr>
+                                <a:rPr lang="zh-CN" altLang="en-US" i="1">
+                                  <a:solidFill>
+                                    <a:srgbClr val="FFCCFF"/>
+                                  </a:solidFill>
+                                  <a:latin typeface="Cambria Math" panose="02040503050406030204" pitchFamily="18" charset="0"/>
+                                </a:rPr>
+                              </m:ctrlPr>
+                            </m:sSubPr>
+                            <m:e>
+                              <m:r>
+                                <a:rPr lang="zh-CN" altLang="en-US" i="1">
+                                  <a:solidFill>
+                                    <a:srgbClr val="FFCCFF"/>
+                                  </a:solidFill>
+                                  <a:latin typeface="Cambria Math" panose="02040503050406030204" pitchFamily="18" charset="0"/>
+                                </a:rPr>
+                                <m:t>𝐷</m:t>
+                              </m:r>
+                            </m:e>
+                            <m:sub>
+                              <m:r>
+                                <a:rPr lang="zh-CN" altLang="en-US" i="0">
+                                  <a:solidFill>
+                                    <a:srgbClr val="FFCCFF"/>
+                                  </a:solidFill>
+                                  <a:latin typeface="Cambria Math" panose="02040503050406030204" pitchFamily="18" charset="0"/>
+                                </a:rPr>
+                                <m:t>1</m:t>
+                              </m:r>
+                            </m:sub>
+                          </m:sSub>
+                          <m:r>
+                            <a:rPr lang="en-US" altLang="zh-CN" b="0" i="1" smtClean="0">
+                              <a:solidFill>
+                                <a:srgbClr val="FFCCFF"/>
+                              </a:solidFill>
+                              <a:latin typeface="Cambria Math" panose="02040503050406030204" pitchFamily="18" charset="0"/>
+                            </a:rPr>
+                            <m:t>3</m:t>
+                          </m:r>
+                        </m:sub>
+                      </m:sSub>
+                    </m:oMath>
+                  </m:oMathPara>
+                </a14:m>
+                <a:endParaRPr lang="zh-CN" altLang="en-US" dirty="0">
+                  <a:solidFill>
+                    <a:srgbClr val="FFCCFF"/>
+                  </a:solidFill>
+                </a:endParaRPr>
+              </a:p>
+            </p:txBody>
+          </p:sp>
+        </mc:Choice>
+        <mc:Fallback>
+          <p:sp>
+            <p:nvSpPr>
+              <p:cNvPr id="142" name="文本框 141">
+                <a:extLst>
+                  <a:ext uri="{FF2B5EF4-FFF2-40B4-BE49-F238E27FC236}">
+                    <a16:creationId xmlns:a16="http://schemas.microsoft.com/office/drawing/2014/main" id="{4AA9806F-5528-4743-BC25-8D6EC27D086C}"/>
+                  </a:ext>
+                </a:extLst>
+              </p:cNvPr>
+              <p:cNvSpPr txBox="1">
+                <a:spLocks noRot="1" noChangeAspect="1" noMove="1" noResize="1" noEditPoints="1" noAdjustHandles="1" noChangeArrowheads="1" noChangeShapeType="1" noTextEdit="1"/>
+              </p:cNvSpPr>
+              <p:nvPr/>
+            </p:nvSpPr>
+            <p:spPr>
+              <a:xfrm>
+                <a:off x="2762337" y="1812224"/>
+                <a:ext cx="520912" cy="300788"/>
+              </a:xfrm>
+              <a:prstGeom prst="rect">
+                <a:avLst/>
+              </a:prstGeom>
+              <a:blipFill>
+                <a:blip r:embed="rId6"/>
+                <a:stretch>
+                  <a:fillRect l="-5814" r="-4651" b="-14000"/>
+                </a:stretch>
+              </a:blipFill>
+            </p:spPr>
+            <p:txBody>
+              <a:bodyPr/>
+              <a:lstStyle/>
+              <a:p>
+                <a:r>
+                  <a:rPr lang="zh-CN" altLang="en-US">
+                    <a:noFill/>
+                  </a:rPr>
+                  <a:t> </a:t>
+                </a:r>
+              </a:p>
+            </p:txBody>
+          </p:sp>
+        </mc:Fallback>
+      </mc:AlternateContent>
+      <mc:AlternateContent xmlns:mc="http://schemas.openxmlformats.org/markup-compatibility/2006">
+        <mc:Choice xmlns:a14="http://schemas.microsoft.com/office/drawing/2010/main" Requires="a14">
+          <p:sp>
+            <p:nvSpPr>
+              <p:cNvPr id="143" name="文本框 142">
+                <a:extLst>
+                  <a:ext uri="{FF2B5EF4-FFF2-40B4-BE49-F238E27FC236}">
+                    <a16:creationId xmlns:a16="http://schemas.microsoft.com/office/drawing/2014/main" id="{67B857FF-7378-4420-A613-64E57AB1A7BE}"/>
+                  </a:ext>
+                </a:extLst>
+              </p:cNvPr>
+              <p:cNvSpPr txBox="1"/>
+              <p:nvPr/>
+            </p:nvSpPr>
+            <p:spPr>
+              <a:xfrm>
+                <a:off x="2748727" y="3278606"/>
+                <a:ext cx="530658" cy="300788"/>
+              </a:xfrm>
+              <a:prstGeom prst="rect">
+                <a:avLst/>
+              </a:prstGeom>
+              <a:noFill/>
+            </p:spPr>
+            <p:txBody>
+              <a:bodyPr wrap="none" lIns="0" tIns="0" rIns="0" bIns="0" rtlCol="0">
+                <a:spAutoFit/>
+              </a:bodyPr>
+              <a:lstStyle/>
+              <a:p>
+                <a14:m>
+                  <m:oMathPara xmlns:m="http://schemas.openxmlformats.org/officeDocument/2006/math">
+                    <m:oMathParaPr>
+                      <m:jc m:val="centerGroup"/>
+                    </m:oMathParaPr>
+                    <m:oMath xmlns:m="http://schemas.openxmlformats.org/officeDocument/2006/math">
+                      <m:sSub>
+                        <m:sSubPr>
+                          <m:ctrlPr>
+                            <a:rPr lang="zh-CN" altLang="en-US" smtClean="0">
+                              <a:solidFill>
+                                <a:srgbClr val="FFCCFF"/>
+                              </a:solidFill>
+                              <a:latin typeface="Cambria Math" panose="02040503050406030204" pitchFamily="18" charset="0"/>
+                            </a:rPr>
+                          </m:ctrlPr>
+                        </m:sSubPr>
+                        <m:e>
+                          <m:r>
+                            <a:rPr lang="zh-CN" altLang="en-US" i="1">
+                              <a:solidFill>
+                                <a:srgbClr val="FFCCFF"/>
+                              </a:solidFill>
+                              <a:latin typeface="Cambria Math" panose="02040503050406030204" pitchFamily="18" charset="0"/>
+                            </a:rPr>
+                            <m:t>𝑤</m:t>
+                          </m:r>
+                        </m:e>
+                        <m:sub>
+                          <m:sSub>
+                            <m:sSubPr>
+                              <m:ctrlPr>
+                                <a:rPr lang="zh-CN" altLang="en-US" i="1">
+                                  <a:solidFill>
+                                    <a:srgbClr val="FFCCFF"/>
+                                  </a:solidFill>
+                                  <a:latin typeface="Cambria Math" panose="02040503050406030204" pitchFamily="18" charset="0"/>
+                                </a:rPr>
+                              </m:ctrlPr>
+                            </m:sSubPr>
+                            <m:e>
+                              <m:r>
+                                <a:rPr lang="zh-CN" altLang="en-US" i="1">
+                                  <a:solidFill>
+                                    <a:srgbClr val="FFCCFF"/>
+                                  </a:solidFill>
+                                  <a:latin typeface="Cambria Math" panose="02040503050406030204" pitchFamily="18" charset="0"/>
+                                </a:rPr>
+                                <m:t>𝐷</m:t>
+                              </m:r>
+                            </m:e>
+                            <m:sub>
+                              <m:r>
+                                <a:rPr lang="zh-CN" altLang="en-US" i="0">
+                                  <a:solidFill>
+                                    <a:srgbClr val="FFCCFF"/>
+                                  </a:solidFill>
+                                  <a:latin typeface="Cambria Math" panose="02040503050406030204" pitchFamily="18" charset="0"/>
+                                </a:rPr>
+                                <m:t>1</m:t>
+                              </m:r>
+                            </m:sub>
+                          </m:sSub>
+                          <m:r>
+                            <a:rPr lang="en-US" altLang="zh-CN" b="0" i="1" smtClean="0">
+                              <a:solidFill>
+                                <a:srgbClr val="FFCCFF"/>
+                              </a:solidFill>
+                              <a:latin typeface="Cambria Math" panose="02040503050406030204" pitchFamily="18" charset="0"/>
+                            </a:rPr>
+                            <m:t>𝑘</m:t>
+                          </m:r>
+                        </m:sub>
+                      </m:sSub>
+                    </m:oMath>
+                  </m:oMathPara>
+                </a14:m>
+                <a:endParaRPr lang="zh-CN" altLang="en-US" dirty="0">
+                  <a:solidFill>
+                    <a:srgbClr val="FFCCFF"/>
+                  </a:solidFill>
+                </a:endParaRPr>
+              </a:p>
+            </p:txBody>
+          </p:sp>
+        </mc:Choice>
+        <mc:Fallback>
+          <p:sp>
+            <p:nvSpPr>
+              <p:cNvPr id="143" name="文本框 142">
+                <a:extLst>
+                  <a:ext uri="{FF2B5EF4-FFF2-40B4-BE49-F238E27FC236}">
+                    <a16:creationId xmlns:a16="http://schemas.microsoft.com/office/drawing/2014/main" id="{67B857FF-7378-4420-A613-64E57AB1A7BE}"/>
+                  </a:ext>
+                </a:extLst>
+              </p:cNvPr>
+              <p:cNvSpPr txBox="1">
+                <a:spLocks noRot="1" noChangeAspect="1" noMove="1" noResize="1" noEditPoints="1" noAdjustHandles="1" noChangeArrowheads="1" noChangeShapeType="1" noTextEdit="1"/>
+              </p:cNvSpPr>
+              <p:nvPr/>
+            </p:nvSpPr>
+            <p:spPr>
+              <a:xfrm>
+                <a:off x="2748727" y="3278606"/>
+                <a:ext cx="530658" cy="300788"/>
+              </a:xfrm>
+              <a:prstGeom prst="rect">
+                <a:avLst/>
+              </a:prstGeom>
+              <a:blipFill>
+                <a:blip r:embed="rId7"/>
+                <a:stretch>
+                  <a:fillRect l="-5747" r="-4598" b="-16327"/>
+                </a:stretch>
+              </a:blipFill>
+            </p:spPr>
+            <p:txBody>
+              <a:bodyPr/>
+              <a:lstStyle/>
+              <a:p>
+                <a:r>
+                  <a:rPr lang="zh-CN" altLang="en-US">
+                    <a:noFill/>
+                  </a:rPr>
+                  <a:t> </a:t>
+                </a:r>
+              </a:p>
+            </p:txBody>
+          </p:sp>
+        </mc:Fallback>
+      </mc:AlternateContent>
+      <mc:AlternateContent xmlns:mc="http://schemas.openxmlformats.org/markup-compatibility/2006">
+        <mc:Choice xmlns:a14="http://schemas.microsoft.com/office/drawing/2010/main" Requires="a14">
+          <p:sp>
+            <p:nvSpPr>
+              <p:cNvPr id="144" name="文本框 143">
+                <a:extLst>
+                  <a:ext uri="{FF2B5EF4-FFF2-40B4-BE49-F238E27FC236}">
+                    <a16:creationId xmlns:a16="http://schemas.microsoft.com/office/drawing/2014/main" id="{5523ED1A-675C-48A1-8968-44A9423A0E75}"/>
+                  </a:ext>
+                </a:extLst>
+              </p:cNvPr>
+              <p:cNvSpPr txBox="1"/>
+              <p:nvPr/>
+            </p:nvSpPr>
+            <p:spPr>
+              <a:xfrm>
+                <a:off x="3065053" y="4395763"/>
+                <a:ext cx="618696" cy="300788"/>
+              </a:xfrm>
+              <a:prstGeom prst="rect">
+                <a:avLst/>
+              </a:prstGeom>
+              <a:noFill/>
+            </p:spPr>
+            <p:txBody>
+              <a:bodyPr wrap="none" lIns="0" tIns="0" rIns="0" bIns="0" rtlCol="0">
+                <a:spAutoFit/>
+              </a:bodyPr>
+              <a:lstStyle/>
+              <a:p>
+                <a14:m>
+                  <m:oMathPara xmlns:m="http://schemas.openxmlformats.org/officeDocument/2006/math">
+                    <m:oMathParaPr>
+                      <m:jc m:val="centerGroup"/>
+                    </m:oMathParaPr>
+                    <m:oMath xmlns:m="http://schemas.openxmlformats.org/officeDocument/2006/math">
+                      <m:sSub>
+                        <m:sSubPr>
+                          <m:ctrlPr>
+                            <a:rPr lang="zh-CN" altLang="en-US" smtClean="0">
+                              <a:solidFill>
+                                <a:srgbClr val="FFCCFF"/>
+                              </a:solidFill>
+                              <a:latin typeface="Cambria Math" panose="02040503050406030204" pitchFamily="18" charset="0"/>
+                            </a:rPr>
+                          </m:ctrlPr>
+                        </m:sSubPr>
+                        <m:e>
+                          <m:r>
+                            <a:rPr lang="zh-CN" altLang="en-US" i="1">
+                              <a:solidFill>
+                                <a:srgbClr val="FFCCFF"/>
+                              </a:solidFill>
+                              <a:latin typeface="Cambria Math" panose="02040503050406030204" pitchFamily="18" charset="0"/>
+                            </a:rPr>
+                            <m:t>𝑤</m:t>
+                          </m:r>
+                        </m:e>
+                        <m:sub>
+                          <m:sSub>
+                            <m:sSubPr>
+                              <m:ctrlPr>
+                                <a:rPr lang="zh-CN" altLang="en-US" i="1">
+                                  <a:solidFill>
+                                    <a:srgbClr val="FFCCFF"/>
+                                  </a:solidFill>
+                                  <a:latin typeface="Cambria Math" panose="02040503050406030204" pitchFamily="18" charset="0"/>
+                                </a:rPr>
+                              </m:ctrlPr>
+                            </m:sSubPr>
+                            <m:e>
+                              <m:r>
+                                <a:rPr lang="zh-CN" altLang="en-US" i="1">
+                                  <a:solidFill>
+                                    <a:srgbClr val="FFCCFF"/>
+                                  </a:solidFill>
+                                  <a:latin typeface="Cambria Math" panose="02040503050406030204" pitchFamily="18" charset="0"/>
+                                </a:rPr>
+                                <m:t>𝐷</m:t>
+                              </m:r>
+                            </m:e>
+                            <m:sub>
+                              <m:r>
+                                <a:rPr lang="zh-CN" altLang="en-US" i="0">
+                                  <a:solidFill>
+                                    <a:srgbClr val="FFCCFF"/>
+                                  </a:solidFill>
+                                  <a:latin typeface="Cambria Math" panose="02040503050406030204" pitchFamily="18" charset="0"/>
+                                </a:rPr>
+                                <m:t>1</m:t>
+                              </m:r>
+                            </m:sub>
+                          </m:sSub>
+                          <m:r>
+                            <a:rPr lang="en-US" altLang="zh-CN" b="0" i="1" smtClean="0">
+                              <a:solidFill>
+                                <a:srgbClr val="FFCCFF"/>
+                              </a:solidFill>
+                              <a:latin typeface="Cambria Math" panose="02040503050406030204" pitchFamily="18" charset="0"/>
+                            </a:rPr>
+                            <m:t>84</m:t>
+                          </m:r>
+                        </m:sub>
+                      </m:sSub>
+                    </m:oMath>
+                  </m:oMathPara>
+                </a14:m>
+                <a:endParaRPr lang="zh-CN" altLang="en-US" dirty="0">
+                  <a:solidFill>
+                    <a:srgbClr val="FFCCFF"/>
+                  </a:solidFill>
+                </a:endParaRPr>
+              </a:p>
+            </p:txBody>
+          </p:sp>
+        </mc:Choice>
+        <mc:Fallback>
+          <p:sp>
+            <p:nvSpPr>
+              <p:cNvPr id="144" name="文本框 143">
+                <a:extLst>
+                  <a:ext uri="{FF2B5EF4-FFF2-40B4-BE49-F238E27FC236}">
+                    <a16:creationId xmlns:a16="http://schemas.microsoft.com/office/drawing/2014/main" id="{5523ED1A-675C-48A1-8968-44A9423A0E75}"/>
+                  </a:ext>
+                </a:extLst>
+              </p:cNvPr>
+              <p:cNvSpPr txBox="1">
+                <a:spLocks noRot="1" noChangeAspect="1" noMove="1" noResize="1" noEditPoints="1" noAdjustHandles="1" noChangeArrowheads="1" noChangeShapeType="1" noTextEdit="1"/>
+              </p:cNvSpPr>
+              <p:nvPr/>
+            </p:nvSpPr>
+            <p:spPr>
+              <a:xfrm>
+                <a:off x="3065053" y="4395763"/>
+                <a:ext cx="618696" cy="300788"/>
+              </a:xfrm>
+              <a:prstGeom prst="rect">
+                <a:avLst/>
+              </a:prstGeom>
+              <a:blipFill>
+                <a:blip r:embed="rId8"/>
+                <a:stretch>
+                  <a:fillRect l="-4950" r="-3960" b="-16327"/>
+                </a:stretch>
+              </a:blipFill>
+            </p:spPr>
+            <p:txBody>
+              <a:bodyPr/>
+              <a:lstStyle/>
+              <a:p>
+                <a:r>
+                  <a:rPr lang="zh-CN" altLang="en-US">
+                    <a:noFill/>
+                  </a:rPr>
+                  <a:t> </a:t>
+                </a:r>
+              </a:p>
+            </p:txBody>
+          </p:sp>
+        </mc:Fallback>
+      </mc:AlternateContent>
+      <p:sp>
+        <p:nvSpPr>
+          <p:cNvPr id="145" name="文本框 144">
+            <a:extLst>
+              <a:ext uri="{FF2B5EF4-FFF2-40B4-BE49-F238E27FC236}">
+                <a16:creationId xmlns:a16="http://schemas.microsoft.com/office/drawing/2014/main" id="{1522F816-7C4E-4474-973F-01F4181A8904}"/>
+              </a:ext>
+            </a:extLst>
+          </p:cNvPr>
+          <p:cNvSpPr txBox="1"/>
+          <p:nvPr/>
+        </p:nvSpPr>
+        <p:spPr>
+          <a:xfrm>
+            <a:off x="7423279" y="1187909"/>
+            <a:ext cx="922047" cy="338554"/>
+          </a:xfrm>
+          <a:prstGeom prst="rect">
+            <a:avLst/>
+          </a:prstGeom>
+          <a:noFill/>
+        </p:spPr>
+        <p:txBody>
+          <a:bodyPr wrap="none" rtlCol="0">
+            <a:spAutoFit/>
+          </a:bodyPr>
+          <a:lstStyle/>
+          <a:p>
+            <a:r>
+              <a:rPr lang="zh-CN" altLang="en-US" sz="1600" dirty="0">
+                <a:solidFill>
+                  <a:srgbClr val="92D050"/>
+                </a:solidFill>
+                <a:latin typeface="微软雅黑" panose="020B0503020204020204" pitchFamily="34" charset="-122"/>
+                <a:ea typeface="微软雅黑" panose="020B0503020204020204" pitchFamily="34" charset="-122"/>
+              </a:rPr>
+              <a:t>类 标 签</a:t>
+            </a:r>
+          </a:p>
+        </p:txBody>
+      </p:sp>
+    </p:spTree>
+    <p:extLst>
+      <p:ext uri="{BB962C8B-B14F-4D97-AF65-F5344CB8AC3E}">
+        <p14:creationId xmlns:p14="http://schemas.microsoft.com/office/powerpoint/2010/main" val="2675705028"/>
       </p:ext>
     </p:extLst>
   </p:cSld>

--- a/_drafts/LeNet论文阅读笔记/额外图示.pptx
+++ b/_drafts/LeNet论文阅读笔记/额外图示.pptx
@@ -343,7 +343,7 @@
             <a:fld id="{B61BEF0D-F0BB-DE4B-95CE-6DB70DBA9567}" type="datetimeFigureOut">
               <a:rPr lang="en-US" dirty="0"/>
               <a:pPr/>
-              <a:t>1/31/2019</a:t>
+              <a:t>2/2/2019</a:t>
             </a:fld>
             <a:endParaRPr lang="en-US" dirty="0"/>
           </a:p>
@@ -674,7 +674,7 @@
             <a:fld id="{B61BEF0D-F0BB-DE4B-95CE-6DB70DBA9567}" type="datetimeFigureOut">
               <a:rPr lang="en-US" dirty="0"/>
               <a:pPr/>
-              <a:t>1/31/2019</a:t>
+              <a:t>2/2/2019</a:t>
             </a:fld>
             <a:endParaRPr lang="en-US" dirty="0"/>
           </a:p>
@@ -949,7 +949,7 @@
             <a:fld id="{B61BEF0D-F0BB-DE4B-95CE-6DB70DBA9567}" type="datetimeFigureOut">
               <a:rPr lang="en-US" dirty="0"/>
               <a:pPr/>
-              <a:t>1/31/2019</a:t>
+              <a:t>2/2/2019</a:t>
             </a:fld>
             <a:endParaRPr lang="en-US" dirty="0"/>
           </a:p>
@@ -1514,7 +1514,7 @@
             <a:fld id="{B61BEF0D-F0BB-DE4B-95CE-6DB70DBA9567}" type="datetimeFigureOut">
               <a:rPr lang="en-US" dirty="0"/>
               <a:pPr/>
-              <a:t>1/31/2019</a:t>
+              <a:t>2/2/2019</a:t>
             </a:fld>
             <a:endParaRPr lang="en-US" dirty="0"/>
           </a:p>
@@ -1789,7 +1789,7 @@
             <a:fld id="{B61BEF0D-F0BB-DE4B-95CE-6DB70DBA9567}" type="datetimeFigureOut">
               <a:rPr lang="en-US" dirty="0"/>
               <a:pPr/>
-              <a:t>1/31/2019</a:t>
+              <a:t>2/2/2019</a:t>
             </a:fld>
             <a:endParaRPr lang="en-US" dirty="0"/>
           </a:p>
@@ -2348,7 +2348,7 @@
             <a:fld id="{B61BEF0D-F0BB-DE4B-95CE-6DB70DBA9567}" type="datetimeFigureOut">
               <a:rPr lang="en-US" dirty="0"/>
               <a:pPr/>
-              <a:t>1/31/2019</a:t>
+              <a:t>2/2/2019</a:t>
             </a:fld>
             <a:endParaRPr lang="en-US" dirty="0"/>
           </a:p>
@@ -2672,7 +2672,7 @@
             <a:fld id="{B61BEF0D-F0BB-DE4B-95CE-6DB70DBA9567}" type="datetimeFigureOut">
               <a:rPr lang="en-US" dirty="0"/>
               <a:pPr/>
-              <a:t>1/31/2019</a:t>
+              <a:t>2/2/2019</a:t>
             </a:fld>
             <a:endParaRPr lang="en-US" dirty="0"/>
           </a:p>
@@ -2846,7 +2846,7 @@
             <a:fld id="{B61BEF0D-F0BB-DE4B-95CE-6DB70DBA9567}" type="datetimeFigureOut">
               <a:rPr lang="en-US" dirty="0"/>
               <a:pPr/>
-              <a:t>1/31/2019</a:t>
+              <a:t>2/2/2019</a:t>
             </a:fld>
             <a:endParaRPr lang="en-US" dirty="0"/>
           </a:p>
@@ -3081,7 +3081,7 @@
             <a:fld id="{B61BEF0D-F0BB-DE4B-95CE-6DB70DBA9567}" type="datetimeFigureOut">
               <a:rPr lang="en-US" dirty="0"/>
               <a:pPr/>
-              <a:t>1/31/2019</a:t>
+              <a:t>2/2/2019</a:t>
             </a:fld>
             <a:endParaRPr lang="en-US" dirty="0"/>
           </a:p>
@@ -3278,7 +3278,7 @@
             <a:fld id="{B61BEF0D-F0BB-DE4B-95CE-6DB70DBA9567}" type="datetimeFigureOut">
               <a:rPr lang="en-US" dirty="0"/>
               <a:pPr/>
-              <a:t>1/31/2019</a:t>
+              <a:t>2/2/2019</a:t>
             </a:fld>
             <a:endParaRPr lang="en-US" dirty="0"/>
           </a:p>
@@ -3551,7 +3551,7 @@
             <a:fld id="{B61BEF0D-F0BB-DE4B-95CE-6DB70DBA9567}" type="datetimeFigureOut">
               <a:rPr lang="en-US" dirty="0"/>
               <a:pPr/>
-              <a:t>1/31/2019</a:t>
+              <a:t>2/2/2019</a:t>
             </a:fld>
             <a:endParaRPr lang="en-US" dirty="0"/>
           </a:p>
@@ -3814,7 +3814,7 @@
             <a:fld id="{B61BEF0D-F0BB-DE4B-95CE-6DB70DBA9567}" type="datetimeFigureOut">
               <a:rPr lang="en-US" dirty="0"/>
               <a:pPr/>
-              <a:t>1/31/2019</a:t>
+              <a:t>2/2/2019</a:t>
             </a:fld>
             <a:endParaRPr lang="en-US" dirty="0"/>
           </a:p>
@@ -4185,7 +4185,7 @@
             <a:fld id="{B61BEF0D-F0BB-DE4B-95CE-6DB70DBA9567}" type="datetimeFigureOut">
               <a:rPr lang="en-US" dirty="0"/>
               <a:pPr/>
-              <a:t>1/31/2019</a:t>
+              <a:t>2/2/2019</a:t>
             </a:fld>
             <a:endParaRPr lang="en-US" dirty="0"/>
           </a:p>
@@ -4330,7 +4330,7 @@
             <a:fld id="{B61BEF0D-F0BB-DE4B-95CE-6DB70DBA9567}" type="datetimeFigureOut">
               <a:rPr lang="en-US" dirty="0"/>
               <a:pPr/>
-              <a:t>1/31/2019</a:t>
+              <a:t>2/2/2019</a:t>
             </a:fld>
             <a:endParaRPr lang="en-US" dirty="0"/>
           </a:p>
@@ -4452,7 +4452,7 @@
             <a:fld id="{B61BEF0D-F0BB-DE4B-95CE-6DB70DBA9567}" type="datetimeFigureOut">
               <a:rPr lang="en-US" dirty="0"/>
               <a:pPr/>
-              <a:t>1/31/2019</a:t>
+              <a:t>2/2/2019</a:t>
             </a:fld>
             <a:endParaRPr lang="en-US" dirty="0"/>
           </a:p>
@@ -4734,7 +4734,7 @@
             <a:fld id="{B61BEF0D-F0BB-DE4B-95CE-6DB70DBA9567}" type="datetimeFigureOut">
               <a:rPr lang="en-US" dirty="0"/>
               <a:pPr/>
-              <a:t>1/31/2019</a:t>
+              <a:t>2/2/2019</a:t>
             </a:fld>
             <a:endParaRPr lang="en-US" dirty="0"/>
           </a:p>
@@ -5055,7 +5055,7 @@
             <a:fld id="{B61BEF0D-F0BB-DE4B-95CE-6DB70DBA9567}" type="datetimeFigureOut">
               <a:rPr lang="en-US" dirty="0"/>
               <a:pPr/>
-              <a:t>1/31/2019</a:t>
+              <a:t>2/2/2019</a:t>
             </a:fld>
             <a:endParaRPr lang="en-US" dirty="0"/>
           </a:p>
@@ -5266,7 +5266,7 @@
             <a:fld id="{B61BEF0D-F0BB-DE4B-95CE-6DB70DBA9567}" type="datetimeFigureOut">
               <a:rPr lang="en-US" dirty="0"/>
               <a:pPr/>
-              <a:t>1/31/2019</a:t>
+              <a:t>2/2/2019</a:t>
             </a:fld>
             <a:endParaRPr lang="en-US" dirty="0"/>
           </a:p>
@@ -8031,8 +8031,8 @@
         </p:nvSpPr>
         <p:spPr>
           <a:xfrm>
-            <a:off x="4794483" y="951734"/>
-            <a:ext cx="922047" cy="338554"/>
+            <a:off x="4825509" y="745714"/>
+            <a:ext cx="922047" cy="584775"/>
           </a:xfrm>
           <a:prstGeom prst="rect">
             <a:avLst/>
@@ -8045,6 +8045,7 @@
           </a:bodyPr>
           <a:lstStyle/>
           <a:p>
+            <a:pPr algn="ctr"/>
             <a:r>
               <a:rPr lang="zh-CN" altLang="en-US" sz="1600" dirty="0">
                 <a:solidFill>
@@ -8053,8 +8054,45 @@
                 <a:latin typeface="微软雅黑" panose="020B0503020204020204" pitchFamily="34" charset="-122"/>
                 <a:ea typeface="微软雅黑" panose="020B0503020204020204" pitchFamily="34" charset="-122"/>
               </a:rPr>
-              <a:t>输 出 层</a:t>
-            </a:r>
+              <a:t>输 出 </a:t>
+            </a:r>
+            <a:r>
+              <a:rPr lang="zh-CN" altLang="en-US" sz="1600" dirty="0" smtClean="0">
+                <a:solidFill>
+                  <a:srgbClr val="FFC000"/>
+                </a:solidFill>
+                <a:latin typeface="微软雅黑" panose="020B0503020204020204" pitchFamily="34" charset="-122"/>
+                <a:ea typeface="微软雅黑" panose="020B0503020204020204" pitchFamily="34" charset="-122"/>
+              </a:rPr>
+              <a:t>层</a:t>
+            </a:r>
+            <a:endParaRPr lang="en-US" altLang="zh-CN" sz="1600" dirty="0" smtClean="0">
+              <a:solidFill>
+                <a:srgbClr val="FFC000"/>
+              </a:solidFill>
+              <a:latin typeface="微软雅黑" panose="020B0503020204020204" pitchFamily="34" charset="-122"/>
+              <a:ea typeface="微软雅黑" panose="020B0503020204020204" pitchFamily="34" charset="-122"/>
+            </a:endParaRPr>
+          </a:p>
+          <a:p>
+            <a:pPr algn="ctr"/>
+            <a:r>
+              <a:rPr lang="en-US" altLang="zh-CN" sz="1600" dirty="0" smtClean="0">
+                <a:solidFill>
+                  <a:srgbClr val="FFC000"/>
+                </a:solidFill>
+                <a:latin typeface="微软雅黑" panose="020B0503020204020204" pitchFamily="34" charset="-122"/>
+                <a:ea typeface="微软雅黑" panose="020B0503020204020204" pitchFamily="34" charset="-122"/>
+              </a:rPr>
+              <a:t>(RBF)</a:t>
+            </a:r>
+            <a:endParaRPr lang="zh-CN" altLang="en-US" sz="1600" dirty="0">
+              <a:solidFill>
+                <a:srgbClr val="FFC000"/>
+              </a:solidFill>
+              <a:latin typeface="微软雅黑" panose="020B0503020204020204" pitchFamily="34" charset="-122"/>
+              <a:ea typeface="微软雅黑" panose="020B0503020204020204" pitchFamily="34" charset="-122"/>
+            </a:endParaRPr>
           </a:p>
         </p:txBody>
       </p:sp>
@@ -8318,12 +8356,12 @@
           <a:p>
             <a:pPr algn="ctr"/>
             <a:r>
-              <a:rPr lang="en-US" altLang="zh-CN" dirty="0">
+              <a:rPr lang="en-US" altLang="zh-CN" dirty="0" smtClean="0">
                 <a:solidFill>
                   <a:srgbClr val="FF0000"/>
                 </a:solidFill>
               </a:rPr>
-              <a:t>9</a:t>
+              <a:t>8</a:t>
             </a:r>
             <a:endParaRPr lang="zh-CN" altLang="en-US" dirty="0">
               <a:solidFill>
@@ -8387,12 +8425,12 @@
           <a:p>
             <a:pPr algn="ctr"/>
             <a:r>
-              <a:rPr lang="en-US" altLang="zh-CN" sz="1600" dirty="0">
+              <a:rPr lang="en-US" altLang="zh-CN" sz="1600" dirty="0" smtClean="0">
                 <a:solidFill>
                   <a:srgbClr val="FF0000"/>
                 </a:solidFill>
               </a:rPr>
-              <a:t>10</a:t>
+              <a:t>9</a:t>
             </a:r>
             <a:endParaRPr lang="zh-CN" altLang="en-US" sz="1600" dirty="0">
               <a:solidFill>
@@ -8546,7 +8584,7 @@
         </p:nvSpPr>
         <p:spPr>
           <a:xfrm>
-            <a:off x="1368530" y="429795"/>
+            <a:off x="1394909" y="427958"/>
             <a:ext cx="1234633" cy="338554"/>
           </a:xfrm>
           <a:prstGeom prst="rect">
@@ -8921,8 +8959,8 @@
             </p:nvSpPr>
             <p:spPr>
               <a:xfrm>
-                <a:off x="6112360" y="1162632"/>
-                <a:ext cx="510076" cy="401072"/>
+                <a:off x="7384235" y="1395810"/>
+                <a:ext cx="2488886" cy="401072"/>
               </a:xfrm>
               <a:prstGeom prst="rect">
                 <a:avLst/>
@@ -8935,6 +8973,7 @@
               </a:bodyPr>
               <a:lstStyle/>
               <a:p>
+                <a:pPr/>
                 <a14:m>
                   <m:oMathPara xmlns:m="http://schemas.openxmlformats.org/officeDocument/2006/math">
                     <m:oMathParaPr>
@@ -8944,7 +8983,7 @@
                       <m:sSub>
                         <m:sSubPr>
                           <m:ctrlPr>
-                            <a:rPr lang="zh-CN" altLang="en-US" sz="2400" smtClean="0">
+                            <a:rPr lang="zh-CN" altLang="en-US" sz="2400" i="1" smtClean="0">
                               <a:solidFill>
                                 <a:srgbClr val="2CEC67"/>
                               </a:solidFill>
@@ -9000,6 +9039,131 @@
                           </m:sSub>
                         </m:sub>
                       </m:sSub>
+                      <m:r>
+                        <a:rPr lang="en-US" altLang="zh-CN" sz="2400" b="0" i="1" smtClean="0">
+                          <a:solidFill>
+                            <a:srgbClr val="2CEC67"/>
+                          </a:solidFill>
+                          <a:latin typeface="Cambria Math" panose="02040503050406030204" pitchFamily="18" charset="0"/>
+                        </a:rPr>
+                        <m:t>=||</m:t>
+                      </m:r>
+                      <m:acc>
+                        <m:accPr>
+                          <m:chr m:val="⃗"/>
+                          <m:ctrlPr>
+                            <a:rPr lang="zh-CN" altLang="en-US" sz="2400" dirty="0" smtClean="0">
+                              <a:solidFill>
+                                <a:srgbClr val="2CEC67"/>
+                              </a:solidFill>
+                              <a:latin typeface="Cambria Math" panose="02040503050406030204" pitchFamily="18" charset="0"/>
+                            </a:rPr>
+                          </m:ctrlPr>
+                        </m:accPr>
+                        <m:e>
+                          <m:r>
+                            <a:rPr lang="zh-CN" altLang="en-US" sz="2400" i="1" dirty="0">
+                              <a:solidFill>
+                                <a:srgbClr val="2CEC67"/>
+                              </a:solidFill>
+                              <a:latin typeface="Cambria Math" panose="02040503050406030204" pitchFamily="18" charset="0"/>
+                            </a:rPr>
+                            <m:t>𝑥</m:t>
+                          </m:r>
+                        </m:e>
+                      </m:acc>
+                      <m:r>
+                        <a:rPr lang="en-US" altLang="zh-CN" sz="2400" b="0" i="1" dirty="0" smtClean="0">
+                          <a:solidFill>
+                            <a:srgbClr val="2CEC67"/>
+                          </a:solidFill>
+                          <a:latin typeface="Cambria Math" panose="02040503050406030204" pitchFamily="18" charset="0"/>
+                        </a:rPr>
+                        <m:t> − </m:t>
+                      </m:r>
+                      <m:acc>
+                        <m:accPr>
+                          <m:chr m:val="⃗"/>
+                          <m:ctrlPr>
+                            <a:rPr lang="zh-CN" altLang="en-US" sz="2400" i="1" smtClean="0">
+                              <a:solidFill>
+                                <a:srgbClr val="2CEC67"/>
+                              </a:solidFill>
+                              <a:latin typeface="Cambria Math" panose="02040503050406030204" pitchFamily="18" charset="0"/>
+                            </a:rPr>
+                          </m:ctrlPr>
+                        </m:accPr>
+                        <m:e>
+                          <m:sSub>
+                            <m:sSubPr>
+                              <m:ctrlPr>
+                                <a:rPr lang="zh-CN" altLang="en-US" sz="2400" i="1" smtClean="0">
+                                  <a:solidFill>
+                                    <a:srgbClr val="2CEC67"/>
+                                  </a:solidFill>
+                                  <a:latin typeface="Cambria Math" panose="02040503050406030204" pitchFamily="18" charset="0"/>
+                                </a:rPr>
+                              </m:ctrlPr>
+                            </m:sSubPr>
+                            <m:e>
+                              <m:r>
+                                <a:rPr lang="zh-CN" altLang="en-US" sz="2400" i="1" smtClean="0">
+                                  <a:solidFill>
+                                    <a:srgbClr val="2CEC67"/>
+                                  </a:solidFill>
+                                  <a:latin typeface="Cambria Math" panose="02040503050406030204" pitchFamily="18" charset="0"/>
+                                </a:rPr>
+                                <m:t>𝑤</m:t>
+                              </m:r>
+                            </m:e>
+                            <m:sub>
+                              <m:sSub>
+                                <m:sSubPr>
+                                  <m:ctrlPr>
+                                    <a:rPr lang="zh-CN" altLang="en-US" sz="2400" i="1" smtClean="0">
+                                      <a:solidFill>
+                                        <a:srgbClr val="2CEC67"/>
+                                      </a:solidFill>
+                                      <a:latin typeface="Cambria Math" panose="02040503050406030204" pitchFamily="18" charset="0"/>
+                                    </a:rPr>
+                                  </m:ctrlPr>
+                                </m:sSubPr>
+                                <m:e>
+                                  <m:r>
+                                    <a:rPr lang="zh-CN" altLang="en-US" sz="2400" i="1" smtClean="0">
+                                      <a:solidFill>
+                                        <a:srgbClr val="2CEC67"/>
+                                      </a:solidFill>
+                                      <a:latin typeface="Cambria Math" panose="02040503050406030204" pitchFamily="18" charset="0"/>
+                                    </a:rPr>
+                                    <m:t>𝐷</m:t>
+                                  </m:r>
+                                </m:e>
+                                <m:sub>
+                                  <m:r>
+                                    <a:rPr lang="zh-CN" altLang="en-US" sz="2400" i="1" smtClean="0">
+                                      <a:solidFill>
+                                        <a:srgbClr val="2CEC67"/>
+                                      </a:solidFill>
+                                      <a:latin typeface="Cambria Math" panose="02040503050406030204" pitchFamily="18" charset="0"/>
+                                    </a:rPr>
+                                    <m:t>1</m:t>
+                                  </m:r>
+                                </m:sub>
+                              </m:sSub>
+                            </m:sub>
+                          </m:sSub>
+                        </m:e>
+                      </m:acc>
+                      <m:r>
+                        <a:rPr lang="en-US" altLang="zh-CN" sz="2400" i="1">
+                          <a:solidFill>
+                            <a:srgbClr val="2CEC67"/>
+                          </a:solidFill>
+                          <a:latin typeface="Cambria Math" panose="02040503050406030204" pitchFamily="18" charset="0"/>
+                        </a:rPr>
+                        <m:t>||</m:t>
+                      </m:r>
                     </m:oMath>
                   </m:oMathPara>
                 </a14:m>
@@ -9029,8 +9193,8 @@
             </p:nvSpPr>
             <p:spPr>
               <a:xfrm>
-                <a:off x="6112360" y="1162632"/>
-                <a:ext cx="510076" cy="401072"/>
+                <a:off x="7384235" y="1395810"/>
+                <a:ext cx="2488886" cy="401072"/>
               </a:xfrm>
               <a:prstGeom prst="rect">
                 <a:avLst/>
@@ -9038,7 +9202,7 @@
               <a:blipFill>
                 <a:blip r:embed="rId2"/>
                 <a:stretch>
-                  <a:fillRect l="-14458" b="-16667"/>
+                  <a:fillRect l="-2200" t="-33333" r="-3423" b="-24242"/>
                 </a:stretch>
               </a:blipFill>
             </p:spPr>
@@ -9075,7 +9239,7 @@
         <p:spPr>
           <a:xfrm>
             <a:off x="5494692" y="1654468"/>
-            <a:ext cx="1275563" cy="0"/>
+            <a:ext cx="1889543" cy="0"/>
           </a:xfrm>
           <a:prstGeom prst="straightConnector1">
             <a:avLst/>
@@ -9313,7 +9477,7 @@
         </p:blipFill>
         <p:spPr>
           <a:xfrm>
-            <a:off x="9684906" y="1206809"/>
+            <a:off x="8007086" y="4698630"/>
             <a:ext cx="815411" cy="964585"/>
           </a:xfrm>
           <a:prstGeom prst="rect">
@@ -9321,87 +9485,6 @@
           </a:prstGeom>
         </p:spPr>
       </p:pic>
-      <p:sp>
-        <p:nvSpPr>
-          <p:cNvPr id="26" name="文本框 25">
-            <a:extLst>
-              <a:ext uri="{FF2B5EF4-FFF2-40B4-BE49-F238E27FC236}">
-                <a16:creationId xmlns:a16="http://schemas.microsoft.com/office/drawing/2014/main" id="{80B7303B-8F9D-4249-A1F7-5CE429364BED}"/>
-              </a:ext>
-            </a:extLst>
-          </p:cNvPr>
-          <p:cNvSpPr txBox="1"/>
-          <p:nvPr/>
-        </p:nvSpPr>
-        <p:spPr>
-          <a:xfrm>
-            <a:off x="6797966" y="1454413"/>
-            <a:ext cx="2452793" cy="400110"/>
-          </a:xfrm>
-          <a:prstGeom prst="rect">
-            <a:avLst/>
-          </a:prstGeom>
-          <a:noFill/>
-        </p:spPr>
-        <p:txBody>
-          <a:bodyPr wrap="square" rtlCol="0">
-            <a:spAutoFit/>
-          </a:bodyPr>
-          <a:lstStyle/>
-          <a:p>
-            <a:r>
-              <a:rPr lang="en-US" altLang="zh-CN" sz="2000" dirty="0"/>
-              <a:t>[-1 , 1 , -1 , ··· ···, -1]</a:t>
-            </a:r>
-            <a:endParaRPr lang="zh-CN" altLang="en-US" sz="2000" dirty="0"/>
-          </a:p>
-        </p:txBody>
-      </p:sp>
-      <p:cxnSp>
-        <p:nvCxnSpPr>
-          <p:cNvPr id="89" name="直接箭头连接符 88">
-            <a:extLst>
-              <a:ext uri="{FF2B5EF4-FFF2-40B4-BE49-F238E27FC236}">
-                <a16:creationId xmlns:a16="http://schemas.microsoft.com/office/drawing/2014/main" id="{25276019-6CDA-4B15-A967-61E84ADBBC70}"/>
-              </a:ext>
-            </a:extLst>
-          </p:cNvPr>
-          <p:cNvCxnSpPr>
-            <a:cxnSpLocks/>
-          </p:cNvCxnSpPr>
-          <p:nvPr/>
-        </p:nvCxnSpPr>
-        <p:spPr>
-          <a:xfrm>
-            <a:off x="9018367" y="1654468"/>
-            <a:ext cx="532035" cy="0"/>
-          </a:xfrm>
-          <a:prstGeom prst="straightConnector1">
-            <a:avLst/>
-          </a:prstGeom>
-          <a:ln w="15875">
-            <a:solidFill>
-              <a:srgbClr val="2CEC67"/>
-            </a:solidFill>
-            <a:prstDash val="dash"/>
-            <a:tailEnd type="triangle"/>
-          </a:ln>
-        </p:spPr>
-        <p:style>
-          <a:lnRef idx="1">
-            <a:schemeClr val="accent1"/>
-          </a:lnRef>
-          <a:fillRef idx="0">
-            <a:schemeClr val="accent1"/>
-          </a:fillRef>
-          <a:effectRef idx="0">
-            <a:schemeClr val="accent1"/>
-          </a:effectRef>
-          <a:fontRef idx="minor">
-            <a:schemeClr val="tx1"/>
-          </a:fontRef>
-        </p:style>
-      </p:cxnSp>
       <p:sp>
         <p:nvSpPr>
           <p:cNvPr id="90" name="文本框 89">
@@ -9416,7 +9499,7 @@
         </p:nvSpPr>
         <p:spPr>
           <a:xfrm>
-            <a:off x="10545091" y="1485191"/>
+            <a:off x="7924494" y="4395763"/>
             <a:ext cx="898003" cy="369332"/>
           </a:xfrm>
           <a:prstGeom prst="rect">
@@ -9432,121 +9515,196 @@
           <a:p>
             <a:r>
               <a:rPr lang="en-US" altLang="zh-CN" dirty="0">
+                <a:solidFill>
+                  <a:srgbClr val="FFCCFF"/>
+                </a:solidFill>
                 <a:latin typeface="微软雅黑" panose="020B0503020204020204" pitchFamily="34" charset="-122"/>
                 <a:ea typeface="微软雅黑" panose="020B0503020204020204" pitchFamily="34" charset="-122"/>
               </a:rPr>
               <a:t>7 × 12</a:t>
             </a:r>
             <a:endParaRPr lang="zh-CN" altLang="en-US" dirty="0">
+              <a:solidFill>
+                <a:srgbClr val="FFCCFF"/>
+              </a:solidFill>
               <a:latin typeface="微软雅黑" panose="020B0503020204020204" pitchFamily="34" charset="-122"/>
               <a:ea typeface="微软雅黑" panose="020B0503020204020204" pitchFamily="34" charset="-122"/>
             </a:endParaRPr>
           </a:p>
         </p:txBody>
       </p:sp>
-      <p:sp>
-        <p:nvSpPr>
-          <p:cNvPr id="28" name="右大括号 27">
-            <a:extLst>
-              <a:ext uri="{FF2B5EF4-FFF2-40B4-BE49-F238E27FC236}">
-                <a16:creationId xmlns:a16="http://schemas.microsoft.com/office/drawing/2014/main" id="{628B3192-4638-4BE3-AD73-BE6232BA329C}"/>
-              </a:ext>
-            </a:extLst>
-          </p:cNvPr>
-          <p:cNvSpPr/>
+      <p:grpSp>
+        <p:nvGrpSpPr>
+          <p:cNvPr id="12" name="组合 11"/>
+          <p:cNvGrpSpPr/>
           <p:nvPr/>
-        </p:nvSpPr>
-        <p:spPr>
-          <a:xfrm rot="5400000">
-            <a:off x="7778502" y="1032798"/>
-            <a:ext cx="211603" cy="1859640"/>
-          </a:xfrm>
-          <a:prstGeom prst="rightBrace">
-            <a:avLst/>
-          </a:prstGeom>
-          <a:ln w="12700">
-            <a:solidFill>
+        </p:nvGrpSpPr>
+        <p:grpSpPr>
+          <a:xfrm>
+            <a:off x="7253273" y="3059485"/>
+            <a:ext cx="2452793" cy="978550"/>
+            <a:chOff x="6797966" y="1454413"/>
+            <a:chExt cx="2452793" cy="978550"/>
+          </a:xfrm>
+        </p:grpSpPr>
+        <p:sp>
+          <p:nvSpPr>
+            <p:cNvPr id="26" name="文本框 25">
+              <a:extLst>
+                <a:ext uri="{FF2B5EF4-FFF2-40B4-BE49-F238E27FC236}">
+                  <a16:creationId xmlns:a16="http://schemas.microsoft.com/office/drawing/2014/main" id="{80B7303B-8F9D-4249-A1F7-5CE429364BED}"/>
+                </a:ext>
+              </a:extLst>
+            </p:cNvPr>
+            <p:cNvSpPr txBox="1"/>
+            <p:nvPr/>
+          </p:nvSpPr>
+          <p:spPr>
+            <a:xfrm>
+              <a:off x="6797966" y="1454413"/>
+              <a:ext cx="2452793" cy="400110"/>
+            </a:xfrm>
+            <a:prstGeom prst="rect">
+              <a:avLst/>
+            </a:prstGeom>
+            <a:noFill/>
+          </p:spPr>
+          <p:txBody>
+            <a:bodyPr wrap="square" rtlCol="0">
+              <a:spAutoFit/>
+            </a:bodyPr>
+            <a:lstStyle/>
+            <a:p>
+              <a:r>
+                <a:rPr lang="en-US" altLang="zh-CN" sz="2000" dirty="0">
+                  <a:solidFill>
+                    <a:srgbClr val="FFCCFF"/>
+                  </a:solidFill>
+                </a:rPr>
+                <a:t>[-1 , 1 , -1 , ··· ···, -1]</a:t>
+              </a:r>
+              <a:endParaRPr lang="zh-CN" altLang="en-US" sz="2000" dirty="0">
+                <a:solidFill>
+                  <a:srgbClr val="FFCCFF"/>
+                </a:solidFill>
+              </a:endParaRPr>
+            </a:p>
+          </p:txBody>
+        </p:sp>
+        <p:sp>
+          <p:nvSpPr>
+            <p:cNvPr id="28" name="右大括号 27">
+              <a:extLst>
+                <a:ext uri="{FF2B5EF4-FFF2-40B4-BE49-F238E27FC236}">
+                  <a16:creationId xmlns:a16="http://schemas.microsoft.com/office/drawing/2014/main" id="{628B3192-4638-4BE3-AD73-BE6232BA329C}"/>
+                </a:ext>
+              </a:extLst>
+            </p:cNvPr>
+            <p:cNvSpPr/>
+            <p:nvPr/>
+          </p:nvSpPr>
+          <p:spPr>
+            <a:xfrm rot="5400000">
+              <a:off x="7778502" y="1032798"/>
+              <a:ext cx="211603" cy="1859640"/>
+            </a:xfrm>
+            <a:prstGeom prst="rightBrace">
+              <a:avLst/>
+            </a:prstGeom>
+            <a:ln w="12700">
+              <a:solidFill>
+                <a:srgbClr val="FFCCFF"/>
+              </a:solidFill>
+              <a:prstDash val="solid"/>
+            </a:ln>
+          </p:spPr>
+          <p:style>
+            <a:lnRef idx="1">
+              <a:schemeClr val="accent1"/>
+            </a:lnRef>
+            <a:fillRef idx="0">
+              <a:schemeClr val="accent1"/>
+            </a:fillRef>
+            <a:effectRef idx="0">
+              <a:schemeClr val="accent1"/>
+            </a:effectRef>
+            <a:fontRef idx="minor">
               <a:schemeClr val="tx1"/>
-            </a:solidFill>
-            <a:prstDash val="solid"/>
-          </a:ln>
-        </p:spPr>
-        <p:style>
-          <a:lnRef idx="1">
-            <a:schemeClr val="accent1"/>
-          </a:lnRef>
-          <a:fillRef idx="0">
-            <a:schemeClr val="accent1"/>
-          </a:fillRef>
-          <a:effectRef idx="0">
-            <a:schemeClr val="accent1"/>
-          </a:effectRef>
-          <a:fontRef idx="minor">
-            <a:schemeClr val="tx1"/>
-          </a:fontRef>
-        </p:style>
-        <p:txBody>
-          <a:bodyPr rtlCol="0" anchor="ctr"/>
-          <a:lstStyle/>
-          <a:p>
-            <a:pPr algn="ctr"/>
-            <a:endParaRPr lang="zh-CN" altLang="en-US"/>
-          </a:p>
-        </p:txBody>
-      </p:sp>
-      <p:sp>
-        <p:nvSpPr>
-          <p:cNvPr id="92" name="文本框 91">
-            <a:extLst>
-              <a:ext uri="{FF2B5EF4-FFF2-40B4-BE49-F238E27FC236}">
-                <a16:creationId xmlns:a16="http://schemas.microsoft.com/office/drawing/2014/main" id="{3A4C8859-5116-43B9-89FF-0F085AD9809A}"/>
-              </a:ext>
-            </a:extLst>
-          </p:cNvPr>
-          <p:cNvSpPr txBox="1"/>
-          <p:nvPr/>
-        </p:nvSpPr>
-        <p:spPr>
-          <a:xfrm>
-            <a:off x="7556412" y="2063631"/>
-            <a:ext cx="684803" cy="369332"/>
-          </a:xfrm>
-          <a:prstGeom prst="rect">
-            <a:avLst/>
-          </a:prstGeom>
-          <a:noFill/>
-        </p:spPr>
-        <p:txBody>
-          <a:bodyPr wrap="none" rtlCol="0">
-            <a:spAutoFit/>
-          </a:bodyPr>
-          <a:lstStyle/>
-          <a:p>
-            <a:r>
-              <a:rPr lang="en-US" altLang="zh-CN" dirty="0">
-                <a:latin typeface="微软雅黑" panose="020B0503020204020204" pitchFamily="34" charset="-122"/>
-                <a:ea typeface="微软雅黑" panose="020B0503020204020204" pitchFamily="34" charset="-122"/>
-              </a:rPr>
-              <a:t>84</a:t>
-            </a:r>
-            <a:r>
-              <a:rPr lang="zh-CN" altLang="en-US" dirty="0">
-                <a:latin typeface="微软雅黑" panose="020B0503020204020204" pitchFamily="34" charset="-122"/>
-                <a:ea typeface="微软雅黑" panose="020B0503020204020204" pitchFamily="34" charset="-122"/>
-              </a:rPr>
-              <a:t>维</a:t>
-            </a:r>
-          </a:p>
-        </p:txBody>
-      </p:sp>
+            </a:fontRef>
+          </p:style>
+          <p:txBody>
+            <a:bodyPr rtlCol="0" anchor="ctr"/>
+            <a:lstStyle/>
+            <a:p>
+              <a:pPr algn="ctr"/>
+              <a:endParaRPr lang="zh-CN" altLang="en-US">
+                <a:solidFill>
+                  <a:srgbClr val="FFCCFF"/>
+                </a:solidFill>
+              </a:endParaRPr>
+            </a:p>
+          </p:txBody>
+        </p:sp>
+        <p:sp>
+          <p:nvSpPr>
+            <p:cNvPr id="92" name="文本框 91">
+              <a:extLst>
+                <a:ext uri="{FF2B5EF4-FFF2-40B4-BE49-F238E27FC236}">
+                  <a16:creationId xmlns:a16="http://schemas.microsoft.com/office/drawing/2014/main" id="{3A4C8859-5116-43B9-89FF-0F085AD9809A}"/>
+                </a:ext>
+              </a:extLst>
+            </p:cNvPr>
+            <p:cNvSpPr txBox="1"/>
+            <p:nvPr/>
+          </p:nvSpPr>
+          <p:spPr>
+            <a:xfrm>
+              <a:off x="7556412" y="2063631"/>
+              <a:ext cx="684803" cy="369332"/>
+            </a:xfrm>
+            <a:prstGeom prst="rect">
+              <a:avLst/>
+            </a:prstGeom>
+            <a:noFill/>
+          </p:spPr>
+          <p:txBody>
+            <a:bodyPr wrap="none" rtlCol="0">
+              <a:spAutoFit/>
+            </a:bodyPr>
+            <a:lstStyle/>
+            <a:p>
+              <a:r>
+                <a:rPr lang="en-US" altLang="zh-CN" dirty="0">
+                  <a:solidFill>
+                    <a:srgbClr val="FFCCFF"/>
+                  </a:solidFill>
+                  <a:latin typeface="微软雅黑" panose="020B0503020204020204" pitchFamily="34" charset="-122"/>
+                  <a:ea typeface="微软雅黑" panose="020B0503020204020204" pitchFamily="34" charset="-122"/>
+                </a:rPr>
+                <a:t>84</a:t>
+              </a:r>
+              <a:r>
+                <a:rPr lang="zh-CN" altLang="en-US" dirty="0">
+                  <a:solidFill>
+                    <a:srgbClr val="FFCCFF"/>
+                  </a:solidFill>
+                  <a:latin typeface="微软雅黑" panose="020B0503020204020204" pitchFamily="34" charset="-122"/>
+                  <a:ea typeface="微软雅黑" panose="020B0503020204020204" pitchFamily="34" charset="-122"/>
+                </a:rPr>
+                <a:t>维</a:t>
+              </a:r>
+            </a:p>
+          </p:txBody>
+        </p:sp>
+      </p:grpSp>
       <mc:AlternateContent xmlns:mc="http://schemas.openxmlformats.org/markup-compatibility/2006">
         <mc:Choice xmlns:a14="http://schemas.microsoft.com/office/drawing/2010/main" Requires="a14">
           <p:sp>
             <p:nvSpPr>
-              <p:cNvPr id="95" name="文本框 94">
+              <p:cNvPr id="141" name="文本框 140">
                 <a:extLst>
                   <a:ext uri="{FF2B5EF4-FFF2-40B4-BE49-F238E27FC236}">
-                    <a16:creationId xmlns:a16="http://schemas.microsoft.com/office/drawing/2014/main" id="{9C5477F6-28A7-482C-9529-CF8AE1D0E990}"/>
+                    <a16:creationId xmlns:a16="http://schemas.microsoft.com/office/drawing/2014/main" id="{D036F51D-9C1D-46F9-A8D5-BA2B8D2E1092}"/>
                   </a:ext>
                 </a:extLst>
               </p:cNvPr>
@@ -9555,8 +9713,8 @@
             </p:nvSpPr>
             <p:spPr>
               <a:xfrm>
-                <a:off x="3437001" y="1032409"/>
-                <a:ext cx="520912" cy="300788"/>
+                <a:off x="2755261" y="1363168"/>
+                <a:ext cx="281424" cy="276999"/>
               </a:xfrm>
               <a:prstGeom prst="rect">
                 <a:avLst/>
@@ -9569,6 +9727,7 @@
               </a:bodyPr>
               <a:lstStyle/>
               <a:p>
+                <a:pPr/>
                 <a14:m>
                   <m:oMathPara xmlns:m="http://schemas.openxmlformats.org/officeDocument/2006/math">
                     <m:oMathParaPr>
@@ -9578,7 +9737,7 @@
                       <m:sSub>
                         <m:sSubPr>
                           <m:ctrlPr>
-                            <a:rPr lang="zh-CN" altLang="en-US" smtClean="0">
+                            <a:rPr lang="zh-CN" altLang="en-US" i="1" smtClean="0">
                               <a:solidFill>
                                 <a:srgbClr val="FFCCFF"/>
                               </a:solidFill>
@@ -9587,6 +9746,812 @@
                           </m:ctrlPr>
                         </m:sSubPr>
                         <m:e>
+                          <m:r>
+                            <a:rPr lang="en-US" altLang="zh-CN" b="0" i="1" smtClean="0">
+                              <a:solidFill>
+                                <a:srgbClr val="FFCCFF"/>
+                              </a:solidFill>
+                              <a:latin typeface="Cambria Math" panose="02040503050406030204" pitchFamily="18" charset="0"/>
+                            </a:rPr>
+                            <m:t>𝑥</m:t>
+                          </m:r>
+                        </m:e>
+                        <m:sub>
+                          <m:r>
+                            <a:rPr lang="en-US" altLang="zh-CN" b="0" i="1" smtClean="0">
+                              <a:solidFill>
+                                <a:srgbClr val="FFCCFF"/>
+                              </a:solidFill>
+                              <a:latin typeface="Cambria Math" panose="02040503050406030204" pitchFamily="18" charset="0"/>
+                            </a:rPr>
+                            <m:t>2</m:t>
+                          </m:r>
+                        </m:sub>
+                      </m:sSub>
+                    </m:oMath>
+                  </m:oMathPara>
+                </a14:m>
+                <a:endParaRPr lang="zh-CN" altLang="en-US" dirty="0">
+                  <a:solidFill>
+                    <a:srgbClr val="FFCCFF"/>
+                  </a:solidFill>
+                </a:endParaRPr>
+              </a:p>
+            </p:txBody>
+          </p:sp>
+        </mc:Choice>
+        <mc:Fallback>
+          <p:sp>
+            <p:nvSpPr>
+              <p:cNvPr id="141" name="文本框 140">
+                <a:extLst>
+                  <a:ext uri="{FF2B5EF4-FFF2-40B4-BE49-F238E27FC236}">
+                    <a16:creationId xmlns:a16="http://schemas.microsoft.com/office/drawing/2014/main" id="{D036F51D-9C1D-46F9-A8D5-BA2B8D2E1092}"/>
+                  </a:ext>
+                </a:extLst>
+              </p:cNvPr>
+              <p:cNvSpPr txBox="1">
+                <a:spLocks noRot="1" noChangeAspect="1" noMove="1" noResize="1" noEditPoints="1" noAdjustHandles="1" noChangeArrowheads="1" noChangeShapeType="1" noTextEdit="1"/>
+              </p:cNvSpPr>
+              <p:nvPr/>
+            </p:nvSpPr>
+            <p:spPr>
+              <a:xfrm>
+                <a:off x="2755261" y="1363168"/>
+                <a:ext cx="281424" cy="276999"/>
+              </a:xfrm>
+              <a:prstGeom prst="rect">
+                <a:avLst/>
+              </a:prstGeom>
+              <a:blipFill>
+                <a:blip r:embed="rId4"/>
+                <a:stretch>
+                  <a:fillRect l="-13043" r="-6522" b="-15556"/>
+                </a:stretch>
+              </a:blipFill>
+            </p:spPr>
+            <p:txBody>
+              <a:bodyPr/>
+              <a:lstStyle/>
+              <a:p>
+                <a:r>
+                  <a:rPr lang="zh-CN" altLang="en-US">
+                    <a:noFill/>
+                  </a:rPr>
+                  <a:t> </a:t>
+                </a:r>
+              </a:p>
+            </p:txBody>
+          </p:sp>
+        </mc:Fallback>
+      </mc:AlternateContent>
+      <mc:AlternateContent xmlns:mc="http://schemas.openxmlformats.org/markup-compatibility/2006">
+        <mc:Choice xmlns:a14="http://schemas.microsoft.com/office/drawing/2010/main" Requires="a14">
+          <p:sp>
+            <p:nvSpPr>
+              <p:cNvPr id="142" name="文本框 141">
+                <a:extLst>
+                  <a:ext uri="{FF2B5EF4-FFF2-40B4-BE49-F238E27FC236}">
+                    <a16:creationId xmlns:a16="http://schemas.microsoft.com/office/drawing/2014/main" id="{4AA9806F-5528-4743-BC25-8D6EC27D086C}"/>
+                  </a:ext>
+                </a:extLst>
+              </p:cNvPr>
+              <p:cNvSpPr txBox="1"/>
+              <p:nvPr/>
+            </p:nvSpPr>
+            <p:spPr>
+              <a:xfrm>
+                <a:off x="2762337" y="1812224"/>
+                <a:ext cx="281424" cy="276999"/>
+              </a:xfrm>
+              <a:prstGeom prst="rect">
+                <a:avLst/>
+              </a:prstGeom>
+              <a:noFill/>
+            </p:spPr>
+            <p:txBody>
+              <a:bodyPr wrap="none" lIns="0" tIns="0" rIns="0" bIns="0" rtlCol="0">
+                <a:spAutoFit/>
+              </a:bodyPr>
+              <a:lstStyle/>
+              <a:p>
+                <a:pPr/>
+                <a14:m>
+                  <m:oMathPara xmlns:m="http://schemas.openxmlformats.org/officeDocument/2006/math">
+                    <m:oMathParaPr>
+                      <m:jc m:val="centerGroup"/>
+                    </m:oMathParaPr>
+                    <m:oMath xmlns:m="http://schemas.openxmlformats.org/officeDocument/2006/math">
+                      <m:sSub>
+                        <m:sSubPr>
+                          <m:ctrlPr>
+                            <a:rPr lang="zh-CN" altLang="en-US" i="1" smtClean="0">
+                              <a:solidFill>
+                                <a:srgbClr val="FFCCFF"/>
+                              </a:solidFill>
+                              <a:latin typeface="Cambria Math" panose="02040503050406030204" pitchFamily="18" charset="0"/>
+                            </a:rPr>
+                          </m:ctrlPr>
+                        </m:sSubPr>
+                        <m:e>
+                          <m:r>
+                            <a:rPr lang="en-US" altLang="zh-CN" b="0" i="1" smtClean="0">
+                              <a:solidFill>
+                                <a:srgbClr val="FFCCFF"/>
+                              </a:solidFill>
+                              <a:latin typeface="Cambria Math" panose="02040503050406030204" pitchFamily="18" charset="0"/>
+                            </a:rPr>
+                            <m:t>𝑥</m:t>
+                          </m:r>
+                        </m:e>
+                        <m:sub>
+                          <m:r>
+                            <a:rPr lang="en-US" altLang="zh-CN" b="0" i="1" smtClean="0">
+                              <a:solidFill>
+                                <a:srgbClr val="FFCCFF"/>
+                              </a:solidFill>
+                              <a:latin typeface="Cambria Math" panose="02040503050406030204" pitchFamily="18" charset="0"/>
+                            </a:rPr>
+                            <m:t>3</m:t>
+                          </m:r>
+                        </m:sub>
+                      </m:sSub>
+                    </m:oMath>
+                  </m:oMathPara>
+                </a14:m>
+                <a:endParaRPr lang="zh-CN" altLang="en-US" dirty="0">
+                  <a:solidFill>
+                    <a:srgbClr val="FFCCFF"/>
+                  </a:solidFill>
+                </a:endParaRPr>
+              </a:p>
+            </p:txBody>
+          </p:sp>
+        </mc:Choice>
+        <mc:Fallback>
+          <p:sp>
+            <p:nvSpPr>
+              <p:cNvPr id="142" name="文本框 141">
+                <a:extLst>
+                  <a:ext uri="{FF2B5EF4-FFF2-40B4-BE49-F238E27FC236}">
+                    <a16:creationId xmlns:a16="http://schemas.microsoft.com/office/drawing/2014/main" id="{4AA9806F-5528-4743-BC25-8D6EC27D086C}"/>
+                  </a:ext>
+                </a:extLst>
+              </p:cNvPr>
+              <p:cNvSpPr txBox="1">
+                <a:spLocks noRot="1" noChangeAspect="1" noMove="1" noResize="1" noEditPoints="1" noAdjustHandles="1" noChangeArrowheads="1" noChangeShapeType="1" noTextEdit="1"/>
+              </p:cNvSpPr>
+              <p:nvPr/>
+            </p:nvSpPr>
+            <p:spPr>
+              <a:xfrm>
+                <a:off x="2762337" y="1812224"/>
+                <a:ext cx="281424" cy="276999"/>
+              </a:xfrm>
+              <a:prstGeom prst="rect">
+                <a:avLst/>
+              </a:prstGeom>
+              <a:blipFill>
+                <a:blip r:embed="rId5"/>
+                <a:stretch>
+                  <a:fillRect l="-13043" r="-8696" b="-15217"/>
+                </a:stretch>
+              </a:blipFill>
+            </p:spPr>
+            <p:txBody>
+              <a:bodyPr/>
+              <a:lstStyle/>
+              <a:p>
+                <a:r>
+                  <a:rPr lang="zh-CN" altLang="en-US">
+                    <a:noFill/>
+                  </a:rPr>
+                  <a:t> </a:t>
+                </a:r>
+              </a:p>
+            </p:txBody>
+          </p:sp>
+        </mc:Fallback>
+      </mc:AlternateContent>
+      <mc:AlternateContent xmlns:mc="http://schemas.openxmlformats.org/markup-compatibility/2006">
+        <mc:Choice xmlns:a14="http://schemas.microsoft.com/office/drawing/2010/main" Requires="a14">
+          <p:sp>
+            <p:nvSpPr>
+              <p:cNvPr id="143" name="文本框 142">
+                <a:extLst>
+                  <a:ext uri="{FF2B5EF4-FFF2-40B4-BE49-F238E27FC236}">
+                    <a16:creationId xmlns:a16="http://schemas.microsoft.com/office/drawing/2014/main" id="{67B857FF-7378-4420-A613-64E57AB1A7BE}"/>
+                  </a:ext>
+                </a:extLst>
+              </p:cNvPr>
+              <p:cNvSpPr txBox="1"/>
+              <p:nvPr/>
+            </p:nvSpPr>
+            <p:spPr>
+              <a:xfrm>
+                <a:off x="2748727" y="3278606"/>
+                <a:ext cx="291169" cy="276999"/>
+              </a:xfrm>
+              <a:prstGeom prst="rect">
+                <a:avLst/>
+              </a:prstGeom>
+              <a:noFill/>
+            </p:spPr>
+            <p:txBody>
+              <a:bodyPr wrap="none" lIns="0" tIns="0" rIns="0" bIns="0" rtlCol="0">
+                <a:spAutoFit/>
+              </a:bodyPr>
+              <a:lstStyle/>
+              <a:p>
+                <a:pPr/>
+                <a14:m>
+                  <m:oMathPara xmlns:m="http://schemas.openxmlformats.org/officeDocument/2006/math">
+                    <m:oMathParaPr>
+                      <m:jc m:val="centerGroup"/>
+                    </m:oMathParaPr>
+                    <m:oMath xmlns:m="http://schemas.openxmlformats.org/officeDocument/2006/math">
+                      <m:sSub>
+                        <m:sSubPr>
+                          <m:ctrlPr>
+                            <a:rPr lang="zh-CN" altLang="en-US" i="1" smtClean="0">
+                              <a:solidFill>
+                                <a:srgbClr val="FFCCFF"/>
+                              </a:solidFill>
+                              <a:latin typeface="Cambria Math" panose="02040503050406030204" pitchFamily="18" charset="0"/>
+                            </a:rPr>
+                          </m:ctrlPr>
+                        </m:sSubPr>
+                        <m:e>
+                          <m:r>
+                            <a:rPr lang="en-US" altLang="zh-CN" b="0" i="1" smtClean="0">
+                              <a:solidFill>
+                                <a:srgbClr val="FFCCFF"/>
+                              </a:solidFill>
+                              <a:latin typeface="Cambria Math" panose="02040503050406030204" pitchFamily="18" charset="0"/>
+                            </a:rPr>
+                            <m:t>𝑥</m:t>
+                          </m:r>
+                        </m:e>
+                        <m:sub>
+                          <m:r>
+                            <a:rPr lang="en-US" altLang="zh-CN" b="0" i="1" smtClean="0">
+                              <a:solidFill>
+                                <a:srgbClr val="FFCCFF"/>
+                              </a:solidFill>
+                              <a:latin typeface="Cambria Math" panose="02040503050406030204" pitchFamily="18" charset="0"/>
+                            </a:rPr>
+                            <m:t>𝑘</m:t>
+                          </m:r>
+                        </m:sub>
+                      </m:sSub>
+                    </m:oMath>
+                  </m:oMathPara>
+                </a14:m>
+                <a:endParaRPr lang="zh-CN" altLang="en-US" dirty="0">
+                  <a:solidFill>
+                    <a:srgbClr val="FFCCFF"/>
+                  </a:solidFill>
+                </a:endParaRPr>
+              </a:p>
+            </p:txBody>
+          </p:sp>
+        </mc:Choice>
+        <mc:Fallback>
+          <p:sp>
+            <p:nvSpPr>
+              <p:cNvPr id="143" name="文本框 142">
+                <a:extLst>
+                  <a:ext uri="{FF2B5EF4-FFF2-40B4-BE49-F238E27FC236}">
+                    <a16:creationId xmlns:a16="http://schemas.microsoft.com/office/drawing/2014/main" id="{67B857FF-7378-4420-A613-64E57AB1A7BE}"/>
+                  </a:ext>
+                </a:extLst>
+              </p:cNvPr>
+              <p:cNvSpPr txBox="1">
+                <a:spLocks noRot="1" noChangeAspect="1" noMove="1" noResize="1" noEditPoints="1" noAdjustHandles="1" noChangeArrowheads="1" noChangeShapeType="1" noTextEdit="1"/>
+              </p:cNvSpPr>
+              <p:nvPr/>
+            </p:nvSpPr>
+            <p:spPr>
+              <a:xfrm>
+                <a:off x="2748727" y="3278606"/>
+                <a:ext cx="291169" cy="276999"/>
+              </a:xfrm>
+              <a:prstGeom prst="rect">
+                <a:avLst/>
+              </a:prstGeom>
+              <a:blipFill>
+                <a:blip r:embed="rId6"/>
+                <a:stretch>
+                  <a:fillRect l="-12500" r="-6250" b="-17778"/>
+                </a:stretch>
+              </a:blipFill>
+            </p:spPr>
+            <p:txBody>
+              <a:bodyPr/>
+              <a:lstStyle/>
+              <a:p>
+                <a:r>
+                  <a:rPr lang="zh-CN" altLang="en-US">
+                    <a:noFill/>
+                  </a:rPr>
+                  <a:t> </a:t>
+                </a:r>
+              </a:p>
+            </p:txBody>
+          </p:sp>
+        </mc:Fallback>
+      </mc:AlternateContent>
+      <mc:AlternateContent xmlns:mc="http://schemas.openxmlformats.org/markup-compatibility/2006">
+        <mc:Choice xmlns:a14="http://schemas.microsoft.com/office/drawing/2010/main" Requires="a14">
+          <p:sp>
+            <p:nvSpPr>
+              <p:cNvPr id="144" name="文本框 143">
+                <a:extLst>
+                  <a:ext uri="{FF2B5EF4-FFF2-40B4-BE49-F238E27FC236}">
+                    <a16:creationId xmlns:a16="http://schemas.microsoft.com/office/drawing/2014/main" id="{5523ED1A-675C-48A1-8968-44A9423A0E75}"/>
+                  </a:ext>
+                </a:extLst>
+              </p:cNvPr>
+              <p:cNvSpPr txBox="1"/>
+              <p:nvPr/>
+            </p:nvSpPr>
+            <p:spPr>
+              <a:xfrm>
+                <a:off x="3065053" y="4395763"/>
+                <a:ext cx="379206" cy="276999"/>
+              </a:xfrm>
+              <a:prstGeom prst="rect">
+                <a:avLst/>
+              </a:prstGeom>
+              <a:noFill/>
+            </p:spPr>
+            <p:txBody>
+              <a:bodyPr wrap="none" lIns="0" tIns="0" rIns="0" bIns="0" rtlCol="0">
+                <a:spAutoFit/>
+              </a:bodyPr>
+              <a:lstStyle/>
+              <a:p>
+                <a:pPr/>
+                <a14:m>
+                  <m:oMathPara xmlns:m="http://schemas.openxmlformats.org/officeDocument/2006/math">
+                    <m:oMathParaPr>
+                      <m:jc m:val="centerGroup"/>
+                    </m:oMathParaPr>
+                    <m:oMath xmlns:m="http://schemas.openxmlformats.org/officeDocument/2006/math">
+                      <m:sSub>
+                        <m:sSubPr>
+                          <m:ctrlPr>
+                            <a:rPr lang="zh-CN" altLang="en-US" i="1" smtClean="0">
+                              <a:solidFill>
+                                <a:srgbClr val="FFCCFF"/>
+                              </a:solidFill>
+                              <a:latin typeface="Cambria Math" panose="02040503050406030204" pitchFamily="18" charset="0"/>
+                            </a:rPr>
+                          </m:ctrlPr>
+                        </m:sSubPr>
+                        <m:e>
+                          <m:r>
+                            <a:rPr lang="en-US" altLang="zh-CN" b="0" i="1" smtClean="0">
+                              <a:solidFill>
+                                <a:srgbClr val="FFCCFF"/>
+                              </a:solidFill>
+                              <a:latin typeface="Cambria Math" panose="02040503050406030204" pitchFamily="18" charset="0"/>
+                            </a:rPr>
+                            <m:t>𝑥</m:t>
+                          </m:r>
+                        </m:e>
+                        <m:sub>
+                          <m:r>
+                            <a:rPr lang="en-US" altLang="zh-CN" b="0" i="1" smtClean="0">
+                              <a:solidFill>
+                                <a:srgbClr val="FFCCFF"/>
+                              </a:solidFill>
+                              <a:latin typeface="Cambria Math" panose="02040503050406030204" pitchFamily="18" charset="0"/>
+                            </a:rPr>
+                            <m:t>84</m:t>
+                          </m:r>
+                        </m:sub>
+                      </m:sSub>
+                    </m:oMath>
+                  </m:oMathPara>
+                </a14:m>
+                <a:endParaRPr lang="zh-CN" altLang="en-US" dirty="0">
+                  <a:solidFill>
+                    <a:srgbClr val="FFCCFF"/>
+                  </a:solidFill>
+                </a:endParaRPr>
+              </a:p>
+            </p:txBody>
+          </p:sp>
+        </mc:Choice>
+        <mc:Fallback>
+          <p:sp>
+            <p:nvSpPr>
+              <p:cNvPr id="144" name="文本框 143">
+                <a:extLst>
+                  <a:ext uri="{FF2B5EF4-FFF2-40B4-BE49-F238E27FC236}">
+                    <a16:creationId xmlns:a16="http://schemas.microsoft.com/office/drawing/2014/main" id="{5523ED1A-675C-48A1-8968-44A9423A0E75}"/>
+                  </a:ext>
+                </a:extLst>
+              </p:cNvPr>
+              <p:cNvSpPr txBox="1">
+                <a:spLocks noRot="1" noChangeAspect="1" noMove="1" noResize="1" noEditPoints="1" noAdjustHandles="1" noChangeArrowheads="1" noChangeShapeType="1" noTextEdit="1"/>
+              </p:cNvSpPr>
+              <p:nvPr/>
+            </p:nvSpPr>
+            <p:spPr>
+              <a:xfrm>
+                <a:off x="3065053" y="4395763"/>
+                <a:ext cx="379206" cy="276999"/>
+              </a:xfrm>
+              <a:prstGeom prst="rect">
+                <a:avLst/>
+              </a:prstGeom>
+              <a:blipFill>
+                <a:blip r:embed="rId7"/>
+                <a:stretch>
+                  <a:fillRect l="-9677" r="-4839" b="-15217"/>
+                </a:stretch>
+              </a:blipFill>
+            </p:spPr>
+            <p:txBody>
+              <a:bodyPr/>
+              <a:lstStyle/>
+              <a:p>
+                <a:r>
+                  <a:rPr lang="zh-CN" altLang="en-US">
+                    <a:noFill/>
+                  </a:rPr>
+                  <a:t> </a:t>
+                </a:r>
+              </a:p>
+            </p:txBody>
+          </p:sp>
+        </mc:Fallback>
+      </mc:AlternateContent>
+      <p:sp>
+        <p:nvSpPr>
+          <p:cNvPr id="145" name="文本框 144">
+            <a:extLst>
+              <a:ext uri="{FF2B5EF4-FFF2-40B4-BE49-F238E27FC236}">
+                <a16:creationId xmlns:a16="http://schemas.microsoft.com/office/drawing/2014/main" id="{1522F816-7C4E-4474-973F-01F4181A8904}"/>
+              </a:ext>
+            </a:extLst>
+          </p:cNvPr>
+          <p:cNvSpPr txBox="1"/>
+          <p:nvPr/>
+        </p:nvSpPr>
+        <p:spPr>
+          <a:xfrm>
+            <a:off x="7811146" y="2136534"/>
+            <a:ext cx="1080745" cy="461665"/>
+          </a:xfrm>
+          <a:prstGeom prst="rect">
+            <a:avLst/>
+          </a:prstGeom>
+          <a:noFill/>
+        </p:spPr>
+        <p:txBody>
+          <a:bodyPr wrap="none" rtlCol="0">
+            <a:spAutoFit/>
+          </a:bodyPr>
+          <a:lstStyle/>
+          <a:p>
+            <a:pPr algn="ctr"/>
+            <a:r>
+              <a:rPr lang="zh-CN" altLang="en-US" sz="1200" dirty="0">
+                <a:solidFill>
+                  <a:srgbClr val="92D050"/>
+                </a:solidFill>
+                <a:latin typeface="微软雅黑" panose="020B0503020204020204" pitchFamily="34" charset="-122"/>
+                <a:ea typeface="微软雅黑" panose="020B0503020204020204" pitchFamily="34" charset="-122"/>
+              </a:rPr>
+              <a:t>向量参数</a:t>
+            </a:r>
+            <a:endParaRPr lang="en-US" altLang="zh-CN" sz="1200" dirty="0">
+              <a:solidFill>
+                <a:srgbClr val="92D050"/>
+              </a:solidFill>
+              <a:latin typeface="微软雅黑" panose="020B0503020204020204" pitchFamily="34" charset="-122"/>
+              <a:ea typeface="微软雅黑" panose="020B0503020204020204" pitchFamily="34" charset="-122"/>
+            </a:endParaRPr>
+          </a:p>
+          <a:p>
+            <a:r>
+              <a:rPr lang="en-US" altLang="zh-CN" sz="1200" dirty="0" smtClean="0">
+                <a:solidFill>
+                  <a:srgbClr val="92D050"/>
+                </a:solidFill>
+                <a:latin typeface="微软雅黑" panose="020B0503020204020204" pitchFamily="34" charset="-122"/>
+                <a:ea typeface="微软雅黑" panose="020B0503020204020204" pitchFamily="34" charset="-122"/>
+              </a:rPr>
+              <a:t>(</a:t>
+            </a:r>
+            <a:r>
+              <a:rPr lang="zh-CN" altLang="en-US" sz="1200" dirty="0" smtClean="0">
+                <a:solidFill>
+                  <a:srgbClr val="92D050"/>
+                </a:solidFill>
+                <a:latin typeface="微软雅黑" panose="020B0503020204020204" pitchFamily="34" charset="-122"/>
+                <a:ea typeface="微软雅黑" panose="020B0503020204020204" pitchFamily="34" charset="-122"/>
+              </a:rPr>
+              <a:t>分布式编码</a:t>
+            </a:r>
+            <a:r>
+              <a:rPr lang="en-US" altLang="zh-CN" sz="1200" dirty="0" smtClean="0">
+                <a:solidFill>
+                  <a:srgbClr val="92D050"/>
+                </a:solidFill>
+                <a:latin typeface="微软雅黑" panose="020B0503020204020204" pitchFamily="34" charset="-122"/>
+                <a:ea typeface="微软雅黑" panose="020B0503020204020204" pitchFamily="34" charset="-122"/>
+              </a:rPr>
+              <a:t>)</a:t>
+            </a:r>
+            <a:endParaRPr lang="zh-CN" altLang="en-US" sz="1200" dirty="0">
+              <a:solidFill>
+                <a:srgbClr val="92D050"/>
+              </a:solidFill>
+              <a:latin typeface="微软雅黑" panose="020B0503020204020204" pitchFamily="34" charset="-122"/>
+              <a:ea typeface="微软雅黑" panose="020B0503020204020204" pitchFamily="34" charset="-122"/>
+            </a:endParaRPr>
+          </a:p>
+        </p:txBody>
+      </p:sp>
+      <mc:AlternateContent xmlns:mc="http://schemas.openxmlformats.org/markup-compatibility/2006">
+        <mc:Choice xmlns:a14="http://schemas.microsoft.com/office/drawing/2010/main" Requires="a14">
+          <p:sp>
+            <p:nvSpPr>
+              <p:cNvPr id="37" name="文本框 36">
+                <a:extLst>
+                  <a:ext uri="{FF2B5EF4-FFF2-40B4-BE49-F238E27FC236}">
+                    <a16:creationId xmlns:a16="http://schemas.microsoft.com/office/drawing/2014/main" id="{D036F51D-9C1D-46F9-A8D5-BA2B8D2E1092}"/>
+                  </a:ext>
+                </a:extLst>
+              </p:cNvPr>
+              <p:cNvSpPr txBox="1"/>
+              <p:nvPr/>
+            </p:nvSpPr>
+            <p:spPr>
+              <a:xfrm>
+                <a:off x="3041280" y="941529"/>
+                <a:ext cx="276101" cy="276999"/>
+              </a:xfrm>
+              <a:prstGeom prst="rect">
+                <a:avLst/>
+              </a:prstGeom>
+              <a:noFill/>
+            </p:spPr>
+            <p:txBody>
+              <a:bodyPr wrap="none" lIns="0" tIns="0" rIns="0" bIns="0" rtlCol="0">
+                <a:spAutoFit/>
+              </a:bodyPr>
+              <a:lstStyle/>
+              <a:p>
+                <a:pPr/>
+                <a14:m>
+                  <m:oMathPara xmlns:m="http://schemas.openxmlformats.org/officeDocument/2006/math">
+                    <m:oMathParaPr>
+                      <m:jc m:val="centerGroup"/>
+                    </m:oMathParaPr>
+                    <m:oMath xmlns:m="http://schemas.openxmlformats.org/officeDocument/2006/math">
+                      <m:sSub>
+                        <m:sSubPr>
+                          <m:ctrlPr>
+                            <a:rPr lang="zh-CN" altLang="en-US" i="1" smtClean="0">
+                              <a:solidFill>
+                                <a:srgbClr val="FFCCFF"/>
+                              </a:solidFill>
+                              <a:latin typeface="Cambria Math" panose="02040503050406030204" pitchFamily="18" charset="0"/>
+                            </a:rPr>
+                          </m:ctrlPr>
+                        </m:sSubPr>
+                        <m:e>
+                          <m:r>
+                            <a:rPr lang="en-US" altLang="zh-CN" b="0" i="1" smtClean="0">
+                              <a:solidFill>
+                                <a:srgbClr val="FFCCFF"/>
+                              </a:solidFill>
+                              <a:latin typeface="Cambria Math" panose="02040503050406030204" pitchFamily="18" charset="0"/>
+                            </a:rPr>
+                            <m:t>𝑥</m:t>
+                          </m:r>
+                        </m:e>
+                        <m:sub>
+                          <m:r>
+                            <a:rPr lang="en-US" altLang="zh-CN" i="1" smtClean="0">
+                              <a:solidFill>
+                                <a:srgbClr val="FFCCFF"/>
+                              </a:solidFill>
+                              <a:latin typeface="Cambria Math" panose="02040503050406030204" pitchFamily="18" charset="0"/>
+                            </a:rPr>
+                            <m:t>1</m:t>
+                          </m:r>
+                        </m:sub>
+                      </m:sSub>
+                    </m:oMath>
+                  </m:oMathPara>
+                </a14:m>
+                <a:endParaRPr lang="zh-CN" altLang="en-US" dirty="0">
+                  <a:solidFill>
+                    <a:srgbClr val="FFCCFF"/>
+                  </a:solidFill>
+                </a:endParaRPr>
+              </a:p>
+            </p:txBody>
+          </p:sp>
+        </mc:Choice>
+        <mc:Fallback>
+          <p:sp>
+            <p:nvSpPr>
+              <p:cNvPr id="37" name="文本框 36">
+                <a:extLst>
+                  <a:ext uri="{FF2B5EF4-FFF2-40B4-BE49-F238E27FC236}">
+                    <a16:creationId xmlns:a16="http://schemas.microsoft.com/office/drawing/2014/main" id="{D036F51D-9C1D-46F9-A8D5-BA2B8D2E1092}"/>
+                  </a:ext>
+                </a:extLst>
+              </p:cNvPr>
+              <p:cNvSpPr txBox="1">
+                <a:spLocks noRot="1" noChangeAspect="1" noMove="1" noResize="1" noEditPoints="1" noAdjustHandles="1" noChangeArrowheads="1" noChangeShapeType="1" noTextEdit="1"/>
+              </p:cNvSpPr>
+              <p:nvPr/>
+            </p:nvSpPr>
+            <p:spPr>
+              <a:xfrm>
+                <a:off x="3041280" y="941529"/>
+                <a:ext cx="276101" cy="276999"/>
+              </a:xfrm>
+              <a:prstGeom prst="rect">
+                <a:avLst/>
+              </a:prstGeom>
+              <a:blipFill>
+                <a:blip r:embed="rId8"/>
+                <a:stretch>
+                  <a:fillRect l="-13333" r="-6667" b="-15217"/>
+                </a:stretch>
+              </a:blipFill>
+            </p:spPr>
+            <p:txBody>
+              <a:bodyPr/>
+              <a:lstStyle/>
+              <a:p>
+                <a:r>
+                  <a:rPr lang="zh-CN" altLang="en-US">
+                    <a:noFill/>
+                  </a:rPr>
+                  <a:t> </a:t>
+                </a:r>
+              </a:p>
+            </p:txBody>
+          </p:sp>
+        </mc:Fallback>
+      </mc:AlternateContent>
+      <p:grpSp>
+        <p:nvGrpSpPr>
+          <p:cNvPr id="14" name="组合 13"/>
+          <p:cNvGrpSpPr/>
+          <p:nvPr/>
+        </p:nvGrpSpPr>
+        <p:grpSpPr>
+          <a:xfrm>
+            <a:off x="6661688" y="2538430"/>
+            <a:ext cx="3044378" cy="854786"/>
+            <a:chOff x="6855494" y="732766"/>
+            <a:chExt cx="3044378" cy="977968"/>
+          </a:xfrm>
+        </p:grpSpPr>
+        <mc:AlternateContent xmlns:mc="http://schemas.openxmlformats.org/markup-compatibility/2006">
+          <mc:Choice xmlns:a14="http://schemas.microsoft.com/office/drawing/2010/main" Requires="a14">
+            <p:sp>
+              <p:nvSpPr>
+                <p:cNvPr id="95" name="文本框 94">
+                  <a:extLst>
+                    <a:ext uri="{FF2B5EF4-FFF2-40B4-BE49-F238E27FC236}">
+                      <a16:creationId xmlns:a16="http://schemas.microsoft.com/office/drawing/2014/main" id="{9C5477F6-28A7-482C-9529-CF8AE1D0E990}"/>
+                    </a:ext>
+                  </a:extLst>
+                </p:cNvPr>
+                <p:cNvSpPr txBox="1"/>
+                <p:nvPr/>
+              </p:nvSpPr>
+              <p:spPr>
+                <a:xfrm>
+                  <a:off x="6860835" y="732766"/>
+                  <a:ext cx="3039037" cy="977968"/>
+                </a:xfrm>
+                <a:prstGeom prst="rect">
+                  <a:avLst/>
+                </a:prstGeom>
+                <a:noFill/>
+              </p:spPr>
+              <p:txBody>
+                <a:bodyPr wrap="none" lIns="0" tIns="0" rIns="0" bIns="0" rtlCol="0">
+                  <a:spAutoFit/>
+                </a:bodyPr>
+                <a:lstStyle/>
+                <a:p>
+                  <a:pPr/>
+                  <a14:m>
+                    <m:oMath xmlns:m="http://schemas.openxmlformats.org/officeDocument/2006/math">
+                      <m:sSub>
+                        <m:sSubPr>
+                          <m:ctrlPr>
+                            <a:rPr lang="zh-CN" altLang="en-US" i="1" smtClean="0">
+                              <a:solidFill>
+                                <a:srgbClr val="FFCCFF"/>
+                              </a:solidFill>
+                              <a:latin typeface="Cambria Math" panose="02040503050406030204" pitchFamily="18" charset="0"/>
+                            </a:rPr>
+                          </m:ctrlPr>
+                        </m:sSubPr>
+                        <m:e>
+                          <m:sSub>
+                            <m:sSubPr>
+                              <m:ctrlPr>
+                                <a:rPr lang="zh-CN" altLang="en-US" i="1">
+                                  <a:solidFill>
+                                    <a:srgbClr val="FFCCFF"/>
+                                  </a:solidFill>
+                                  <a:latin typeface="Cambria Math" panose="02040503050406030204" pitchFamily="18" charset="0"/>
+                                </a:rPr>
+                              </m:ctrlPr>
+                            </m:sSubPr>
+                            <m:e>
+                              <m:r>
+                                <a:rPr lang="zh-CN" altLang="en-US" i="1">
+                                  <a:solidFill>
+                                    <a:srgbClr val="FFCCFF"/>
+                                  </a:solidFill>
+                                  <a:latin typeface="Cambria Math" panose="02040503050406030204" pitchFamily="18" charset="0"/>
+                                </a:rPr>
+                                <m:t>𝑤</m:t>
+                              </m:r>
+                            </m:e>
+                            <m:sub>
+                              <m:sSub>
+                                <m:sSubPr>
+                                  <m:ctrlPr>
+                                    <a:rPr lang="zh-CN" altLang="en-US" i="1">
+                                      <a:solidFill>
+                                        <a:srgbClr val="FFCCFF"/>
+                                      </a:solidFill>
+                                      <a:latin typeface="Cambria Math" panose="02040503050406030204" pitchFamily="18" charset="0"/>
+                                    </a:rPr>
+                                  </m:ctrlPr>
+                                </m:sSubPr>
+                                <m:e>
+                                  <m:r>
+                                    <a:rPr lang="zh-CN" altLang="en-US" i="1">
+                                      <a:solidFill>
+                                        <a:srgbClr val="FFCCFF"/>
+                                      </a:solidFill>
+                                      <a:latin typeface="Cambria Math" panose="02040503050406030204" pitchFamily="18" charset="0"/>
+                                    </a:rPr>
+                                    <m:t>𝐷</m:t>
+                                  </m:r>
+                                </m:e>
+                                <m:sub>
+                                  <m:r>
+                                    <a:rPr lang="zh-CN" altLang="en-US">
+                                      <a:solidFill>
+                                        <a:srgbClr val="FFCCFF"/>
+                                      </a:solidFill>
+                                      <a:latin typeface="Cambria Math" panose="02040503050406030204" pitchFamily="18" charset="0"/>
+                                    </a:rPr>
+                                    <m:t>1</m:t>
+                                  </m:r>
+                                </m:sub>
+                              </m:sSub>
+                            </m:sub>
+                          </m:sSub>
+                          <m:r>
+                            <a:rPr lang="en-US" altLang="zh-CN" b="0" i="1" smtClean="0">
+                              <a:solidFill>
+                                <a:srgbClr val="FFCCFF"/>
+                              </a:solidFill>
+                              <a:latin typeface="Cambria Math" panose="02040503050406030204" pitchFamily="18" charset="0"/>
+                            </a:rPr>
+                            <m:t>=[</m:t>
+                          </m:r>
                           <m:r>
                             <a:rPr lang="zh-CN" altLang="en-US" i="1">
                               <a:solidFill>
@@ -9644,102 +10609,21 @@
                         </m:sub>
                       </m:sSub>
                     </m:oMath>
-                  </m:oMathPara>
-                </a14:m>
-                <a:endParaRPr lang="zh-CN" altLang="en-US" dirty="0">
-                  <a:solidFill>
-                    <a:srgbClr val="FFCCFF"/>
-                  </a:solidFill>
-                </a:endParaRPr>
-              </a:p>
-            </p:txBody>
-          </p:sp>
-        </mc:Choice>
-        <mc:Fallback>
-          <p:sp>
-            <p:nvSpPr>
-              <p:cNvPr id="95" name="文本框 94">
-                <a:extLst>
-                  <a:ext uri="{FF2B5EF4-FFF2-40B4-BE49-F238E27FC236}">
-                    <a16:creationId xmlns:a16="http://schemas.microsoft.com/office/drawing/2014/main" id="{9C5477F6-28A7-482C-9529-CF8AE1D0E990}"/>
-                  </a:ext>
-                </a:extLst>
-              </p:cNvPr>
-              <p:cNvSpPr txBox="1">
-                <a:spLocks noRot="1" noChangeAspect="1" noMove="1" noResize="1" noEditPoints="1" noAdjustHandles="1" noChangeArrowheads="1" noChangeShapeType="1" noTextEdit="1"/>
-              </p:cNvSpPr>
-              <p:nvPr/>
-            </p:nvSpPr>
-            <p:spPr>
-              <a:xfrm>
-                <a:off x="3437001" y="1032409"/>
-                <a:ext cx="520912" cy="300788"/>
-              </a:xfrm>
-              <a:prstGeom prst="rect">
-                <a:avLst/>
-              </a:prstGeom>
-              <a:blipFill>
-                <a:blip r:embed="rId4"/>
-                <a:stretch>
-                  <a:fillRect l="-5882" r="-4706" b="-14000"/>
-                </a:stretch>
-              </a:blipFill>
-            </p:spPr>
-            <p:txBody>
-              <a:bodyPr/>
-              <a:lstStyle/>
-              <a:p>
-                <a:r>
-                  <a:rPr lang="zh-CN" altLang="en-US">
-                    <a:noFill/>
-                  </a:rPr>
-                  <a:t> </a:t>
-                </a:r>
-              </a:p>
-            </p:txBody>
-          </p:sp>
-        </mc:Fallback>
-      </mc:AlternateContent>
-      <mc:AlternateContent xmlns:mc="http://schemas.openxmlformats.org/markup-compatibility/2006">
-        <mc:Choice xmlns:a14="http://schemas.microsoft.com/office/drawing/2010/main" Requires="a14">
-          <p:sp>
-            <p:nvSpPr>
-              <p:cNvPr id="141" name="文本框 140">
-                <a:extLst>
-                  <a:ext uri="{FF2B5EF4-FFF2-40B4-BE49-F238E27FC236}">
-                    <a16:creationId xmlns:a16="http://schemas.microsoft.com/office/drawing/2014/main" id="{D036F51D-9C1D-46F9-A8D5-BA2B8D2E1092}"/>
-                  </a:ext>
-                </a:extLst>
-              </p:cNvPr>
-              <p:cNvSpPr txBox="1"/>
-              <p:nvPr/>
-            </p:nvSpPr>
-            <p:spPr>
-              <a:xfrm>
-                <a:off x="2755261" y="1363168"/>
-                <a:ext cx="520912" cy="300788"/>
-              </a:xfrm>
-              <a:prstGeom prst="rect">
-                <a:avLst/>
-              </a:prstGeom>
-              <a:noFill/>
-            </p:spPr>
-            <p:txBody>
-              <a:bodyPr wrap="none" lIns="0" tIns="0" rIns="0" bIns="0" rtlCol="0">
-                <a:spAutoFit/>
-              </a:bodyPr>
-              <a:lstStyle/>
-              <a:p>
-                <a14:m>
-                  <m:oMathPara xmlns:m="http://schemas.openxmlformats.org/officeDocument/2006/math">
-                    <m:oMathParaPr>
-                      <m:jc m:val="centerGroup"/>
-                    </m:oMathParaPr>
+                  </a14:m>
+                  <a:r>
+                    <a:rPr lang="en-US" altLang="zh-CN" dirty="0" smtClean="0">
+                      <a:solidFill>
+                        <a:srgbClr val="FFCCFF"/>
+                      </a:solidFill>
+                    </a:rPr>
+                    <a:t>, </a:t>
+                  </a:r>
+                  <a14:m>
                     <m:oMath xmlns:m="http://schemas.openxmlformats.org/officeDocument/2006/math">
                       <m:sSub>
                         <m:sSubPr>
                           <m:ctrlPr>
-                            <a:rPr lang="zh-CN" altLang="en-US" smtClean="0">
+                            <a:rPr lang="zh-CN" altLang="en-US" i="1">
                               <a:solidFill>
                                 <a:srgbClr val="FFCCFF"/>
                               </a:solidFill>
@@ -9783,7 +10667,7 @@
                             </m:e>
                             <m:sub>
                               <m:r>
-                                <a:rPr lang="zh-CN" altLang="en-US" i="0">
+                                <a:rPr lang="zh-CN" altLang="en-US">
                                   <a:solidFill>
                                     <a:srgbClr val="FFCCFF"/>
                                   </a:solidFill>
@@ -9794,7 +10678,7 @@
                             </m:sub>
                           </m:sSub>
                           <m:r>
-                            <a:rPr lang="en-US" altLang="zh-CN" b="0" i="1" smtClean="0">
+                            <a:rPr lang="en-US" altLang="zh-CN" b="0" i="0" smtClean="0">
                               <a:solidFill>
                                 <a:srgbClr val="FFCCFF"/>
                               </a:solidFill>
@@ -9804,103 +10688,39 @@
                           </m:r>
                         </m:sub>
                       </m:sSub>
+                      <m:r>
+                        <a:rPr lang="en-US" altLang="zh-CN" b="0" i="1" smtClean="0">
+                          <a:solidFill>
+                            <a:srgbClr val="FFCCFF"/>
+                          </a:solidFill>
+                          <a:latin typeface="Cambria Math" panose="02040503050406030204" pitchFamily="18" charset="0"/>
+                        </a:rPr>
+                        <m:t>, ··· </m:t>
+                      </m:r>
                     </m:oMath>
-                  </m:oMathPara>
-                </a14:m>
-                <a:endParaRPr lang="zh-CN" altLang="en-US" dirty="0">
-                  <a:solidFill>
-                    <a:srgbClr val="FFCCFF"/>
-                  </a:solidFill>
-                </a:endParaRPr>
-              </a:p>
-            </p:txBody>
-          </p:sp>
-        </mc:Choice>
-        <mc:Fallback>
-          <p:sp>
-            <p:nvSpPr>
-              <p:cNvPr id="141" name="文本框 140">
-                <a:extLst>
-                  <a:ext uri="{FF2B5EF4-FFF2-40B4-BE49-F238E27FC236}">
-                    <a16:creationId xmlns:a16="http://schemas.microsoft.com/office/drawing/2014/main" id="{D036F51D-9C1D-46F9-A8D5-BA2B8D2E1092}"/>
-                  </a:ext>
-                </a:extLst>
-              </p:cNvPr>
-              <p:cNvSpPr txBox="1">
-                <a:spLocks noRot="1" noChangeAspect="1" noMove="1" noResize="1" noEditPoints="1" noAdjustHandles="1" noChangeArrowheads="1" noChangeShapeType="1" noTextEdit="1"/>
-              </p:cNvSpPr>
-              <p:nvPr/>
-            </p:nvSpPr>
-            <p:spPr>
-              <a:xfrm>
-                <a:off x="2755261" y="1363168"/>
-                <a:ext cx="520912" cy="300788"/>
-              </a:xfrm>
-              <a:prstGeom prst="rect">
-                <a:avLst/>
-              </a:prstGeom>
-              <a:blipFill>
-                <a:blip r:embed="rId5"/>
-                <a:stretch>
-                  <a:fillRect l="-5882" r="-4706" b="-16327"/>
-                </a:stretch>
-              </a:blipFill>
-            </p:spPr>
-            <p:txBody>
-              <a:bodyPr/>
-              <a:lstStyle/>
-              <a:p>
-                <a:r>
-                  <a:rPr lang="zh-CN" altLang="en-US">
-                    <a:noFill/>
-                  </a:rPr>
-                  <a:t> </a:t>
-                </a:r>
-              </a:p>
-            </p:txBody>
-          </p:sp>
-        </mc:Fallback>
-      </mc:AlternateContent>
-      <mc:AlternateContent xmlns:mc="http://schemas.openxmlformats.org/markup-compatibility/2006">
-        <mc:Choice xmlns:a14="http://schemas.microsoft.com/office/drawing/2010/main" Requires="a14">
-          <p:sp>
-            <p:nvSpPr>
-              <p:cNvPr id="142" name="文本框 141">
-                <a:extLst>
-                  <a:ext uri="{FF2B5EF4-FFF2-40B4-BE49-F238E27FC236}">
-                    <a16:creationId xmlns:a16="http://schemas.microsoft.com/office/drawing/2014/main" id="{4AA9806F-5528-4743-BC25-8D6EC27D086C}"/>
-                  </a:ext>
-                </a:extLst>
-              </p:cNvPr>
-              <p:cNvSpPr txBox="1"/>
-              <p:nvPr/>
-            </p:nvSpPr>
-            <p:spPr>
-              <a:xfrm>
-                <a:off x="2762337" y="1812224"/>
-                <a:ext cx="520912" cy="300788"/>
-              </a:xfrm>
-              <a:prstGeom prst="rect">
-                <a:avLst/>
-              </a:prstGeom>
-              <a:noFill/>
-            </p:spPr>
-            <p:txBody>
-              <a:bodyPr wrap="none" lIns="0" tIns="0" rIns="0" bIns="0" rtlCol="0">
-                <a:spAutoFit/>
-              </a:bodyPr>
-              <a:lstStyle/>
-              <a:p>
-                <a14:m>
-                  <m:oMathPara xmlns:m="http://schemas.openxmlformats.org/officeDocument/2006/math">
-                    <m:oMathParaPr>
-                      <m:jc m:val="centerGroup"/>
-                    </m:oMathParaPr>
+                  </a14:m>
+                  <a:r>
+                    <a:rPr lang="en-US" altLang="zh-CN" dirty="0" smtClean="0">
+                      <a:solidFill>
+                        <a:srgbClr val="FFCCFF"/>
+                      </a:solidFill>
+                    </a:rPr>
+                    <a:t>···</a:t>
+                  </a:r>
+                  <a:r>
+                    <a:rPr lang="en-US" altLang="zh-CN" dirty="0" smtClean="0">
+                      <a:solidFill>
+                        <a:srgbClr val="FFCCFF"/>
+                      </a:solidFill>
+                    </a:rPr>
+                    <a:t>, </a:t>
+                  </a:r>
+                  <a14:m>
                     <m:oMath xmlns:m="http://schemas.openxmlformats.org/officeDocument/2006/math">
                       <m:sSub>
                         <m:sSubPr>
                           <m:ctrlPr>
-                            <a:rPr lang="zh-CN" altLang="en-US" smtClean="0">
+                            <a:rPr lang="zh-CN" altLang="en-US" i="1">
                               <a:solidFill>
                                 <a:srgbClr val="FFCCFF"/>
                               </a:solidFill>
@@ -9944,329 +10764,7 @@
                             </m:e>
                             <m:sub>
                               <m:r>
-                                <a:rPr lang="zh-CN" altLang="en-US" i="0">
-                                  <a:solidFill>
-                                    <a:srgbClr val="FFCCFF"/>
-                                  </a:solidFill>
-                                  <a:latin typeface="Cambria Math" panose="02040503050406030204" pitchFamily="18" charset="0"/>
-                                </a:rPr>
-                                <m:t>1</m:t>
-                              </m:r>
-                            </m:sub>
-                          </m:sSub>
-                          <m:r>
-                            <a:rPr lang="en-US" altLang="zh-CN" b="0" i="1" smtClean="0">
-                              <a:solidFill>
-                                <a:srgbClr val="FFCCFF"/>
-                              </a:solidFill>
-                              <a:latin typeface="Cambria Math" panose="02040503050406030204" pitchFamily="18" charset="0"/>
-                            </a:rPr>
-                            <m:t>3</m:t>
-                          </m:r>
-                        </m:sub>
-                      </m:sSub>
-                    </m:oMath>
-                  </m:oMathPara>
-                </a14:m>
-                <a:endParaRPr lang="zh-CN" altLang="en-US" dirty="0">
-                  <a:solidFill>
-                    <a:srgbClr val="FFCCFF"/>
-                  </a:solidFill>
-                </a:endParaRPr>
-              </a:p>
-            </p:txBody>
-          </p:sp>
-        </mc:Choice>
-        <mc:Fallback>
-          <p:sp>
-            <p:nvSpPr>
-              <p:cNvPr id="142" name="文本框 141">
-                <a:extLst>
-                  <a:ext uri="{FF2B5EF4-FFF2-40B4-BE49-F238E27FC236}">
-                    <a16:creationId xmlns:a16="http://schemas.microsoft.com/office/drawing/2014/main" id="{4AA9806F-5528-4743-BC25-8D6EC27D086C}"/>
-                  </a:ext>
-                </a:extLst>
-              </p:cNvPr>
-              <p:cNvSpPr txBox="1">
-                <a:spLocks noRot="1" noChangeAspect="1" noMove="1" noResize="1" noEditPoints="1" noAdjustHandles="1" noChangeArrowheads="1" noChangeShapeType="1" noTextEdit="1"/>
-              </p:cNvSpPr>
-              <p:nvPr/>
-            </p:nvSpPr>
-            <p:spPr>
-              <a:xfrm>
-                <a:off x="2762337" y="1812224"/>
-                <a:ext cx="520912" cy="300788"/>
-              </a:xfrm>
-              <a:prstGeom prst="rect">
-                <a:avLst/>
-              </a:prstGeom>
-              <a:blipFill>
-                <a:blip r:embed="rId6"/>
-                <a:stretch>
-                  <a:fillRect l="-5814" r="-4651" b="-14000"/>
-                </a:stretch>
-              </a:blipFill>
-            </p:spPr>
-            <p:txBody>
-              <a:bodyPr/>
-              <a:lstStyle/>
-              <a:p>
-                <a:r>
-                  <a:rPr lang="zh-CN" altLang="en-US">
-                    <a:noFill/>
-                  </a:rPr>
-                  <a:t> </a:t>
-                </a:r>
-              </a:p>
-            </p:txBody>
-          </p:sp>
-        </mc:Fallback>
-      </mc:AlternateContent>
-      <mc:AlternateContent xmlns:mc="http://schemas.openxmlformats.org/markup-compatibility/2006">
-        <mc:Choice xmlns:a14="http://schemas.microsoft.com/office/drawing/2010/main" Requires="a14">
-          <p:sp>
-            <p:nvSpPr>
-              <p:cNvPr id="143" name="文本框 142">
-                <a:extLst>
-                  <a:ext uri="{FF2B5EF4-FFF2-40B4-BE49-F238E27FC236}">
-                    <a16:creationId xmlns:a16="http://schemas.microsoft.com/office/drawing/2014/main" id="{67B857FF-7378-4420-A613-64E57AB1A7BE}"/>
-                  </a:ext>
-                </a:extLst>
-              </p:cNvPr>
-              <p:cNvSpPr txBox="1"/>
-              <p:nvPr/>
-            </p:nvSpPr>
-            <p:spPr>
-              <a:xfrm>
-                <a:off x="2748727" y="3278606"/>
-                <a:ext cx="530658" cy="300788"/>
-              </a:xfrm>
-              <a:prstGeom prst="rect">
-                <a:avLst/>
-              </a:prstGeom>
-              <a:noFill/>
-            </p:spPr>
-            <p:txBody>
-              <a:bodyPr wrap="none" lIns="0" tIns="0" rIns="0" bIns="0" rtlCol="0">
-                <a:spAutoFit/>
-              </a:bodyPr>
-              <a:lstStyle/>
-              <a:p>
-                <a14:m>
-                  <m:oMathPara xmlns:m="http://schemas.openxmlformats.org/officeDocument/2006/math">
-                    <m:oMathParaPr>
-                      <m:jc m:val="centerGroup"/>
-                    </m:oMathParaPr>
-                    <m:oMath xmlns:m="http://schemas.openxmlformats.org/officeDocument/2006/math">
-                      <m:sSub>
-                        <m:sSubPr>
-                          <m:ctrlPr>
-                            <a:rPr lang="zh-CN" altLang="en-US" smtClean="0">
-                              <a:solidFill>
-                                <a:srgbClr val="FFCCFF"/>
-                              </a:solidFill>
-                              <a:latin typeface="Cambria Math" panose="02040503050406030204" pitchFamily="18" charset="0"/>
-                            </a:rPr>
-                          </m:ctrlPr>
-                        </m:sSubPr>
-                        <m:e>
-                          <m:r>
-                            <a:rPr lang="zh-CN" altLang="en-US" i="1">
-                              <a:solidFill>
-                                <a:srgbClr val="FFCCFF"/>
-                              </a:solidFill>
-                              <a:latin typeface="Cambria Math" panose="02040503050406030204" pitchFamily="18" charset="0"/>
-                            </a:rPr>
-                            <m:t>𝑤</m:t>
-                          </m:r>
-                        </m:e>
-                        <m:sub>
-                          <m:sSub>
-                            <m:sSubPr>
-                              <m:ctrlPr>
-                                <a:rPr lang="zh-CN" altLang="en-US" i="1">
-                                  <a:solidFill>
-                                    <a:srgbClr val="FFCCFF"/>
-                                  </a:solidFill>
-                                  <a:latin typeface="Cambria Math" panose="02040503050406030204" pitchFamily="18" charset="0"/>
-                                </a:rPr>
-                              </m:ctrlPr>
-                            </m:sSubPr>
-                            <m:e>
-                              <m:r>
-                                <a:rPr lang="zh-CN" altLang="en-US" i="1">
-                                  <a:solidFill>
-                                    <a:srgbClr val="FFCCFF"/>
-                                  </a:solidFill>
-                                  <a:latin typeface="Cambria Math" panose="02040503050406030204" pitchFamily="18" charset="0"/>
-                                </a:rPr>
-                                <m:t>𝐷</m:t>
-                              </m:r>
-                            </m:e>
-                            <m:sub>
-                              <m:r>
-                                <a:rPr lang="zh-CN" altLang="en-US" i="0">
-                                  <a:solidFill>
-                                    <a:srgbClr val="FFCCFF"/>
-                                  </a:solidFill>
-                                  <a:latin typeface="Cambria Math" panose="02040503050406030204" pitchFamily="18" charset="0"/>
-                                </a:rPr>
-                                <m:t>1</m:t>
-                              </m:r>
-                            </m:sub>
-                          </m:sSub>
-                          <m:r>
-                            <a:rPr lang="en-US" altLang="zh-CN" b="0" i="1" smtClean="0">
-                              <a:solidFill>
-                                <a:srgbClr val="FFCCFF"/>
-                              </a:solidFill>
-                              <a:latin typeface="Cambria Math" panose="02040503050406030204" pitchFamily="18" charset="0"/>
-                            </a:rPr>
-                            <m:t>𝑘</m:t>
-                          </m:r>
-                        </m:sub>
-                      </m:sSub>
-                    </m:oMath>
-                  </m:oMathPara>
-                </a14:m>
-                <a:endParaRPr lang="zh-CN" altLang="en-US" dirty="0">
-                  <a:solidFill>
-                    <a:srgbClr val="FFCCFF"/>
-                  </a:solidFill>
-                </a:endParaRPr>
-              </a:p>
-            </p:txBody>
-          </p:sp>
-        </mc:Choice>
-        <mc:Fallback>
-          <p:sp>
-            <p:nvSpPr>
-              <p:cNvPr id="143" name="文本框 142">
-                <a:extLst>
-                  <a:ext uri="{FF2B5EF4-FFF2-40B4-BE49-F238E27FC236}">
-                    <a16:creationId xmlns:a16="http://schemas.microsoft.com/office/drawing/2014/main" id="{67B857FF-7378-4420-A613-64E57AB1A7BE}"/>
-                  </a:ext>
-                </a:extLst>
-              </p:cNvPr>
-              <p:cNvSpPr txBox="1">
-                <a:spLocks noRot="1" noChangeAspect="1" noMove="1" noResize="1" noEditPoints="1" noAdjustHandles="1" noChangeArrowheads="1" noChangeShapeType="1" noTextEdit="1"/>
-              </p:cNvSpPr>
-              <p:nvPr/>
-            </p:nvSpPr>
-            <p:spPr>
-              <a:xfrm>
-                <a:off x="2748727" y="3278606"/>
-                <a:ext cx="530658" cy="300788"/>
-              </a:xfrm>
-              <a:prstGeom prst="rect">
-                <a:avLst/>
-              </a:prstGeom>
-              <a:blipFill>
-                <a:blip r:embed="rId7"/>
-                <a:stretch>
-                  <a:fillRect l="-5747" r="-4598" b="-16327"/>
-                </a:stretch>
-              </a:blipFill>
-            </p:spPr>
-            <p:txBody>
-              <a:bodyPr/>
-              <a:lstStyle/>
-              <a:p>
-                <a:r>
-                  <a:rPr lang="zh-CN" altLang="en-US">
-                    <a:noFill/>
-                  </a:rPr>
-                  <a:t> </a:t>
-                </a:r>
-              </a:p>
-            </p:txBody>
-          </p:sp>
-        </mc:Fallback>
-      </mc:AlternateContent>
-      <mc:AlternateContent xmlns:mc="http://schemas.openxmlformats.org/markup-compatibility/2006">
-        <mc:Choice xmlns:a14="http://schemas.microsoft.com/office/drawing/2010/main" Requires="a14">
-          <p:sp>
-            <p:nvSpPr>
-              <p:cNvPr id="144" name="文本框 143">
-                <a:extLst>
-                  <a:ext uri="{FF2B5EF4-FFF2-40B4-BE49-F238E27FC236}">
-                    <a16:creationId xmlns:a16="http://schemas.microsoft.com/office/drawing/2014/main" id="{5523ED1A-675C-48A1-8968-44A9423A0E75}"/>
-                  </a:ext>
-                </a:extLst>
-              </p:cNvPr>
-              <p:cNvSpPr txBox="1"/>
-              <p:nvPr/>
-            </p:nvSpPr>
-            <p:spPr>
-              <a:xfrm>
-                <a:off x="3065053" y="4395763"/>
-                <a:ext cx="618696" cy="300788"/>
-              </a:xfrm>
-              <a:prstGeom prst="rect">
-                <a:avLst/>
-              </a:prstGeom>
-              <a:noFill/>
-            </p:spPr>
-            <p:txBody>
-              <a:bodyPr wrap="none" lIns="0" tIns="0" rIns="0" bIns="0" rtlCol="0">
-                <a:spAutoFit/>
-              </a:bodyPr>
-              <a:lstStyle/>
-              <a:p>
-                <a14:m>
-                  <m:oMathPara xmlns:m="http://schemas.openxmlformats.org/officeDocument/2006/math">
-                    <m:oMathParaPr>
-                      <m:jc m:val="centerGroup"/>
-                    </m:oMathParaPr>
-                    <m:oMath xmlns:m="http://schemas.openxmlformats.org/officeDocument/2006/math">
-                      <m:sSub>
-                        <m:sSubPr>
-                          <m:ctrlPr>
-                            <a:rPr lang="zh-CN" altLang="en-US" smtClean="0">
-                              <a:solidFill>
-                                <a:srgbClr val="FFCCFF"/>
-                              </a:solidFill>
-                              <a:latin typeface="Cambria Math" panose="02040503050406030204" pitchFamily="18" charset="0"/>
-                            </a:rPr>
-                          </m:ctrlPr>
-                        </m:sSubPr>
-                        <m:e>
-                          <m:r>
-                            <a:rPr lang="zh-CN" altLang="en-US" i="1">
-                              <a:solidFill>
-                                <a:srgbClr val="FFCCFF"/>
-                              </a:solidFill>
-                              <a:latin typeface="Cambria Math" panose="02040503050406030204" pitchFamily="18" charset="0"/>
-                            </a:rPr>
-                            <m:t>𝑤</m:t>
-                          </m:r>
-                        </m:e>
-                        <m:sub>
-                          <m:sSub>
-                            <m:sSubPr>
-                              <m:ctrlPr>
-                                <a:rPr lang="zh-CN" altLang="en-US" i="1">
-                                  <a:solidFill>
-                                    <a:srgbClr val="FFCCFF"/>
-                                  </a:solidFill>
-                                  <a:latin typeface="Cambria Math" panose="02040503050406030204" pitchFamily="18" charset="0"/>
-                                </a:rPr>
-                              </m:ctrlPr>
-                            </m:sSubPr>
-                            <m:e>
-                              <m:r>
-                                <a:rPr lang="zh-CN" altLang="en-US" i="1">
-                                  <a:solidFill>
-                                    <a:srgbClr val="FFCCFF"/>
-                                  </a:solidFill>
-                                  <a:latin typeface="Cambria Math" panose="02040503050406030204" pitchFamily="18" charset="0"/>
-                                </a:rPr>
-                                <m:t>𝐷</m:t>
-                              </m:r>
-                            </m:e>
-                            <m:sub>
-                              <m:r>
-                                <a:rPr lang="zh-CN" altLang="en-US" i="0">
+                                <a:rPr lang="zh-CN" altLang="en-US">
                                   <a:solidFill>
                                     <a:srgbClr val="FFCCFF"/>
                                   </a:solidFill>
@@ -10288,103 +10786,403 @@
                         </m:sub>
                       </m:sSub>
                     </m:oMath>
-                  </m:oMathPara>
-                </a14:m>
-                <a:endParaRPr lang="zh-CN" altLang="en-US" dirty="0">
-                  <a:solidFill>
-                    <a:srgbClr val="FFCCFF"/>
-                  </a:solidFill>
-                </a:endParaRPr>
-              </a:p>
-            </p:txBody>
-          </p:sp>
-        </mc:Choice>
-        <mc:Fallback>
-          <p:sp>
-            <p:nvSpPr>
-              <p:cNvPr id="144" name="文本框 143">
-                <a:extLst>
-                  <a:ext uri="{FF2B5EF4-FFF2-40B4-BE49-F238E27FC236}">
-                    <a16:creationId xmlns:a16="http://schemas.microsoft.com/office/drawing/2014/main" id="{5523ED1A-675C-48A1-8968-44A9423A0E75}"/>
-                  </a:ext>
-                </a:extLst>
-              </p:cNvPr>
-              <p:cNvSpPr txBox="1">
-                <a:spLocks noRot="1" noChangeAspect="1" noMove="1" noResize="1" noEditPoints="1" noAdjustHandles="1" noChangeArrowheads="1" noChangeShapeType="1" noTextEdit="1"/>
-              </p:cNvSpPr>
-              <p:nvPr/>
-            </p:nvSpPr>
-            <p:spPr>
-              <a:xfrm>
-                <a:off x="3065053" y="4395763"/>
-                <a:ext cx="618696" cy="300788"/>
-              </a:xfrm>
-              <a:prstGeom prst="rect">
-                <a:avLst/>
-              </a:prstGeom>
-              <a:blipFill>
-                <a:blip r:embed="rId8"/>
-                <a:stretch>
-                  <a:fillRect l="-4950" r="-3960" b="-16327"/>
-                </a:stretch>
-              </a:blipFill>
-            </p:spPr>
-            <p:txBody>
-              <a:bodyPr/>
-              <a:lstStyle/>
-              <a:p>
-                <a:r>
-                  <a:rPr lang="zh-CN" altLang="en-US">
-                    <a:noFill/>
-                  </a:rPr>
-                  <a:t> </a:t>
-                </a:r>
-              </a:p>
-            </p:txBody>
-          </p:sp>
-        </mc:Fallback>
-      </mc:AlternateContent>
-      <p:sp>
-        <p:nvSpPr>
-          <p:cNvPr id="145" name="文本框 144">
-            <a:extLst>
-              <a:ext uri="{FF2B5EF4-FFF2-40B4-BE49-F238E27FC236}">
-                <a16:creationId xmlns:a16="http://schemas.microsoft.com/office/drawing/2014/main" id="{1522F816-7C4E-4474-973F-01F4181A8904}"/>
-              </a:ext>
-            </a:extLst>
-          </p:cNvPr>
-          <p:cNvSpPr txBox="1"/>
+                  </a14:m>
+                  <a:r>
+                    <a:rPr lang="en-US" altLang="zh-CN" dirty="0" smtClean="0">
+                      <a:solidFill>
+                        <a:srgbClr val="FFCCFF"/>
+                      </a:solidFill>
+                    </a:rPr>
+                    <a:t>] </a:t>
+                  </a:r>
+                  <a:endParaRPr lang="en-US" altLang="zh-CN" i="1" dirty="0" smtClean="0">
+                    <a:solidFill>
+                      <a:srgbClr val="FFCCFF"/>
+                    </a:solidFill>
+                    <a:latin typeface="Cambria Math" panose="02040503050406030204" pitchFamily="18" charset="0"/>
+                  </a:endParaRPr>
+                </a:p>
+                <a:p>
+                  <a:pPr/>
+                  <a14:m>
+                    <m:oMathPara xmlns:m="http://schemas.openxmlformats.org/officeDocument/2006/math">
+                      <m:oMathParaPr>
+                        <m:jc m:val="centerGroup"/>
+                      </m:oMathParaPr>
+                      <m:oMath xmlns:m="http://schemas.openxmlformats.org/officeDocument/2006/math">
+                        <m:r>
+                          <a:rPr lang="en-US" altLang="zh-CN" b="0" i="1" smtClean="0">
+                            <a:solidFill>
+                              <a:srgbClr val="FFCCFF"/>
+                            </a:solidFill>
+                            <a:latin typeface="Cambria Math" panose="02040503050406030204" pitchFamily="18" charset="0"/>
+                          </a:rPr>
+                          <m:t>         </m:t>
+                        </m:r>
+                      </m:oMath>
+                    </m:oMathPara>
+                  </a14:m>
+                  <a:endParaRPr lang="en-US" altLang="zh-CN" b="0" i="1" dirty="0" smtClean="0">
+                    <a:solidFill>
+                      <a:srgbClr val="FFCCFF"/>
+                    </a:solidFill>
+                    <a:latin typeface="Cambria Math" panose="02040503050406030204" pitchFamily="18" charset="0"/>
+                  </a:endParaRPr>
+                </a:p>
+                <a:p>
+                  <a:pPr/>
+                  <a:r>
+                    <a:rPr lang="en-US" altLang="zh-CN" dirty="0" smtClean="0">
+                      <a:solidFill>
+                        <a:srgbClr val="FFCCFF"/>
+                      </a:solidFill>
+                    </a:rPr>
+                    <a:t>        </a:t>
+                  </a:r>
+                  <a14:m>
+                    <m:oMath xmlns:m="http://schemas.openxmlformats.org/officeDocument/2006/math">
+                      <m:r>
+                        <a:rPr lang="en-US" altLang="zh-CN" i="1">
+                          <a:solidFill>
+                            <a:srgbClr val="FFCCFF"/>
+                          </a:solidFill>
+                          <a:latin typeface="Cambria Math" panose="02040503050406030204" pitchFamily="18" charset="0"/>
+                        </a:rPr>
+                        <m:t>=</m:t>
+                      </m:r>
+                    </m:oMath>
+                  </a14:m>
+                  <a:r>
+                    <a:rPr lang="en-US" altLang="zh-CN" dirty="0" smtClean="0">
+                      <a:solidFill>
+                        <a:srgbClr val="FFCCFF"/>
+                      </a:solidFill>
+                    </a:rPr>
+                    <a:t> </a:t>
+                  </a:r>
+                  <a:endParaRPr lang="zh-CN" altLang="en-US" dirty="0">
+                    <a:solidFill>
+                      <a:srgbClr val="FFCCFF"/>
+                    </a:solidFill>
+                  </a:endParaRPr>
+                </a:p>
+              </p:txBody>
+            </p:sp>
+          </mc:Choice>
+          <mc:Fallback>
+            <p:sp>
+              <p:nvSpPr>
+                <p:cNvPr id="95" name="文本框 94">
+                  <a:extLst>
+                    <a:ext uri="{FF2B5EF4-FFF2-40B4-BE49-F238E27FC236}">
+                      <a16:creationId xmlns:a16="http://schemas.microsoft.com/office/drawing/2014/main" id="{9C5477F6-28A7-482C-9529-CF8AE1D0E990}"/>
+                    </a:ext>
+                  </a:extLst>
+                </p:cNvPr>
+                <p:cNvSpPr txBox="1">
+                  <a:spLocks noRot="1" noChangeAspect="1" noMove="1" noResize="1" noEditPoints="1" noAdjustHandles="1" noChangeArrowheads="1" noChangeShapeType="1" noTextEdit="1"/>
+                </p:cNvSpPr>
+                <p:nvPr/>
+              </p:nvSpPr>
+              <p:spPr>
+                <a:xfrm>
+                  <a:off x="6860835" y="732766"/>
+                  <a:ext cx="3039037" cy="977968"/>
+                </a:xfrm>
+                <a:prstGeom prst="rect">
+                  <a:avLst/>
+                </a:prstGeom>
+                <a:blipFill>
+                  <a:blip r:embed="rId9"/>
+                  <a:stretch>
+                    <a:fillRect l="-2008" t="-8511" r="-4618"/>
+                  </a:stretch>
+                </a:blipFill>
+              </p:spPr>
+              <p:txBody>
+                <a:bodyPr/>
+                <a:lstStyle/>
+                <a:p>
+                  <a:r>
+                    <a:rPr lang="zh-CN" altLang="en-US">
+                      <a:noFill/>
+                    </a:rPr>
+                    <a:t> </a:t>
+                  </a:r>
+                </a:p>
+              </p:txBody>
+            </p:sp>
+          </mc:Fallback>
+        </mc:AlternateContent>
+        <p:cxnSp>
+          <p:nvCxnSpPr>
+            <p:cNvPr id="38" name="直接箭头连接符 37">
+              <a:extLst>
+                <a:ext uri="{FF2B5EF4-FFF2-40B4-BE49-F238E27FC236}">
+                  <a16:creationId xmlns:a16="http://schemas.microsoft.com/office/drawing/2014/main" id="{25276019-6CDA-4B15-A967-61E84ADBBC70}"/>
+                </a:ext>
+              </a:extLst>
+            </p:cNvPr>
+            <p:cNvCxnSpPr>
+              <a:cxnSpLocks/>
+            </p:cNvCxnSpPr>
+            <p:nvPr/>
+          </p:nvCxnSpPr>
+          <p:spPr>
+            <a:xfrm>
+              <a:off x="6855494" y="784795"/>
+              <a:ext cx="335284" cy="0"/>
+            </a:xfrm>
+            <a:prstGeom prst="straightConnector1">
+              <a:avLst/>
+            </a:prstGeom>
+            <a:ln w="12700">
+              <a:solidFill>
+                <a:schemeClr val="tx1"/>
+              </a:solidFill>
+              <a:prstDash val="solid"/>
+              <a:tailEnd type="triangle"/>
+            </a:ln>
+          </p:spPr>
+          <p:style>
+            <a:lnRef idx="1">
+              <a:schemeClr val="accent1"/>
+            </a:lnRef>
+            <a:fillRef idx="0">
+              <a:schemeClr val="accent1"/>
+            </a:fillRef>
+            <a:effectRef idx="0">
+              <a:schemeClr val="accent1"/>
+            </a:effectRef>
+            <a:fontRef idx="minor">
+              <a:schemeClr val="tx1"/>
+            </a:fontRef>
+          </p:style>
+        </p:cxnSp>
+      </p:grpSp>
+      <p:cxnSp>
+        <p:nvCxnSpPr>
+          <p:cNvPr id="11" name="直接箭头连接符 10"/>
+          <p:cNvCxnSpPr/>
           <p:nvPr/>
-        </p:nvSpPr>
-        <p:spPr>
-          <a:xfrm>
-            <a:off x="7423279" y="1187909"/>
-            <a:ext cx="922047" cy="338554"/>
-          </a:xfrm>
-          <a:prstGeom prst="rect">
+        </p:nvCxnSpPr>
+        <p:spPr>
+          <a:xfrm flipV="1">
+            <a:off x="6886737" y="1688968"/>
+            <a:ext cx="0" cy="791353"/>
+          </a:xfrm>
+          <a:prstGeom prst="straightConnector1">
             <a:avLst/>
           </a:prstGeom>
-          <a:noFill/>
-        </p:spPr>
-        <p:txBody>
-          <a:bodyPr wrap="none" rtlCol="0">
-            <a:spAutoFit/>
-          </a:bodyPr>
-          <a:lstStyle/>
-          <a:p>
-            <a:r>
-              <a:rPr lang="zh-CN" altLang="en-US" sz="1600" dirty="0">
-                <a:solidFill>
-                  <a:srgbClr val="92D050"/>
-                </a:solidFill>
-                <a:latin typeface="微软雅黑" panose="020B0503020204020204" pitchFamily="34" charset="-122"/>
-                <a:ea typeface="微软雅黑" panose="020B0503020204020204" pitchFamily="34" charset="-122"/>
-              </a:rPr>
-              <a:t>类 标 签</a:t>
-            </a:r>
-          </a:p>
-        </p:txBody>
-      </p:sp>
+          <a:ln w="15875">
+            <a:solidFill>
+              <a:srgbClr val="FFCCFF"/>
+            </a:solidFill>
+            <a:prstDash val="dash"/>
+            <a:tailEnd type="triangle"/>
+          </a:ln>
+        </p:spPr>
+        <p:style>
+          <a:lnRef idx="1">
+            <a:schemeClr val="accent1"/>
+          </a:lnRef>
+          <a:fillRef idx="0">
+            <a:schemeClr val="accent1"/>
+          </a:fillRef>
+          <a:effectRef idx="0">
+            <a:schemeClr val="accent1"/>
+          </a:effectRef>
+          <a:fontRef idx="minor">
+            <a:schemeClr val="tx1"/>
+          </a:fontRef>
+        </p:style>
+      </p:cxnSp>
+      <p:sp>
+        <p:nvSpPr>
+          <p:cNvPr id="17" name="右箭头 16"/>
+          <p:cNvSpPr/>
+          <p:nvPr/>
+        </p:nvSpPr>
+        <p:spPr>
+          <a:xfrm rot="5400000">
+            <a:off x="8132990" y="4165157"/>
+            <a:ext cx="413238" cy="159599"/>
+          </a:xfrm>
+          <a:prstGeom prst="rightArrow">
+            <a:avLst/>
+          </a:prstGeom>
+          <a:solidFill>
+            <a:srgbClr val="FFCCFF"/>
+          </a:solidFill>
+        </p:spPr>
+        <p:style>
+          <a:lnRef idx="2">
+            <a:schemeClr val="accent1">
+              <a:shade val="50000"/>
+            </a:schemeClr>
+          </a:lnRef>
+          <a:fillRef idx="1">
+            <a:schemeClr val="accent1"/>
+          </a:fillRef>
+          <a:effectRef idx="0">
+            <a:schemeClr val="accent1"/>
+          </a:effectRef>
+          <a:fontRef idx="minor">
+            <a:schemeClr val="lt1"/>
+          </a:fontRef>
+        </p:style>
+        <p:txBody>
+          <a:bodyPr rtlCol="0" anchor="ctr"/>
+          <a:lstStyle/>
+          <a:p>
+            <a:pPr algn="ctr"/>
+            <a:endParaRPr lang="zh-CN" altLang="en-US"/>
+          </a:p>
+        </p:txBody>
+      </p:sp>
+      <p:grpSp>
+        <p:nvGrpSpPr>
+          <p:cNvPr id="23" name="组合 22"/>
+          <p:cNvGrpSpPr/>
+          <p:nvPr/>
+        </p:nvGrpSpPr>
+        <p:grpSpPr>
+          <a:xfrm>
+            <a:off x="6254114" y="1342970"/>
+            <a:ext cx="253824" cy="276999"/>
+            <a:chOff x="6026481" y="1318723"/>
+            <a:chExt cx="253824" cy="276999"/>
+          </a:xfrm>
+        </p:grpSpPr>
+        <mc:AlternateContent xmlns:mc="http://schemas.openxmlformats.org/markup-compatibility/2006">
+          <mc:Choice xmlns:a14="http://schemas.microsoft.com/office/drawing/2010/main" Requires="a14">
+            <p:sp>
+              <p:nvSpPr>
+                <p:cNvPr id="20" name="文本框 19"/>
+                <p:cNvSpPr txBox="1"/>
+                <p:nvPr/>
+              </p:nvSpPr>
+              <p:spPr>
+                <a:xfrm>
+                  <a:off x="6061733" y="1318723"/>
+                  <a:ext cx="183320" cy="276999"/>
+                </a:xfrm>
+                <a:prstGeom prst="rect">
+                  <a:avLst/>
+                </a:prstGeom>
+                <a:noFill/>
+              </p:spPr>
+              <p:txBody>
+                <a:bodyPr wrap="none" lIns="0" tIns="0" rIns="0" bIns="0" rtlCol="0">
+                  <a:spAutoFit/>
+                </a:bodyPr>
+                <a:lstStyle/>
+                <a:p>
+                  <a14:m>
+                    <m:oMathPara xmlns:m="http://schemas.openxmlformats.org/officeDocument/2006/math">
+                      <m:oMathParaPr>
+                        <m:jc m:val="centerGroup"/>
+                      </m:oMathParaPr>
+                      <m:oMath xmlns:m="http://schemas.openxmlformats.org/officeDocument/2006/math">
+                        <m:r>
+                          <a:rPr lang="zh-CN" altLang="en-US" i="1" smtClean="0">
+                            <a:latin typeface="Cambria Math" panose="02040503050406030204" pitchFamily="18" charset="0"/>
+                          </a:rPr>
+                          <m:t>𝑥</m:t>
+                        </m:r>
+                      </m:oMath>
+                    </m:oMathPara>
+                  </a14:m>
+                  <a:endParaRPr lang="zh-CN" altLang="en-US" dirty="0"/>
+                </a:p>
+              </p:txBody>
+            </p:sp>
+          </mc:Choice>
+          <mc:Fallback>
+            <p:sp>
+              <p:nvSpPr>
+                <p:cNvPr id="20" name="文本框 19"/>
+                <p:cNvSpPr txBox="1">
+                  <a:spLocks noRot="1" noChangeAspect="1" noMove="1" noResize="1" noEditPoints="1" noAdjustHandles="1" noChangeArrowheads="1" noChangeShapeType="1" noTextEdit="1"/>
+                </p:cNvSpPr>
+                <p:nvPr/>
+              </p:nvSpPr>
+              <p:spPr>
+                <a:xfrm>
+                  <a:off x="6061733" y="1318723"/>
+                  <a:ext cx="183320" cy="276999"/>
+                </a:xfrm>
+                <a:prstGeom prst="rect">
+                  <a:avLst/>
+                </a:prstGeom>
+                <a:blipFill>
+                  <a:blip r:embed="rId10"/>
+                  <a:stretch>
+                    <a:fillRect l="-20000" r="-13333"/>
+                  </a:stretch>
+                </a:blipFill>
+              </p:spPr>
+              <p:txBody>
+                <a:bodyPr/>
+                <a:lstStyle/>
+                <a:p>
+                  <a:r>
+                    <a:rPr lang="zh-CN" altLang="en-US">
+                      <a:noFill/>
+                    </a:rPr>
+                    <a:t> </a:t>
+                  </a:r>
+                </a:p>
+              </p:txBody>
+            </p:sp>
+          </mc:Fallback>
+        </mc:AlternateContent>
+        <p:cxnSp>
+          <p:nvCxnSpPr>
+            <p:cNvPr id="63" name="直接箭头连接符 62">
+              <a:extLst>
+                <a:ext uri="{FF2B5EF4-FFF2-40B4-BE49-F238E27FC236}">
+                  <a16:creationId xmlns:a16="http://schemas.microsoft.com/office/drawing/2014/main" id="{6DF7A4CE-4E09-49E0-B7A1-DB02FB268508}"/>
+                </a:ext>
+              </a:extLst>
+            </p:cNvPr>
+            <p:cNvCxnSpPr>
+              <a:cxnSpLocks/>
+            </p:cNvCxnSpPr>
+            <p:nvPr/>
+          </p:nvCxnSpPr>
+          <p:spPr>
+            <a:xfrm>
+              <a:off x="6026481" y="1363168"/>
+              <a:ext cx="253824" cy="0"/>
+            </a:xfrm>
+            <a:prstGeom prst="straightConnector1">
+              <a:avLst/>
+            </a:prstGeom>
+            <a:ln w="12700">
+              <a:solidFill>
+                <a:schemeClr val="tx1"/>
+              </a:solidFill>
+              <a:prstDash val="solid"/>
+              <a:tailEnd type="triangle"/>
+            </a:ln>
+          </p:spPr>
+          <p:style>
+            <a:lnRef idx="1">
+              <a:schemeClr val="accent1"/>
+            </a:lnRef>
+            <a:fillRef idx="0">
+              <a:schemeClr val="accent1"/>
+            </a:fillRef>
+            <a:effectRef idx="0">
+              <a:schemeClr val="accent1"/>
+            </a:effectRef>
+            <a:fontRef idx="minor">
+              <a:schemeClr val="tx1"/>
+            </a:fontRef>
+          </p:style>
+        </p:cxnSp>
+      </p:grpSp>
     </p:spTree>
     <p:extLst>
       <p:ext uri="{BB962C8B-B14F-4D97-AF65-F5344CB8AC3E}">
